--- a/Slides/STT 6300 - Chapter 7.pptx
+++ b/Slides/STT 6300 - Chapter 7.pptx
@@ -126,6 +126,10 @@
     </p:ext>
   </p:extLst>
 </p:presentation>
+</file>
+
+<file path=ppt/revisionInfo.xml><?xml version="1.0" encoding="utf-8"?>
+<p1510:revInfo xmlns:a="http://schemas.openxmlformats.org/drawingml/2006/main" xmlns:r="http://schemas.openxmlformats.org/officeDocument/2006/relationships" xmlns:p1510="http://schemas.microsoft.com/office/powerpoint/2015/10/main"/>
 </file>
 
 <file path=ppt/slideLayouts/slideLayout1.xml><?xml version="1.0" encoding="utf-8"?>
@@ -4258,8 +4262,8 @@
           </a:p>
         </p:txBody>
       </p:sp>
-      <mc:AlternateContent xmlns:mc="http://schemas.openxmlformats.org/markup-compatibility/2006">
-        <mc:Choice xmlns:a14="http://schemas.microsoft.com/office/drawing/2010/main" Requires="a14">
+      <mc:AlternateContent xmlns:mc="http://schemas.openxmlformats.org/markup-compatibility/2006" xmlns:a14="http://schemas.microsoft.com/office/drawing/2010/main">
+        <mc:Choice Requires="a14">
           <p:sp>
             <p:nvSpPr>
               <p:cNvPr id="3" name="Content Placeholder 2">
@@ -4927,7 +4931,7 @@
             </p:txBody>
           </p:sp>
         </mc:Choice>
-        <mc:Fallback>
+        <mc:Fallback xmlns="">
           <p:sp>
             <p:nvSpPr>
               <p:cNvPr id="3" name="Content Placeholder 2">
@@ -5025,8 +5029,8 @@
           </a:p>
         </p:txBody>
       </p:sp>
-      <mc:AlternateContent xmlns:mc="http://schemas.openxmlformats.org/markup-compatibility/2006">
-        <mc:Choice xmlns:a14="http://schemas.microsoft.com/office/drawing/2010/main" Requires="a14">
+      <mc:AlternateContent xmlns:mc="http://schemas.openxmlformats.org/markup-compatibility/2006" xmlns:a14="http://schemas.microsoft.com/office/drawing/2010/main">
+        <mc:Choice Requires="a14">
           <p:sp>
             <p:nvSpPr>
               <p:cNvPr id="3" name="Content Placeholder 2">
@@ -5283,13 +5287,7 @@
                       <a:rPr lang="en-US" sz="2800" b="0" i="1" smtClean="0">
                         <a:latin typeface="Cambria Math" panose="02040503050406030204" pitchFamily="18" charset="0"/>
                       </a:rPr>
-                      <m:t>&lt;</m:t>
-                    </m:r>
-                    <m:r>
-                      <a:rPr lang="en-US" sz="2800" b="0" i="1" smtClean="0">
-                        <a:latin typeface="Cambria Math" panose="02040503050406030204" pitchFamily="18" charset="0"/>
-                      </a:rPr>
-                      <m:t>0</m:t>
+                      <m:t>&lt;0</m:t>
                     </m:r>
                   </m:oMath>
                 </a14:m>
@@ -5668,7 +5666,7 @@
             </p:txBody>
           </p:sp>
         </mc:Choice>
-        <mc:Fallback>
+        <mc:Fallback xmlns="">
           <p:sp>
             <p:nvSpPr>
               <p:cNvPr id="3" name="Content Placeholder 2">
@@ -5766,8 +5764,8 @@
           </a:p>
         </p:txBody>
       </p:sp>
-      <mc:AlternateContent xmlns:mc="http://schemas.openxmlformats.org/markup-compatibility/2006">
-        <mc:Choice xmlns:a14="http://schemas.microsoft.com/office/drawing/2010/main" Requires="a14">
+      <mc:AlternateContent xmlns:mc="http://schemas.openxmlformats.org/markup-compatibility/2006" xmlns:a14="http://schemas.microsoft.com/office/drawing/2010/main">
+        <mc:Choice Requires="a14">
           <p:sp>
             <p:nvSpPr>
               <p:cNvPr id="3" name="Content Placeholder 2">
@@ -6024,13 +6022,7 @@
                       <a:rPr lang="en-US" sz="2800" b="0" i="1" smtClean="0">
                         <a:latin typeface="Cambria Math" panose="02040503050406030204" pitchFamily="18" charset="0"/>
                       </a:rPr>
-                      <m:t>&gt;</m:t>
-                    </m:r>
-                    <m:r>
-                      <a:rPr lang="en-US" sz="2800" b="0" i="1" smtClean="0">
-                        <a:latin typeface="Cambria Math" panose="02040503050406030204" pitchFamily="18" charset="0"/>
-                      </a:rPr>
-                      <m:t>0</m:t>
+                      <m:t>&gt;0</m:t>
                     </m:r>
                   </m:oMath>
                 </a14:m>
@@ -6403,7 +6395,7 @@
             </p:txBody>
           </p:sp>
         </mc:Choice>
-        <mc:Fallback>
+        <mc:Fallback xmlns="">
           <p:sp>
             <p:nvSpPr>
               <p:cNvPr id="3" name="Content Placeholder 2">
@@ -6501,8 +6493,8 @@
           </a:p>
         </p:txBody>
       </p:sp>
-      <mc:AlternateContent xmlns:mc="http://schemas.openxmlformats.org/markup-compatibility/2006">
-        <mc:Choice xmlns:a14="http://schemas.microsoft.com/office/drawing/2010/main" Requires="a14">
+      <mc:AlternateContent xmlns:mc="http://schemas.openxmlformats.org/markup-compatibility/2006" xmlns:a14="http://schemas.microsoft.com/office/drawing/2010/main">
+        <mc:Choice Requires="a14">
           <p:sp>
             <p:nvSpPr>
               <p:cNvPr id="3" name="Content Placeholder 2">
@@ -7108,7 +7100,7 @@
             </p:txBody>
           </p:sp>
         </mc:Choice>
-        <mc:Fallback>
+        <mc:Fallback xmlns="">
           <p:sp>
             <p:nvSpPr>
               <p:cNvPr id="3" name="Content Placeholder 2">
@@ -7330,8 +7322,8 @@
           </a:p>
         </p:txBody>
       </p:sp>
-      <mc:AlternateContent xmlns:mc="http://schemas.openxmlformats.org/markup-compatibility/2006">
-        <mc:Choice xmlns:a14="http://schemas.microsoft.com/office/drawing/2010/main" Requires="a14">
+      <mc:AlternateContent xmlns:mc="http://schemas.openxmlformats.org/markup-compatibility/2006" xmlns:a14="http://schemas.microsoft.com/office/drawing/2010/main">
+        <mc:Choice Requires="a14">
           <p:sp>
             <p:nvSpPr>
               <p:cNvPr id="3" name="Content Placeholder 2">
@@ -7812,7 +7804,7 @@
             </p:txBody>
           </p:sp>
         </mc:Choice>
-        <mc:Fallback>
+        <mc:Fallback xmlns="">
           <p:sp>
             <p:nvSpPr>
               <p:cNvPr id="3" name="Content Placeholder 2">
@@ -7932,13 +7924,12 @@
           <a:lstStyle/>
           <a:p>
             <a:r>
-              <a:rPr lang="en-US" dirty="0"/>
-              <a:t>View </a:t>
+              <a:rPr lang="en-US" dirty="0" err="1">
+                <a:hlinkClick r:id="rId2"/>
+              </a:rPr>
+              <a:t>clams.R</a:t>
             </a:r>
-            <a:r>
-              <a:rPr lang="en-US"/>
-              <a:t>R script…</a:t>
-            </a:r>
+            <a:endParaRPr lang="en-US" dirty="0"/>
           </a:p>
         </p:txBody>
       </p:sp>

--- a/Slides/STT 6300 - Chapter 7.pptx
+++ b/Slides/STT 6300 - Chapter 7.pptx
@@ -22,6 +22,16 @@
     <p:sldId id="270" r:id="rId16"/>
     <p:sldId id="271" r:id="rId17"/>
     <p:sldId id="272" r:id="rId18"/>
+    <p:sldId id="273" r:id="rId19"/>
+    <p:sldId id="274" r:id="rId20"/>
+    <p:sldId id="275" r:id="rId21"/>
+    <p:sldId id="277" r:id="rId22"/>
+    <p:sldId id="278" r:id="rId23"/>
+    <p:sldId id="279" r:id="rId24"/>
+    <p:sldId id="276" r:id="rId25"/>
+    <p:sldId id="280" r:id="rId26"/>
+    <p:sldId id="281" r:id="rId27"/>
+    <p:sldId id="282" r:id="rId28"/>
   </p:sldIdLst>
   <p:sldSz cx="12192000" cy="6858000"/>
   <p:notesSz cx="6858000" cy="9144000"/>
@@ -279,7 +289,7 @@
           <a:p>
             <a:fld id="{7F0E8B80-72CB-4281-BCE4-00E31446B79A}" type="datetimeFigureOut">
               <a:rPr lang="en-US" smtClean="0"/>
-              <a:t>10/23/2017</a:t>
+              <a:t>10/29/2017</a:t>
             </a:fld>
             <a:endParaRPr lang="en-US"/>
           </a:p>
@@ -477,7 +487,7 @@
           <a:p>
             <a:fld id="{7F0E8B80-72CB-4281-BCE4-00E31446B79A}" type="datetimeFigureOut">
               <a:rPr lang="en-US" smtClean="0"/>
-              <a:t>10/23/2017</a:t>
+              <a:t>10/29/2017</a:t>
             </a:fld>
             <a:endParaRPr lang="en-US"/>
           </a:p>
@@ -685,7 +695,7 @@
           <a:p>
             <a:fld id="{7F0E8B80-72CB-4281-BCE4-00E31446B79A}" type="datetimeFigureOut">
               <a:rPr lang="en-US" smtClean="0"/>
-              <a:t>10/23/2017</a:t>
+              <a:t>10/29/2017</a:t>
             </a:fld>
             <a:endParaRPr lang="en-US"/>
           </a:p>
@@ -883,7 +893,7 @@
           <a:p>
             <a:fld id="{7F0E8B80-72CB-4281-BCE4-00E31446B79A}" type="datetimeFigureOut">
               <a:rPr lang="en-US" smtClean="0"/>
-              <a:t>10/23/2017</a:t>
+              <a:t>10/29/2017</a:t>
             </a:fld>
             <a:endParaRPr lang="en-US"/>
           </a:p>
@@ -1158,7 +1168,7 @@
           <a:p>
             <a:fld id="{7F0E8B80-72CB-4281-BCE4-00E31446B79A}" type="datetimeFigureOut">
               <a:rPr lang="en-US" smtClean="0"/>
-              <a:t>10/23/2017</a:t>
+              <a:t>10/29/2017</a:t>
             </a:fld>
             <a:endParaRPr lang="en-US"/>
           </a:p>
@@ -1423,7 +1433,7 @@
           <a:p>
             <a:fld id="{7F0E8B80-72CB-4281-BCE4-00E31446B79A}" type="datetimeFigureOut">
               <a:rPr lang="en-US" smtClean="0"/>
-              <a:t>10/23/2017</a:t>
+              <a:t>10/29/2017</a:t>
             </a:fld>
             <a:endParaRPr lang="en-US"/>
           </a:p>
@@ -1835,7 +1845,7 @@
           <a:p>
             <a:fld id="{7F0E8B80-72CB-4281-BCE4-00E31446B79A}" type="datetimeFigureOut">
               <a:rPr lang="en-US" smtClean="0"/>
-              <a:t>10/23/2017</a:t>
+              <a:t>10/29/2017</a:t>
             </a:fld>
             <a:endParaRPr lang="en-US"/>
           </a:p>
@@ -1976,7 +1986,7 @@
           <a:p>
             <a:fld id="{7F0E8B80-72CB-4281-BCE4-00E31446B79A}" type="datetimeFigureOut">
               <a:rPr lang="en-US" smtClean="0"/>
-              <a:t>10/23/2017</a:t>
+              <a:t>10/29/2017</a:t>
             </a:fld>
             <a:endParaRPr lang="en-US"/>
           </a:p>
@@ -2089,7 +2099,7 @@
           <a:p>
             <a:fld id="{7F0E8B80-72CB-4281-BCE4-00E31446B79A}" type="datetimeFigureOut">
               <a:rPr lang="en-US" smtClean="0"/>
-              <a:t>10/23/2017</a:t>
+              <a:t>10/29/2017</a:t>
             </a:fld>
             <a:endParaRPr lang="en-US"/>
           </a:p>
@@ -2400,7 +2410,7 @@
           <a:p>
             <a:fld id="{7F0E8B80-72CB-4281-BCE4-00E31446B79A}" type="datetimeFigureOut">
               <a:rPr lang="en-US" smtClean="0"/>
-              <a:t>10/23/2017</a:t>
+              <a:t>10/29/2017</a:t>
             </a:fld>
             <a:endParaRPr lang="en-US"/>
           </a:p>
@@ -2688,7 +2698,7 @@
           <a:p>
             <a:fld id="{7F0E8B80-72CB-4281-BCE4-00E31446B79A}" type="datetimeFigureOut">
               <a:rPr lang="en-US" smtClean="0"/>
-              <a:t>10/23/2017</a:t>
+              <a:t>10/29/2017</a:t>
             </a:fld>
             <a:endParaRPr lang="en-US"/>
           </a:p>
@@ -2929,7 +2939,7 @@
           <a:p>
             <a:fld id="{7F0E8B80-72CB-4281-BCE4-00E31446B79A}" type="datetimeFigureOut">
               <a:rPr lang="en-US" smtClean="0"/>
-              <a:t>10/23/2017</a:t>
+              <a:t>10/29/2017</a:t>
             </a:fld>
             <a:endParaRPr lang="en-US"/>
           </a:p>
@@ -3481,12 +3491,12 @@
             <p:spPr/>
             <p:txBody>
               <a:bodyPr>
-                <a:normAutofit fontScale="92500" lnSpcReduction="10000"/>
+                <a:noAutofit/>
               </a:bodyPr>
               <a:lstStyle/>
               <a:p>
                 <a:r>
-                  <a:rPr lang="en-US" dirty="0"/>
+                  <a:rPr lang="en-US" sz="2000" dirty="0"/>
                   <a:t>A common assumption when comparing the means from two populations is that they share a common variance: </a:t>
                 </a:r>
                 <a14:m>
@@ -3494,14 +3504,14 @@
                     <m:sSubSup>
                       <m:sSubSupPr>
                         <m:ctrlPr>
-                          <a:rPr lang="en-US" b="0" i="1" smtClean="0">
+                          <a:rPr lang="en-US" sz="2000" b="0" i="1" smtClean="0">
                             <a:latin typeface="Cambria Math" panose="02040503050406030204" pitchFamily="18" charset="0"/>
                           </a:rPr>
                         </m:ctrlPr>
                       </m:sSubSupPr>
                       <m:e>
                         <m:r>
-                          <a:rPr lang="en-US" b="0" i="1" smtClean="0">
+                          <a:rPr lang="en-US" sz="2000" b="0" i="1" smtClean="0">
                             <a:latin typeface="Cambria Math" panose="02040503050406030204" pitchFamily="18" charset="0"/>
                           </a:rPr>
                           <m:t>𝜎</m:t>
@@ -3509,7 +3519,7 @@
                       </m:e>
                       <m:sub>
                         <m:r>
-                          <a:rPr lang="en-US" b="0" i="1" smtClean="0">
+                          <a:rPr lang="en-US" sz="2000" b="0" i="1" smtClean="0">
                             <a:latin typeface="Cambria Math" panose="02040503050406030204" pitchFamily="18" charset="0"/>
                           </a:rPr>
                           <m:t>1</m:t>
@@ -3517,7 +3527,7 @@
                       </m:sub>
                       <m:sup>
                         <m:r>
-                          <a:rPr lang="en-US" b="0" i="1" smtClean="0">
+                          <a:rPr lang="en-US" sz="2000" b="0" i="1" smtClean="0">
                             <a:latin typeface="Cambria Math" panose="02040503050406030204" pitchFamily="18" charset="0"/>
                           </a:rPr>
                           <m:t>2</m:t>
@@ -3525,7 +3535,7 @@
                       </m:sup>
                     </m:sSubSup>
                     <m:r>
-                      <a:rPr lang="en-US" b="0" i="1" smtClean="0">
+                      <a:rPr lang="en-US" sz="2000" b="0" i="1" smtClean="0">
                         <a:latin typeface="Cambria Math" panose="02040503050406030204" pitchFamily="18" charset="0"/>
                       </a:rPr>
                       <m:t>=</m:t>
@@ -3533,14 +3543,14 @@
                     <m:sSubSup>
                       <m:sSubSupPr>
                         <m:ctrlPr>
-                          <a:rPr lang="en-US" b="0" i="1" smtClean="0">
+                          <a:rPr lang="en-US" sz="2000" b="0" i="1" smtClean="0">
                             <a:latin typeface="Cambria Math" panose="02040503050406030204" pitchFamily="18" charset="0"/>
                           </a:rPr>
                         </m:ctrlPr>
                       </m:sSubSupPr>
                       <m:e>
                         <m:r>
-                          <a:rPr lang="en-US" b="0" i="1" smtClean="0">
+                          <a:rPr lang="en-US" sz="2000" b="0" i="1" smtClean="0">
                             <a:latin typeface="Cambria Math" panose="02040503050406030204" pitchFamily="18" charset="0"/>
                           </a:rPr>
                           <m:t>𝜎</m:t>
@@ -3548,7 +3558,7 @@
                       </m:e>
                       <m:sub>
                         <m:r>
-                          <a:rPr lang="en-US" b="0" i="1" smtClean="0">
+                          <a:rPr lang="en-US" sz="2000" b="0" i="1" smtClean="0">
                             <a:latin typeface="Cambria Math" panose="02040503050406030204" pitchFamily="18" charset="0"/>
                           </a:rPr>
                           <m:t>2</m:t>
@@ -3556,7 +3566,7 @@
                       </m:sub>
                       <m:sup>
                         <m:r>
-                          <a:rPr lang="en-US" b="0" i="1" smtClean="0">
+                          <a:rPr lang="en-US" sz="2000" b="0" i="1" smtClean="0">
                             <a:latin typeface="Cambria Math" panose="02040503050406030204" pitchFamily="18" charset="0"/>
                           </a:rPr>
                           <m:t>2</m:t>
@@ -3564,7 +3574,7 @@
                       </m:sup>
                     </m:sSubSup>
                     <m:r>
-                      <a:rPr lang="en-US" b="0" i="1" smtClean="0">
+                      <a:rPr lang="en-US" sz="2000" b="0" i="1" smtClean="0">
                         <a:latin typeface="Cambria Math" panose="02040503050406030204" pitchFamily="18" charset="0"/>
                       </a:rPr>
                       <m:t>=</m:t>
@@ -3572,14 +3582,14 @@
                     <m:sSup>
                       <m:sSupPr>
                         <m:ctrlPr>
-                          <a:rPr lang="en-US" b="0" i="1" smtClean="0">
+                          <a:rPr lang="en-US" sz="2000" b="0" i="1" smtClean="0">
                             <a:latin typeface="Cambria Math" panose="02040503050406030204" pitchFamily="18" charset="0"/>
                           </a:rPr>
                         </m:ctrlPr>
                       </m:sSupPr>
                       <m:e>
                         <m:r>
-                          <a:rPr lang="en-US" b="0" i="1" smtClean="0">
+                          <a:rPr lang="en-US" sz="2000" b="0" i="1" smtClean="0">
                             <a:latin typeface="Cambria Math" panose="02040503050406030204" pitchFamily="18" charset="0"/>
                           </a:rPr>
                           <m:t>𝜎</m:t>
@@ -3587,7 +3597,7 @@
                       </m:e>
                       <m:sup>
                         <m:r>
-                          <a:rPr lang="en-US" b="0" i="1" smtClean="0">
+                          <a:rPr lang="en-US" sz="2000" b="0" i="1" smtClean="0">
                             <a:latin typeface="Cambria Math" panose="02040503050406030204" pitchFamily="18" charset="0"/>
                           </a:rPr>
                           <m:t>2</m:t>
@@ -3596,42 +3606,419 @@
                     </m:sSup>
                   </m:oMath>
                 </a14:m>
-                <a:endParaRPr lang="en-US" dirty="0"/>
+                <a:endParaRPr lang="en-US" sz="2000" dirty="0"/>
               </a:p>
               <a:p>
                 <a:r>
-                  <a:rPr lang="en-US" dirty="0"/>
+                  <a:rPr lang="en-US" sz="2000" dirty="0"/>
                   <a:t>If this assumption holds, then it makes sense to pool the data in order to estimate the common variance: </a:t>
                 </a:r>
+              </a:p>
+              <a:p>
+                <a:pPr marL="0" indent="0">
+                  <a:buNone/>
+                </a:pPr>
+                <a14:m>
+                  <m:oMathPara xmlns:m="http://schemas.openxmlformats.org/officeDocument/2006/math">
+                    <m:oMathParaPr>
+                      <m:jc m:val="centerGroup"/>
+                    </m:oMathParaPr>
+                    <m:oMath xmlns:m="http://schemas.openxmlformats.org/officeDocument/2006/math">
+                      <m:sSup>
+                        <m:sSupPr>
+                          <m:ctrlPr>
+                            <a:rPr lang="en-US" sz="2000" b="0" i="1" smtClean="0">
+                              <a:latin typeface="Cambria Math" panose="02040503050406030204" pitchFamily="18" charset="0"/>
+                            </a:rPr>
+                          </m:ctrlPr>
+                        </m:sSupPr>
+                        <m:e>
+                          <m:r>
+                            <a:rPr lang="en-US" sz="2000" b="0" i="1" smtClean="0">
+                              <a:latin typeface="Cambria Math" panose="02040503050406030204" pitchFamily="18" charset="0"/>
+                            </a:rPr>
+                            <m:t>𝑠</m:t>
+                          </m:r>
+                        </m:e>
+                        <m:sup>
+                          <m:r>
+                            <a:rPr lang="en-US" sz="2000" b="0" i="1" smtClean="0">
+                              <a:latin typeface="Cambria Math" panose="02040503050406030204" pitchFamily="18" charset="0"/>
+                            </a:rPr>
+                            <m:t>2</m:t>
+                          </m:r>
+                        </m:sup>
+                      </m:sSup>
+                      <m:r>
+                        <a:rPr lang="en-US" sz="2000" b="0" i="1" smtClean="0">
+                          <a:latin typeface="Cambria Math" panose="02040503050406030204" pitchFamily="18" charset="0"/>
+                        </a:rPr>
+                        <m:t>=</m:t>
+                      </m:r>
+                      <m:f>
+                        <m:fPr>
+                          <m:ctrlPr>
+                            <a:rPr lang="en-US" sz="2000" b="0" i="1" smtClean="0">
+                              <a:latin typeface="Cambria Math" panose="02040503050406030204" pitchFamily="18" charset="0"/>
+                            </a:rPr>
+                          </m:ctrlPr>
+                        </m:fPr>
+                        <m:num>
+                          <m:d>
+                            <m:dPr>
+                              <m:ctrlPr>
+                                <a:rPr lang="en-US" sz="2000" b="0" i="1" smtClean="0">
+                                  <a:latin typeface="Cambria Math" panose="02040503050406030204" pitchFamily="18" charset="0"/>
+                                </a:rPr>
+                              </m:ctrlPr>
+                            </m:dPr>
+                            <m:e>
+                              <m:sSub>
+                                <m:sSubPr>
+                                  <m:ctrlPr>
+                                    <a:rPr lang="en-US" sz="2000" b="0" i="1" smtClean="0">
+                                      <a:latin typeface="Cambria Math" panose="02040503050406030204" pitchFamily="18" charset="0"/>
+                                    </a:rPr>
+                                  </m:ctrlPr>
+                                </m:sSubPr>
+                                <m:e>
+                                  <m:r>
+                                    <a:rPr lang="en-US" sz="2000" b="0" i="1" smtClean="0">
+                                      <a:latin typeface="Cambria Math" panose="02040503050406030204" pitchFamily="18" charset="0"/>
+                                    </a:rPr>
+                                    <m:t>𝑛</m:t>
+                                  </m:r>
+                                </m:e>
+                                <m:sub>
+                                  <m:r>
+                                    <a:rPr lang="en-US" sz="2000" b="0" i="1" smtClean="0">
+                                      <a:latin typeface="Cambria Math" panose="02040503050406030204" pitchFamily="18" charset="0"/>
+                                    </a:rPr>
+                                    <m:t>1</m:t>
+                                  </m:r>
+                                </m:sub>
+                              </m:sSub>
+                              <m:r>
+                                <a:rPr lang="en-US" sz="2000" b="0" i="1" smtClean="0">
+                                  <a:latin typeface="Cambria Math" panose="02040503050406030204" pitchFamily="18" charset="0"/>
+                                </a:rPr>
+                                <m:t>−1</m:t>
+                              </m:r>
+                            </m:e>
+                          </m:d>
+                          <m:sSubSup>
+                            <m:sSubSupPr>
+                              <m:ctrlPr>
+                                <a:rPr lang="en-US" sz="2000" b="0" i="1" smtClean="0">
+                                  <a:latin typeface="Cambria Math" panose="02040503050406030204" pitchFamily="18" charset="0"/>
+                                </a:rPr>
+                              </m:ctrlPr>
+                            </m:sSubSupPr>
+                            <m:e>
+                              <m:r>
+                                <a:rPr lang="en-US" sz="2000" b="0" i="1" smtClean="0">
+                                  <a:latin typeface="Cambria Math" panose="02040503050406030204" pitchFamily="18" charset="0"/>
+                                </a:rPr>
+                                <m:t>𝑠</m:t>
+                              </m:r>
+                            </m:e>
+                            <m:sub>
+                              <m:r>
+                                <a:rPr lang="en-US" sz="2000" b="0" i="1" smtClean="0">
+                                  <a:latin typeface="Cambria Math" panose="02040503050406030204" pitchFamily="18" charset="0"/>
+                                </a:rPr>
+                                <m:t>1</m:t>
+                              </m:r>
+                            </m:sub>
+                            <m:sup>
+                              <m:r>
+                                <a:rPr lang="en-US" sz="2000" b="0" i="1" smtClean="0">
+                                  <a:latin typeface="Cambria Math" panose="02040503050406030204" pitchFamily="18" charset="0"/>
+                                </a:rPr>
+                                <m:t>2</m:t>
+                              </m:r>
+                            </m:sup>
+                          </m:sSubSup>
+                          <m:r>
+                            <a:rPr lang="en-US" sz="2000" b="0" i="1" smtClean="0">
+                              <a:latin typeface="Cambria Math" panose="02040503050406030204" pitchFamily="18" charset="0"/>
+                            </a:rPr>
+                            <m:t>+</m:t>
+                          </m:r>
+                          <m:d>
+                            <m:dPr>
+                              <m:ctrlPr>
+                                <a:rPr lang="en-US" sz="2000" b="0" i="1" smtClean="0">
+                                  <a:latin typeface="Cambria Math" panose="02040503050406030204" pitchFamily="18" charset="0"/>
+                                </a:rPr>
+                              </m:ctrlPr>
+                            </m:dPr>
+                            <m:e>
+                              <m:sSub>
+                                <m:sSubPr>
+                                  <m:ctrlPr>
+                                    <a:rPr lang="en-US" sz="2000" b="0" i="1" smtClean="0">
+                                      <a:latin typeface="Cambria Math" panose="02040503050406030204" pitchFamily="18" charset="0"/>
+                                    </a:rPr>
+                                  </m:ctrlPr>
+                                </m:sSubPr>
+                                <m:e>
+                                  <m:r>
+                                    <a:rPr lang="en-US" sz="2000" b="0" i="1" smtClean="0">
+                                      <a:latin typeface="Cambria Math" panose="02040503050406030204" pitchFamily="18" charset="0"/>
+                                    </a:rPr>
+                                    <m:t>𝑛</m:t>
+                                  </m:r>
+                                </m:e>
+                                <m:sub>
+                                  <m:r>
+                                    <a:rPr lang="en-US" sz="2000" b="0" i="1" smtClean="0">
+                                      <a:latin typeface="Cambria Math" panose="02040503050406030204" pitchFamily="18" charset="0"/>
+                                    </a:rPr>
+                                    <m:t>2</m:t>
+                                  </m:r>
+                                </m:sub>
+                              </m:sSub>
+                              <m:r>
+                                <a:rPr lang="en-US" sz="2000" b="0" i="1" smtClean="0">
+                                  <a:latin typeface="Cambria Math" panose="02040503050406030204" pitchFamily="18" charset="0"/>
+                                </a:rPr>
+                                <m:t>−1</m:t>
+                              </m:r>
+                            </m:e>
+                          </m:d>
+                          <m:sSubSup>
+                            <m:sSubSupPr>
+                              <m:ctrlPr>
+                                <a:rPr lang="en-US" sz="2000" b="0" i="1" smtClean="0">
+                                  <a:latin typeface="Cambria Math" panose="02040503050406030204" pitchFamily="18" charset="0"/>
+                                </a:rPr>
+                              </m:ctrlPr>
+                            </m:sSubSupPr>
+                            <m:e>
+                              <m:r>
+                                <a:rPr lang="en-US" sz="2000" b="0" i="1" smtClean="0">
+                                  <a:latin typeface="Cambria Math" panose="02040503050406030204" pitchFamily="18" charset="0"/>
+                                </a:rPr>
+                                <m:t>𝑠</m:t>
+                              </m:r>
+                            </m:e>
+                            <m:sub>
+                              <m:r>
+                                <a:rPr lang="en-US" sz="2000" b="0" i="1" smtClean="0">
+                                  <a:latin typeface="Cambria Math" panose="02040503050406030204" pitchFamily="18" charset="0"/>
+                                </a:rPr>
+                                <m:t>2</m:t>
+                              </m:r>
+                            </m:sub>
+                            <m:sup>
+                              <m:r>
+                                <a:rPr lang="en-US" sz="2000" b="0" i="1" smtClean="0">
+                                  <a:latin typeface="Cambria Math" panose="02040503050406030204" pitchFamily="18" charset="0"/>
+                                </a:rPr>
+                                <m:t>2</m:t>
+                              </m:r>
+                            </m:sup>
+                          </m:sSubSup>
+                        </m:num>
+                        <m:den>
+                          <m:sSub>
+                            <m:sSubPr>
+                              <m:ctrlPr>
+                                <a:rPr lang="en-US" sz="2000" b="0" i="1" smtClean="0">
+                                  <a:latin typeface="Cambria Math" panose="02040503050406030204" pitchFamily="18" charset="0"/>
+                                </a:rPr>
+                              </m:ctrlPr>
+                            </m:sSubPr>
+                            <m:e>
+                              <m:r>
+                                <a:rPr lang="en-US" sz="2000" b="0" i="1" smtClean="0">
+                                  <a:latin typeface="Cambria Math" panose="02040503050406030204" pitchFamily="18" charset="0"/>
+                                </a:rPr>
+                                <m:t>𝑛</m:t>
+                              </m:r>
+                            </m:e>
+                            <m:sub>
+                              <m:r>
+                                <a:rPr lang="en-US" sz="2000" b="0" i="1" smtClean="0">
+                                  <a:latin typeface="Cambria Math" panose="02040503050406030204" pitchFamily="18" charset="0"/>
+                                </a:rPr>
+                                <m:t>1</m:t>
+                              </m:r>
+                            </m:sub>
+                          </m:sSub>
+                          <m:r>
+                            <a:rPr lang="en-US" sz="2000" b="0" i="1" smtClean="0">
+                              <a:latin typeface="Cambria Math" panose="02040503050406030204" pitchFamily="18" charset="0"/>
+                            </a:rPr>
+                            <m:t>+</m:t>
+                          </m:r>
+                          <m:sSub>
+                            <m:sSubPr>
+                              <m:ctrlPr>
+                                <a:rPr lang="en-US" sz="2000" b="0" i="1" smtClean="0">
+                                  <a:latin typeface="Cambria Math" panose="02040503050406030204" pitchFamily="18" charset="0"/>
+                                </a:rPr>
+                              </m:ctrlPr>
+                            </m:sSubPr>
+                            <m:e>
+                              <m:r>
+                                <a:rPr lang="en-US" sz="2000" b="0" i="1" smtClean="0">
+                                  <a:latin typeface="Cambria Math" panose="02040503050406030204" pitchFamily="18" charset="0"/>
+                                </a:rPr>
+                                <m:t>𝑛</m:t>
+                              </m:r>
+                            </m:e>
+                            <m:sub>
+                              <m:r>
+                                <a:rPr lang="en-US" sz="2000" b="0" i="1" smtClean="0">
+                                  <a:latin typeface="Cambria Math" panose="02040503050406030204" pitchFamily="18" charset="0"/>
+                                </a:rPr>
+                                <m:t>2</m:t>
+                              </m:r>
+                            </m:sub>
+                          </m:sSub>
+                          <m:r>
+                            <a:rPr lang="en-US" sz="2000" b="0" i="1" smtClean="0">
+                              <a:latin typeface="Cambria Math" panose="02040503050406030204" pitchFamily="18" charset="0"/>
+                            </a:rPr>
+                            <m:t>−2</m:t>
+                          </m:r>
+                        </m:den>
+                      </m:f>
+                      <m:r>
+                        <a:rPr lang="en-US" sz="2000" b="0" i="1" smtClean="0">
+                          <a:latin typeface="Cambria Math" panose="02040503050406030204" pitchFamily="18" charset="0"/>
+                        </a:rPr>
+                        <m:t>=</m:t>
+                      </m:r>
+                      <m:r>
+                        <a:rPr lang="en-US" sz="2000" b="0" i="1" smtClean="0">
+                          <a:latin typeface="Cambria Math" panose="02040503050406030204" pitchFamily="18" charset="0"/>
+                        </a:rPr>
+                        <m:t>𝑤</m:t>
+                      </m:r>
+                      <m:sSubSup>
+                        <m:sSubSupPr>
+                          <m:ctrlPr>
+                            <a:rPr lang="en-US" sz="2000" b="0" i="1" smtClean="0">
+                              <a:latin typeface="Cambria Math" panose="02040503050406030204" pitchFamily="18" charset="0"/>
+                            </a:rPr>
+                          </m:ctrlPr>
+                        </m:sSubSupPr>
+                        <m:e>
+                          <m:r>
+                            <a:rPr lang="en-US" sz="2000" b="0" i="1" smtClean="0">
+                              <a:latin typeface="Cambria Math" panose="02040503050406030204" pitchFamily="18" charset="0"/>
+                            </a:rPr>
+                            <m:t>𝑠</m:t>
+                          </m:r>
+                        </m:e>
+                        <m:sub>
+                          <m:r>
+                            <a:rPr lang="en-US" sz="2000" b="0" i="1" smtClean="0">
+                              <a:latin typeface="Cambria Math" panose="02040503050406030204" pitchFamily="18" charset="0"/>
+                            </a:rPr>
+                            <m:t>1</m:t>
+                          </m:r>
+                        </m:sub>
+                        <m:sup>
+                          <m:r>
+                            <a:rPr lang="en-US" sz="2000" b="0" i="1" smtClean="0">
+                              <a:latin typeface="Cambria Math" panose="02040503050406030204" pitchFamily="18" charset="0"/>
+                            </a:rPr>
+                            <m:t>2</m:t>
+                          </m:r>
+                        </m:sup>
+                      </m:sSubSup>
+                      <m:r>
+                        <a:rPr lang="en-US" sz="2000" b="0" i="1" smtClean="0">
+                          <a:latin typeface="Cambria Math" panose="02040503050406030204" pitchFamily="18" charset="0"/>
+                        </a:rPr>
+                        <m:t>+</m:t>
+                      </m:r>
+                      <m:d>
+                        <m:dPr>
+                          <m:ctrlPr>
+                            <a:rPr lang="en-US" sz="2000" b="0" i="1" smtClean="0">
+                              <a:latin typeface="Cambria Math" panose="02040503050406030204" pitchFamily="18" charset="0"/>
+                            </a:rPr>
+                          </m:ctrlPr>
+                        </m:dPr>
+                        <m:e>
+                          <m:r>
+                            <a:rPr lang="en-US" sz="2000" b="0" i="1" smtClean="0">
+                              <a:latin typeface="Cambria Math" panose="02040503050406030204" pitchFamily="18" charset="0"/>
+                            </a:rPr>
+                            <m:t>1−</m:t>
+                          </m:r>
+                          <m:r>
+                            <a:rPr lang="en-US" sz="2000" b="0" i="1" smtClean="0">
+                              <a:latin typeface="Cambria Math" panose="02040503050406030204" pitchFamily="18" charset="0"/>
+                            </a:rPr>
+                            <m:t>𝑤</m:t>
+                          </m:r>
+                        </m:e>
+                      </m:d>
+                      <m:sSubSup>
+                        <m:sSubSupPr>
+                          <m:ctrlPr>
+                            <a:rPr lang="en-US" sz="2000" b="0" i="1" smtClean="0">
+                              <a:latin typeface="Cambria Math" panose="02040503050406030204" pitchFamily="18" charset="0"/>
+                            </a:rPr>
+                          </m:ctrlPr>
+                        </m:sSubSupPr>
+                        <m:e>
+                          <m:r>
+                            <a:rPr lang="en-US" sz="2000" b="0" i="1" smtClean="0">
+                              <a:latin typeface="Cambria Math" panose="02040503050406030204" pitchFamily="18" charset="0"/>
+                            </a:rPr>
+                            <m:t>𝑠</m:t>
+                          </m:r>
+                        </m:e>
+                        <m:sub>
+                          <m:r>
+                            <a:rPr lang="en-US" sz="2000" b="0" i="1" smtClean="0">
+                              <a:latin typeface="Cambria Math" panose="02040503050406030204" pitchFamily="18" charset="0"/>
+                            </a:rPr>
+                            <m:t>2</m:t>
+                          </m:r>
+                        </m:sub>
+                        <m:sup>
+                          <m:r>
+                            <a:rPr lang="en-US" sz="2000" b="0" i="1" smtClean="0">
+                              <a:latin typeface="Cambria Math" panose="02040503050406030204" pitchFamily="18" charset="0"/>
+                            </a:rPr>
+                            <m:t>2</m:t>
+                          </m:r>
+                        </m:sup>
+                      </m:sSubSup>
+                    </m:oMath>
+                  </m:oMathPara>
+                </a14:m>
+                <a:endParaRPr lang="en-US" sz="2000" b="0" dirty="0"/>
+              </a:p>
+              <a:p>
+                <a:r>
+                  <a:rPr lang="en-US" sz="2000" dirty="0"/>
+                  <a:t>And our observed test statistic becomes</a:t>
+                </a:r>
+                <a:br>
+                  <a:rPr lang="en-US" sz="2000" dirty="0"/>
+                </a:br>
+                <a:br>
+                  <a:rPr lang="en-US" sz="2000" dirty="0"/>
+                </a:br>
                 <a14:m>
                   <m:oMath xmlns:m="http://schemas.openxmlformats.org/officeDocument/2006/math">
-                    <m:sSup>
-                      <m:sSupPr>
-                        <m:ctrlPr>
-                          <a:rPr lang="en-US" b="0" i="1" smtClean="0">
-                            <a:latin typeface="Cambria Math" panose="02040503050406030204" pitchFamily="18" charset="0"/>
-                          </a:rPr>
-                        </m:ctrlPr>
-                      </m:sSupPr>
-                      <m:e>
-                        <m:r>
-                          <a:rPr lang="en-US" b="0" i="1" smtClean="0">
-                            <a:latin typeface="Cambria Math" panose="02040503050406030204" pitchFamily="18" charset="0"/>
-                          </a:rPr>
-                          <m:t>𝑠</m:t>
-                        </m:r>
-                      </m:e>
-                      <m:sup>
-                        <m:r>
-                          <a:rPr lang="en-US" b="0" i="1" smtClean="0">
-                            <a:latin typeface="Cambria Math" panose="02040503050406030204" pitchFamily="18" charset="0"/>
-                          </a:rPr>
-                          <m:t>2</m:t>
-                        </m:r>
-                      </m:sup>
-                    </m:sSup>
                     <m:r>
-                      <a:rPr lang="en-US" b="0" i="1" smtClean="0">
+                      <a:rPr lang="en-US" sz="2000" i="1">
+                        <a:latin typeface="Cambria Math" panose="02040503050406030204" pitchFamily="18" charset="0"/>
+                      </a:rPr>
+                      <m:t>𝑡</m:t>
+                    </m:r>
+                    <m:r>
+                      <a:rPr lang="en-US" sz="2000" i="1">
                         <a:latin typeface="Cambria Math" panose="02040503050406030204" pitchFamily="18" charset="0"/>
                       </a:rPr>
                       <m:t>=</m:t>
@@ -3639,189 +4026,43 @@
                     <m:f>
                       <m:fPr>
                         <m:ctrlPr>
-                          <a:rPr lang="en-US" b="0" i="1" smtClean="0">
+                          <a:rPr lang="en-US" sz="2000" i="1">
                             <a:latin typeface="Cambria Math" panose="02040503050406030204" pitchFamily="18" charset="0"/>
                           </a:rPr>
                         </m:ctrlPr>
                       </m:fPr>
                       <m:num>
-                        <m:d>
-                          <m:dPr>
-                            <m:ctrlPr>
-                              <a:rPr lang="en-US" b="0" i="1" smtClean="0">
-                                <a:latin typeface="Cambria Math" panose="02040503050406030204" pitchFamily="18" charset="0"/>
-                              </a:rPr>
-                            </m:ctrlPr>
-                          </m:dPr>
-                          <m:e>
-                            <m:sSub>
-                              <m:sSubPr>
-                                <m:ctrlPr>
-                                  <a:rPr lang="en-US" b="0" i="1" smtClean="0">
-                                    <a:latin typeface="Cambria Math" panose="02040503050406030204" pitchFamily="18" charset="0"/>
-                                  </a:rPr>
-                                </m:ctrlPr>
-                              </m:sSubPr>
-                              <m:e>
-                                <m:r>
-                                  <a:rPr lang="en-US" b="0" i="1" smtClean="0">
-                                    <a:latin typeface="Cambria Math" panose="02040503050406030204" pitchFamily="18" charset="0"/>
-                                  </a:rPr>
-                                  <m:t>𝑛</m:t>
-                                </m:r>
-                              </m:e>
-                              <m:sub>
-                                <m:r>
-                                  <a:rPr lang="en-US" b="0" i="1" smtClean="0">
-                                    <a:latin typeface="Cambria Math" panose="02040503050406030204" pitchFamily="18" charset="0"/>
-                                  </a:rPr>
-                                  <m:t>1</m:t>
-                                </m:r>
-                              </m:sub>
-                            </m:sSub>
-                            <m:r>
-                              <a:rPr lang="en-US" b="0" i="1" smtClean="0">
-                                <a:latin typeface="Cambria Math" panose="02040503050406030204" pitchFamily="18" charset="0"/>
-                              </a:rPr>
-                              <m:t>−1</m:t>
-                            </m:r>
-                          </m:e>
-                        </m:d>
-                        <m:sSubSup>
-                          <m:sSubSupPr>
-                            <m:ctrlPr>
-                              <a:rPr lang="en-US" b="0" i="1" smtClean="0">
-                                <a:latin typeface="Cambria Math" panose="02040503050406030204" pitchFamily="18" charset="0"/>
-                              </a:rPr>
-                            </m:ctrlPr>
-                          </m:sSubSupPr>
-                          <m:e>
-                            <m:r>
-                              <a:rPr lang="en-US" b="0" i="1" smtClean="0">
-                                <a:latin typeface="Cambria Math" panose="02040503050406030204" pitchFamily="18" charset="0"/>
-                              </a:rPr>
-                              <m:t>𝑠</m:t>
-                            </m:r>
-                          </m:e>
-                          <m:sub>
-                            <m:r>
-                              <a:rPr lang="en-US" b="0" i="1" smtClean="0">
-                                <a:latin typeface="Cambria Math" panose="02040503050406030204" pitchFamily="18" charset="0"/>
-                              </a:rPr>
-                              <m:t>1</m:t>
-                            </m:r>
-                          </m:sub>
-                          <m:sup>
-                            <m:r>
-                              <a:rPr lang="en-US" b="0" i="1" smtClean="0">
-                                <a:latin typeface="Cambria Math" panose="02040503050406030204" pitchFamily="18" charset="0"/>
-                              </a:rPr>
-                              <m:t>2</m:t>
-                            </m:r>
-                          </m:sup>
-                        </m:sSubSup>
-                        <m:r>
-                          <a:rPr lang="en-US" b="0" i="1" smtClean="0">
-                            <a:latin typeface="Cambria Math" panose="02040503050406030204" pitchFamily="18" charset="0"/>
-                          </a:rPr>
-                          <m:t>+</m:t>
-                        </m:r>
-                        <m:d>
-                          <m:dPr>
-                            <m:ctrlPr>
-                              <a:rPr lang="en-US" b="0" i="1" smtClean="0">
-                                <a:latin typeface="Cambria Math" panose="02040503050406030204" pitchFamily="18" charset="0"/>
-                              </a:rPr>
-                            </m:ctrlPr>
-                          </m:dPr>
-                          <m:e>
-                            <m:sSub>
-                              <m:sSubPr>
-                                <m:ctrlPr>
-                                  <a:rPr lang="en-US" b="0" i="1" smtClean="0">
-                                    <a:latin typeface="Cambria Math" panose="02040503050406030204" pitchFamily="18" charset="0"/>
-                                  </a:rPr>
-                                </m:ctrlPr>
-                              </m:sSubPr>
-                              <m:e>
-                                <m:r>
-                                  <a:rPr lang="en-US" b="0" i="1" smtClean="0">
-                                    <a:latin typeface="Cambria Math" panose="02040503050406030204" pitchFamily="18" charset="0"/>
-                                  </a:rPr>
-                                  <m:t>𝑛</m:t>
-                                </m:r>
-                              </m:e>
-                              <m:sub>
-                                <m:r>
-                                  <a:rPr lang="en-US" b="0" i="1" smtClean="0">
-                                    <a:latin typeface="Cambria Math" panose="02040503050406030204" pitchFamily="18" charset="0"/>
-                                  </a:rPr>
-                                  <m:t>2</m:t>
-                                </m:r>
-                              </m:sub>
-                            </m:sSub>
-                            <m:r>
-                              <a:rPr lang="en-US" b="0" i="1" smtClean="0">
-                                <a:latin typeface="Cambria Math" panose="02040503050406030204" pitchFamily="18" charset="0"/>
-                              </a:rPr>
-                              <m:t>−1</m:t>
-                            </m:r>
-                          </m:e>
-                        </m:d>
-                        <m:sSubSup>
-                          <m:sSubSupPr>
-                            <m:ctrlPr>
-                              <a:rPr lang="en-US" b="0" i="1" smtClean="0">
-                                <a:latin typeface="Cambria Math" panose="02040503050406030204" pitchFamily="18" charset="0"/>
-                              </a:rPr>
-                            </m:ctrlPr>
-                          </m:sSubSupPr>
-                          <m:e>
-                            <m:r>
-                              <a:rPr lang="en-US" b="0" i="1" smtClean="0">
-                                <a:latin typeface="Cambria Math" panose="02040503050406030204" pitchFamily="18" charset="0"/>
-                              </a:rPr>
-                              <m:t>𝑠</m:t>
-                            </m:r>
-                          </m:e>
-                          <m:sub>
-                            <m:r>
-                              <a:rPr lang="en-US" b="0" i="1" smtClean="0">
-                                <a:latin typeface="Cambria Math" panose="02040503050406030204" pitchFamily="18" charset="0"/>
-                              </a:rPr>
-                              <m:t>2</m:t>
-                            </m:r>
-                          </m:sub>
-                          <m:sup>
-                            <m:r>
-                              <a:rPr lang="en-US" b="0" i="1" smtClean="0">
-                                <a:latin typeface="Cambria Math" panose="02040503050406030204" pitchFamily="18" charset="0"/>
-                              </a:rPr>
-                              <m:t>2</m:t>
-                            </m:r>
-                          </m:sup>
-                        </m:sSubSup>
-                      </m:num>
-                      <m:den>
                         <m:sSub>
                           <m:sSubPr>
                             <m:ctrlPr>
-                              <a:rPr lang="en-US" b="0" i="1" smtClean="0">
+                              <a:rPr lang="en-US" sz="2000" i="1" dirty="0">
                                 <a:latin typeface="Cambria Math" panose="02040503050406030204" pitchFamily="18" charset="0"/>
                               </a:rPr>
                             </m:ctrlPr>
                           </m:sSubPr>
                           <m:e>
-                            <m:r>
-                              <a:rPr lang="en-US" b="0" i="1" smtClean="0">
-                                <a:latin typeface="Cambria Math" panose="02040503050406030204" pitchFamily="18" charset="0"/>
-                              </a:rPr>
-                              <m:t>𝑛</m:t>
-                            </m:r>
+                            <m:acc>
+                              <m:accPr>
+                                <m:chr m:val="̅"/>
+                                <m:ctrlPr>
+                                  <a:rPr lang="en-US" sz="2000" i="1">
+                                    <a:latin typeface="Cambria Math" panose="02040503050406030204" pitchFamily="18" charset="0"/>
+                                  </a:rPr>
+                                </m:ctrlPr>
+                              </m:accPr>
+                              <m:e>
+                                <m:r>
+                                  <a:rPr lang="en-US" sz="2000" i="1">
+                                    <a:latin typeface="Cambria Math" panose="02040503050406030204" pitchFamily="18" charset="0"/>
+                                  </a:rPr>
+                                  <m:t>𝑥</m:t>
+                                </m:r>
+                              </m:e>
+                            </m:acc>
                           </m:e>
                           <m:sub>
                             <m:r>
-                              <a:rPr lang="en-US" b="0" i="1" smtClean="0">
+                              <a:rPr lang="en-US" sz="2000" i="1" dirty="0">
                                 <a:latin typeface="Cambria Math" panose="02040503050406030204" pitchFamily="18" charset="0"/>
                               </a:rPr>
                               <m:t>1</m:t>
@@ -3829,132 +4070,42 @@
                           </m:sub>
                         </m:sSub>
                         <m:r>
-                          <a:rPr lang="en-US" b="0" i="1" smtClean="0">
-                            <a:latin typeface="Cambria Math" panose="02040503050406030204" pitchFamily="18" charset="0"/>
-                          </a:rPr>
-                          <m:t>+</m:t>
+                          <a:rPr lang="en-US" sz="2000" i="1" dirty="0">
+                            <a:latin typeface="Cambria Math" panose="02040503050406030204" pitchFamily="18" charset="0"/>
+                          </a:rPr>
+                          <m:t>−</m:t>
                         </m:r>
                         <m:sSub>
                           <m:sSubPr>
                             <m:ctrlPr>
-                              <a:rPr lang="en-US" b="0" i="1" smtClean="0">
+                              <a:rPr lang="en-US" sz="2000" i="1" dirty="0">
                                 <a:latin typeface="Cambria Math" panose="02040503050406030204" pitchFamily="18" charset="0"/>
                               </a:rPr>
                             </m:ctrlPr>
                           </m:sSubPr>
                           <m:e>
-                            <m:r>
-                              <a:rPr lang="en-US" b="0" i="1" smtClean="0">
-                                <a:latin typeface="Cambria Math" panose="02040503050406030204" pitchFamily="18" charset="0"/>
-                              </a:rPr>
-                              <m:t>𝑛</m:t>
-                            </m:r>
+                            <m:acc>
+                              <m:accPr>
+                                <m:chr m:val="̅"/>
+                                <m:ctrlPr>
+                                  <a:rPr lang="en-US" sz="2000" i="1" dirty="0">
+                                    <a:latin typeface="Cambria Math" panose="02040503050406030204" pitchFamily="18" charset="0"/>
+                                  </a:rPr>
+                                </m:ctrlPr>
+                              </m:accPr>
+                              <m:e>
+                                <m:r>
+                                  <a:rPr lang="en-US" sz="2000" i="1" dirty="0">
+                                    <a:latin typeface="Cambria Math" panose="02040503050406030204" pitchFamily="18" charset="0"/>
+                                  </a:rPr>
+                                  <m:t>𝑥</m:t>
+                                </m:r>
+                              </m:e>
+                            </m:acc>
                           </m:e>
                           <m:sub>
                             <m:r>
-                              <a:rPr lang="en-US" b="0" i="1" smtClean="0">
-                                <a:latin typeface="Cambria Math" panose="02040503050406030204" pitchFamily="18" charset="0"/>
-                              </a:rPr>
-                              <m:t>2</m:t>
-                            </m:r>
-                          </m:sub>
-                        </m:sSub>
-                        <m:r>
-                          <a:rPr lang="en-US" b="0" i="1" smtClean="0">
-                            <a:latin typeface="Cambria Math" panose="02040503050406030204" pitchFamily="18" charset="0"/>
-                          </a:rPr>
-                          <m:t>−2</m:t>
-                        </m:r>
-                      </m:den>
-                    </m:f>
-                  </m:oMath>
-                </a14:m>
-                <a:endParaRPr lang="en-US" b="0" dirty="0"/>
-              </a:p>
-              <a:p>
-                <a:r>
-                  <a:rPr lang="en-US" dirty="0"/>
-                  <a:t>And our observed test statistic becomes</a:t>
-                </a:r>
-                <a:br>
-                  <a:rPr lang="en-US" dirty="0"/>
-                </a:br>
-                <a:br>
-                  <a:rPr lang="en-US" dirty="0"/>
-                </a:br>
-                <a14:m>
-                  <m:oMath xmlns:m="http://schemas.openxmlformats.org/officeDocument/2006/math">
-                    <m:r>
-                      <a:rPr lang="en-US" b="0" i="1" smtClean="0">
-                        <a:latin typeface="Cambria Math" panose="02040503050406030204" pitchFamily="18" charset="0"/>
-                      </a:rPr>
-                      <m:t>𝑡</m:t>
-                    </m:r>
-                    <m:r>
-                      <a:rPr lang="en-US" b="0" i="1" smtClean="0">
-                        <a:latin typeface="Cambria Math" panose="02040503050406030204" pitchFamily="18" charset="0"/>
-                      </a:rPr>
-                      <m:t>=</m:t>
-                    </m:r>
-                    <m:f>
-                      <m:fPr>
-                        <m:ctrlPr>
-                          <a:rPr lang="en-US" b="0" i="1" smtClean="0">
-                            <a:latin typeface="Cambria Math" panose="02040503050406030204" pitchFamily="18" charset="0"/>
-                          </a:rPr>
-                        </m:ctrlPr>
-                      </m:fPr>
-                      <m:num>
-                        <m:sSub>
-                          <m:sSubPr>
-                            <m:ctrlPr>
-                              <a:rPr lang="en-US" b="0" i="1" dirty="0" smtClean="0">
-                                <a:latin typeface="Cambria Math" panose="02040503050406030204" pitchFamily="18" charset="0"/>
-                              </a:rPr>
-                            </m:ctrlPr>
-                          </m:sSubPr>
-                          <m:e>
-                            <m:r>
-                              <a:rPr lang="en-US" b="0" i="1" smtClean="0">
-                                <a:latin typeface="Cambria Math" panose="02040503050406030204" pitchFamily="18" charset="0"/>
-                              </a:rPr>
-                              <m:t>𝑥</m:t>
-                            </m:r>
-                          </m:e>
-                          <m:sub>
-                            <m:r>
-                              <a:rPr lang="en-US" b="0" i="1" dirty="0" smtClean="0">
-                                <a:latin typeface="Cambria Math" panose="02040503050406030204" pitchFamily="18" charset="0"/>
-                              </a:rPr>
-                              <m:t>1</m:t>
-                            </m:r>
-                          </m:sub>
-                        </m:sSub>
-                        <m:r>
-                          <a:rPr lang="en-US" b="0" i="1" dirty="0" smtClean="0">
-                            <a:latin typeface="Cambria Math" panose="02040503050406030204" pitchFamily="18" charset="0"/>
-                          </a:rPr>
-                          <m:t>−</m:t>
-                        </m:r>
-                        <m:sSub>
-                          <m:sSubPr>
-                            <m:ctrlPr>
-                              <a:rPr lang="en-US" b="0" i="1" dirty="0" smtClean="0">
-                                <a:latin typeface="Cambria Math" panose="02040503050406030204" pitchFamily="18" charset="0"/>
-                              </a:rPr>
-                            </m:ctrlPr>
-                          </m:sSubPr>
-                          <m:e>
-                            <m:r>
-                              <a:rPr lang="en-US" b="0" i="1" smtClean="0">
-                                <a:latin typeface="Cambria Math" panose="02040503050406030204" pitchFamily="18" charset="0"/>
-                              </a:rPr>
-                              <m:t>𝑥</m:t>
-                            </m:r>
-                          </m:e>
-                          <m:sub>
-                            <m:r>
-                              <a:rPr lang="en-US" b="0" i="1" smtClean="0">
+                              <a:rPr lang="en-US" sz="2000" i="1" dirty="0">
                                 <a:latin typeface="Cambria Math" panose="02040503050406030204" pitchFamily="18" charset="0"/>
                               </a:rPr>
                               <m:t>2</m:t>
@@ -3963,17 +4114,11 @@
                         </m:sSub>
                       </m:num>
                       <m:den>
-                        <m:r>
-                          <a:rPr lang="en-US" b="0" i="1" smtClean="0">
-                            <a:latin typeface="Cambria Math" panose="02040503050406030204" pitchFamily="18" charset="0"/>
-                          </a:rPr>
-                          <m:t>𝑠</m:t>
-                        </m:r>
                         <m:rad>
                           <m:radPr>
                             <m:degHide m:val="on"/>
                             <m:ctrlPr>
-                              <a:rPr lang="en-US" b="0" i="1" smtClean="0">
+                              <a:rPr lang="en-US" sz="2000" i="1">
                                 <a:latin typeface="Cambria Math" panose="02040503050406030204" pitchFamily="18" charset="0"/>
                               </a:rPr>
                             </m:ctrlPr>
@@ -3983,31 +4128,58 @@
                             <m:f>
                               <m:fPr>
                                 <m:ctrlPr>
-                                  <a:rPr lang="en-US" b="0" i="1" smtClean="0">
+                                  <a:rPr lang="en-US" sz="2000" i="1">
                                     <a:latin typeface="Cambria Math" panose="02040503050406030204" pitchFamily="18" charset="0"/>
                                   </a:rPr>
                                 </m:ctrlPr>
                               </m:fPr>
                               <m:num>
-                                <m:r>
-                                  <a:rPr lang="en-US" b="0" i="1" smtClean="0">
-                                    <a:latin typeface="Cambria Math" panose="02040503050406030204" pitchFamily="18" charset="0"/>
-                                  </a:rPr>
-                                  <m:t>1</m:t>
-                                </m:r>
+                                <m:sSubSup>
+                                  <m:sSubSupPr>
+                                    <m:ctrlPr>
+                                      <a:rPr lang="en-US" sz="2000" i="1">
+                                        <a:latin typeface="Cambria Math" panose="02040503050406030204" pitchFamily="18" charset="0"/>
+                                      </a:rPr>
+                                    </m:ctrlPr>
+                                  </m:sSubSupPr>
+                                  <m:e>
+                                    <m:r>
+                                      <a:rPr lang="en-US" sz="2000" i="1">
+                                        <a:latin typeface="Cambria Math" panose="02040503050406030204" pitchFamily="18" charset="0"/>
+                                      </a:rPr>
+                                      <m:t>𝑠</m:t>
+                                    </m:r>
+                                  </m:e>
+                                  <m:sub>
+                                    <m:r>
+                                      <a:rPr lang="en-US" sz="2000" i="1">
+                                        <a:latin typeface="Cambria Math" panose="02040503050406030204" pitchFamily="18" charset="0"/>
+                                      </a:rPr>
+                                      <m:t>1</m:t>
+                                    </m:r>
+                                  </m:sub>
+                                  <m:sup>
+                                    <m:r>
+                                      <a:rPr lang="en-US" sz="2000" i="1">
+                                        <a:latin typeface="Cambria Math" panose="02040503050406030204" pitchFamily="18" charset="0"/>
+                                      </a:rPr>
+                                      <m:t>2</m:t>
+                                    </m:r>
+                                  </m:sup>
+                                </m:sSubSup>
                               </m:num>
                               <m:den>
                                 <m:sSub>
                                   <m:sSubPr>
                                     <m:ctrlPr>
-                                      <a:rPr lang="en-US" b="0" i="1" smtClean="0">
+                                      <a:rPr lang="en-US" sz="2000" i="1">
                                         <a:latin typeface="Cambria Math" panose="02040503050406030204" pitchFamily="18" charset="0"/>
                                       </a:rPr>
                                     </m:ctrlPr>
                                   </m:sSubPr>
                                   <m:e>
                                     <m:r>
-                                      <a:rPr lang="en-US" b="0" i="1" smtClean="0">
+                                      <a:rPr lang="en-US" sz="2000" i="1">
                                         <a:latin typeface="Cambria Math" panose="02040503050406030204" pitchFamily="18" charset="0"/>
                                       </a:rPr>
                                       <m:t>𝑛</m:t>
@@ -4015,7 +4187,7 @@
                                   </m:e>
                                   <m:sub>
                                     <m:r>
-                                      <a:rPr lang="en-US" b="0" i="1" smtClean="0">
+                                      <a:rPr lang="en-US" sz="2000" i="1">
                                         <a:latin typeface="Cambria Math" panose="02040503050406030204" pitchFamily="18" charset="0"/>
                                       </a:rPr>
                                       <m:t>1</m:t>
@@ -4025,7 +4197,7 @@
                               </m:den>
                             </m:f>
                             <m:r>
-                              <a:rPr lang="en-US" b="0" i="1" smtClean="0">
+                              <a:rPr lang="en-US" sz="2000" i="1">
                                 <a:latin typeface="Cambria Math" panose="02040503050406030204" pitchFamily="18" charset="0"/>
                               </a:rPr>
                               <m:t>+</m:t>
@@ -4033,31 +4205,58 @@
                             <m:f>
                               <m:fPr>
                                 <m:ctrlPr>
-                                  <a:rPr lang="en-US" b="0" i="1" smtClean="0">
+                                  <a:rPr lang="en-US" sz="2000" i="1">
                                     <a:latin typeface="Cambria Math" panose="02040503050406030204" pitchFamily="18" charset="0"/>
                                   </a:rPr>
                                 </m:ctrlPr>
                               </m:fPr>
                               <m:num>
-                                <m:r>
-                                  <a:rPr lang="en-US" b="0" i="1" smtClean="0">
-                                    <a:latin typeface="Cambria Math" panose="02040503050406030204" pitchFamily="18" charset="0"/>
-                                  </a:rPr>
-                                  <m:t>1</m:t>
-                                </m:r>
+                                <m:sSubSup>
+                                  <m:sSubSupPr>
+                                    <m:ctrlPr>
+                                      <a:rPr lang="en-US" sz="2000" i="1">
+                                        <a:latin typeface="Cambria Math" panose="02040503050406030204" pitchFamily="18" charset="0"/>
+                                      </a:rPr>
+                                    </m:ctrlPr>
+                                  </m:sSubSupPr>
+                                  <m:e>
+                                    <m:r>
+                                      <a:rPr lang="en-US" sz="2000" i="1">
+                                        <a:latin typeface="Cambria Math" panose="02040503050406030204" pitchFamily="18" charset="0"/>
+                                      </a:rPr>
+                                      <m:t>𝑠</m:t>
+                                    </m:r>
+                                  </m:e>
+                                  <m:sub>
+                                    <m:r>
+                                      <a:rPr lang="en-US" sz="2000" i="1">
+                                        <a:latin typeface="Cambria Math" panose="02040503050406030204" pitchFamily="18" charset="0"/>
+                                      </a:rPr>
+                                      <m:t>2</m:t>
+                                    </m:r>
+                                  </m:sub>
+                                  <m:sup>
+                                    <m:r>
+                                      <a:rPr lang="en-US" sz="2000" i="1">
+                                        <a:latin typeface="Cambria Math" panose="02040503050406030204" pitchFamily="18" charset="0"/>
+                                      </a:rPr>
+                                      <m:t>2</m:t>
+                                    </m:r>
+                                  </m:sup>
+                                </m:sSubSup>
                               </m:num>
                               <m:den>
                                 <m:sSub>
                                   <m:sSubPr>
                                     <m:ctrlPr>
-                                      <a:rPr lang="en-US" b="0" i="1" smtClean="0">
+                                      <a:rPr lang="en-US" sz="2000" i="1">
                                         <a:latin typeface="Cambria Math" panose="02040503050406030204" pitchFamily="18" charset="0"/>
                                       </a:rPr>
                                     </m:ctrlPr>
                                   </m:sSubPr>
                                   <m:e>
                                     <m:r>
-                                      <a:rPr lang="en-US" b="0" i="1" smtClean="0">
+                                      <a:rPr lang="en-US" sz="2000" i="1">
                                         <a:latin typeface="Cambria Math" panose="02040503050406030204" pitchFamily="18" charset="0"/>
                                       </a:rPr>
                                       <m:t>𝑛</m:t>
@@ -4065,7 +4264,7 @@
                                   </m:e>
                                   <m:sub>
                                     <m:r>
-                                      <a:rPr lang="en-US" b="0" i="1" smtClean="0">
+                                      <a:rPr lang="en-US" sz="2000" i="1">
                                         <a:latin typeface="Cambria Math" panose="02040503050406030204" pitchFamily="18" charset="0"/>
                                       </a:rPr>
                                       <m:t>2</m:t>
@@ -4080,26 +4279,40 @@
                     </m:f>
                   </m:oMath>
                 </a14:m>
-                <a:endParaRPr lang="en-US" b="0" dirty="0"/>
+                <a:endParaRPr lang="en-US" sz="2000" b="0" dirty="0"/>
               </a:p>
               <a:p>
                 <a:r>
-                  <a:rPr lang="en-US" b="0" dirty="0"/>
-                  <a:t>If the data are normal, then the reference distribution is a t-distribution with </a:t>
+                  <a:rPr lang="en-US" sz="2000" b="0" dirty="0"/>
+                  <a:t>If the data are normal, then the reference distribution is a </a:t>
+                </a:r>
+                <a:r>
+                  <a:rPr lang="en-US" sz="2000" b="0" dirty="0">
+                    <a:solidFill>
+                      <a:srgbClr val="00B0F0"/>
+                    </a:solidFill>
+                  </a:rPr>
+                  <a:t>t-distribution with </a:t>
                 </a:r>
                 <a14:m>
                   <m:oMath xmlns:m="http://schemas.openxmlformats.org/officeDocument/2006/math">
                     <m:sSub>
                       <m:sSubPr>
                         <m:ctrlPr>
-                          <a:rPr lang="en-US" b="0" i="1" smtClean="0">
+                          <a:rPr lang="en-US" sz="2000" b="0" i="1" smtClean="0">
+                            <a:solidFill>
+                              <a:srgbClr val="00B0F0"/>
+                            </a:solidFill>
                             <a:latin typeface="Cambria Math" panose="02040503050406030204" pitchFamily="18" charset="0"/>
                           </a:rPr>
                         </m:ctrlPr>
                       </m:sSubPr>
                       <m:e>
                         <m:r>
-                          <a:rPr lang="en-US" b="0" i="1" smtClean="0">
+                          <a:rPr lang="en-US" sz="2000" b="0" i="1" smtClean="0">
+                            <a:solidFill>
+                              <a:srgbClr val="00B0F0"/>
+                            </a:solidFill>
                             <a:latin typeface="Cambria Math" panose="02040503050406030204" pitchFamily="18" charset="0"/>
                           </a:rPr>
                           <m:t>𝑛</m:t>
@@ -4107,7 +4320,10 @@
                       </m:e>
                       <m:sub>
                         <m:r>
-                          <a:rPr lang="en-US" b="0" i="1" smtClean="0">
+                          <a:rPr lang="en-US" sz="2000" b="0" i="1" smtClean="0">
+                            <a:solidFill>
+                              <a:srgbClr val="00B0F0"/>
+                            </a:solidFill>
                             <a:latin typeface="Cambria Math" panose="02040503050406030204" pitchFamily="18" charset="0"/>
                           </a:rPr>
                           <m:t>1</m:t>
@@ -4115,7 +4331,10 @@
                       </m:sub>
                     </m:sSub>
                     <m:r>
-                      <a:rPr lang="en-US" b="0" i="1" smtClean="0">
+                      <a:rPr lang="en-US" sz="2000" b="0" i="1" smtClean="0">
+                        <a:solidFill>
+                          <a:srgbClr val="00B0F0"/>
+                        </a:solidFill>
                         <a:latin typeface="Cambria Math" panose="02040503050406030204" pitchFamily="18" charset="0"/>
                       </a:rPr>
                       <m:t>+</m:t>
@@ -4123,14 +4342,20 @@
                     <m:sSub>
                       <m:sSubPr>
                         <m:ctrlPr>
-                          <a:rPr lang="en-US" b="0" i="1" smtClean="0">
+                          <a:rPr lang="en-US" sz="2000" b="0" i="1" smtClean="0">
+                            <a:solidFill>
+                              <a:srgbClr val="00B0F0"/>
+                            </a:solidFill>
                             <a:latin typeface="Cambria Math" panose="02040503050406030204" pitchFamily="18" charset="0"/>
                           </a:rPr>
                         </m:ctrlPr>
                       </m:sSubPr>
                       <m:e>
                         <m:r>
-                          <a:rPr lang="en-US" b="0" i="1" smtClean="0">
+                          <a:rPr lang="en-US" sz="2000" b="0" i="1" smtClean="0">
+                            <a:solidFill>
+                              <a:srgbClr val="00B0F0"/>
+                            </a:solidFill>
                             <a:latin typeface="Cambria Math" panose="02040503050406030204" pitchFamily="18" charset="0"/>
                           </a:rPr>
                           <m:t>𝑛</m:t>
@@ -4138,7 +4363,10 @@
                       </m:e>
                       <m:sub>
                         <m:r>
-                          <a:rPr lang="en-US" b="0" i="1" smtClean="0">
+                          <a:rPr lang="en-US" sz="2000" b="0" i="1" smtClean="0">
+                            <a:solidFill>
+                              <a:srgbClr val="00B0F0"/>
+                            </a:solidFill>
                             <a:latin typeface="Cambria Math" panose="02040503050406030204" pitchFamily="18" charset="0"/>
                           </a:rPr>
                           <m:t>2</m:t>
@@ -4146,7 +4374,10 @@
                       </m:sub>
                     </m:sSub>
                     <m:r>
-                      <a:rPr lang="en-US" b="0" i="1" smtClean="0">
+                      <a:rPr lang="en-US" sz="2000" b="0" i="1" smtClean="0">
+                        <a:solidFill>
+                          <a:srgbClr val="00B0F0"/>
+                        </a:solidFill>
                         <a:latin typeface="Cambria Math" panose="02040503050406030204" pitchFamily="18" charset="0"/>
                       </a:rPr>
                       <m:t>−2</m:t>
@@ -4154,12 +4385,17 @@
                   </m:oMath>
                 </a14:m>
                 <a:r>
-                  <a:rPr lang="en-US" b="0" dirty="0"/>
-                  <a:t> degrees of freedom.</a:t>
+                  <a:rPr lang="en-US" sz="2000" b="0" dirty="0">
+                    <a:solidFill>
+                      <a:srgbClr val="00B0F0"/>
+                    </a:solidFill>
+                  </a:rPr>
+                  <a:t> degrees of freedom</a:t>
                 </a:r>
-              </a:p>
-              <a:p>
-                <a:endParaRPr lang="en-US" dirty="0"/>
+                <a:r>
+                  <a:rPr lang="en-US" sz="2000" b="0" dirty="0"/>
+                  <a:t>.</a:t>
+                </a:r>
               </a:p>
             </p:txBody>
           </p:sp>
@@ -4185,7 +4421,7 @@
               <a:blipFill>
                 <a:blip r:embed="rId2"/>
                 <a:stretch>
-                  <a:fillRect l="-928" t="-2801"/>
+                  <a:fillRect l="-522" t="-1401" r="-1101" b="-2941"/>
                 </a:stretch>
               </a:blipFill>
             </p:spPr>
@@ -4403,7 +4639,13 @@
                       <a:rPr lang="en-US" sz="2800" b="0" i="1" smtClean="0">
                         <a:latin typeface="Cambria Math" panose="02040503050406030204" pitchFamily="18" charset="0"/>
                       </a:rPr>
-                      <m:t>=0</m:t>
+                      <m:t>=</m:t>
+                    </m:r>
+                    <m:r>
+                      <a:rPr lang="en-US" sz="2800" b="0" i="1" smtClean="0">
+                        <a:latin typeface="Cambria Math" panose="02040503050406030204" pitchFamily="18" charset="0"/>
+                      </a:rPr>
+                      <m:t>0</m:t>
                     </m:r>
                     <m:r>
                       <a:rPr lang="en-US" sz="2800" b="0" i="0" smtClean="0">
@@ -4520,7 +4762,13 @@
                       <a:rPr lang="en-US" sz="2800" b="0" i="1" smtClean="0">
                         <a:latin typeface="Cambria Math" panose="02040503050406030204" pitchFamily="18" charset="0"/>
                       </a:rPr>
-                      <m:t>≠0</m:t>
+                      <m:t>≠</m:t>
+                    </m:r>
+                    <m:r>
+                      <a:rPr lang="en-US" sz="2800" b="0" i="1" smtClean="0">
+                        <a:latin typeface="Cambria Math" panose="02040503050406030204" pitchFamily="18" charset="0"/>
+                      </a:rPr>
+                      <m:t>0</m:t>
                     </m:r>
                   </m:oMath>
                 </a14:m>
@@ -4680,19 +4928,49 @@
                           <a:rPr lang="en-US" sz="2800" b="0" i="1" smtClean="0">
                             <a:latin typeface="Cambria Math" panose="02040503050406030204" pitchFamily="18" charset="0"/>
                           </a:rPr>
-                          <m:t>−2,1−</m:t>
+                          <m:t>−</m:t>
                         </m:r>
                         <m:r>
                           <a:rPr lang="en-US" sz="2800" b="0" i="1" smtClean="0">
                             <a:latin typeface="Cambria Math" panose="02040503050406030204" pitchFamily="18" charset="0"/>
                           </a:rPr>
+                          <m:t>2</m:t>
+                        </m:r>
+                        <m:r>
+                          <a:rPr lang="en-US" sz="2800" b="0" i="1" smtClean="0">
+                            <a:latin typeface="Cambria Math" panose="02040503050406030204" pitchFamily="18" charset="0"/>
+                          </a:rPr>
+                          <m:t>,</m:t>
+                        </m:r>
+                        <m:r>
+                          <a:rPr lang="en-US" sz="2800" b="0" i="1" smtClean="0">
+                            <a:latin typeface="Cambria Math" panose="02040503050406030204" pitchFamily="18" charset="0"/>
+                          </a:rPr>
+                          <m:t>1</m:t>
+                        </m:r>
+                        <m:r>
+                          <a:rPr lang="en-US" sz="2800" b="0" i="1" smtClean="0">
+                            <a:latin typeface="Cambria Math" panose="02040503050406030204" pitchFamily="18" charset="0"/>
+                          </a:rPr>
+                          <m:t>−</m:t>
+                        </m:r>
+                        <m:r>
+                          <a:rPr lang="en-US" sz="2800" b="0" i="1" smtClean="0">
+                            <a:latin typeface="Cambria Math" panose="02040503050406030204" pitchFamily="18" charset="0"/>
+                          </a:rPr>
                           <m:t>𝛼</m:t>
                         </m:r>
                         <m:r>
                           <a:rPr lang="en-US" sz="2800" b="0" i="1" smtClean="0">
                             <a:latin typeface="Cambria Math" panose="02040503050406030204" pitchFamily="18" charset="0"/>
                           </a:rPr>
-                          <m:t>/2</m:t>
+                          <m:t>/</m:t>
+                        </m:r>
+                        <m:r>
+                          <a:rPr lang="en-US" sz="2800" b="0" i="1" smtClean="0">
+                            <a:latin typeface="Cambria Math" panose="02040503050406030204" pitchFamily="18" charset="0"/>
+                          </a:rPr>
+                          <m:t>2</m:t>
                         </m:r>
                       </m:sub>
                     </m:sSub>
@@ -4760,7 +5038,13 @@
                       <a:rPr lang="en-US" sz="2800" b="0" i="1" smtClean="0">
                         <a:latin typeface="Cambria Math" panose="02040503050406030204" pitchFamily="18" charset="0"/>
                       </a:rPr>
-                      <m:t>2×</m:t>
+                      <m:t>2</m:t>
+                    </m:r>
+                    <m:r>
+                      <a:rPr lang="en-US" sz="2800" b="0" i="1" smtClean="0">
+                        <a:latin typeface="Cambria Math" panose="02040503050406030204" pitchFamily="18" charset="0"/>
+                      </a:rPr>
+                      <m:t>×</m:t>
                     </m:r>
                     <m:r>
                       <a:rPr lang="en-US" sz="2800" b="0" i="1" smtClean="0">
@@ -4900,7 +5184,13 @@
                       <a:rPr lang="en-US" sz="2800" b="0" i="1" smtClean="0">
                         <a:latin typeface="Cambria Math" panose="02040503050406030204" pitchFamily="18" charset="0"/>
                       </a:rPr>
-                      <m:t>−2</m:t>
+                      <m:t>−</m:t>
+                    </m:r>
+                    <m:r>
+                      <a:rPr lang="en-US" sz="2800" b="0" i="1" smtClean="0">
+                        <a:latin typeface="Cambria Math" panose="02040503050406030204" pitchFamily="18" charset="0"/>
+                      </a:rPr>
+                      <m:t>2</m:t>
                     </m:r>
                   </m:oMath>
                 </a14:m>
@@ -7340,7 +7630,12 @@
                 <p:ph idx="1"/>
               </p:nvPr>
             </p:nvSpPr>
-            <p:spPr/>
+            <p:spPr>
+              <a:xfrm>
+                <a:off x="838200" y="1825625"/>
+                <a:ext cx="10515600" cy="4351338"/>
+              </a:xfrm>
+            </p:spPr>
             <p:txBody>
               <a:bodyPr>
                 <a:normAutofit lnSpcReduction="10000"/>
@@ -7786,7 +8081,15 @@
                 </a14:m>
                 <a:r>
                   <a:rPr lang="en-US" dirty="0"/>
-                  <a:t> degrees of freedom. Instead, we use Satterthwaite’s Method to compute an approximate degrees of freedom! </a:t>
+                  <a:t> degrees of freedom. Instead, we use Satterthwaite’s method to compute an approximate degrees of freedom! </a:t>
+                </a:r>
+                <a:r>
+                  <a:rPr lang="en-US" dirty="0">
+                    <a:solidFill>
+                      <a:srgbClr val="FF0000"/>
+                    </a:solidFill>
+                  </a:rPr>
+                  <a:t>(ugly formula)</a:t>
                 </a:r>
               </a:p>
               <a:p>
@@ -7822,6 +8125,10 @@
               </p:nvPr>
             </p:nvSpPr>
             <p:spPr>
+              <a:xfrm>
+                <a:off x="838200" y="1825625"/>
+                <a:ext cx="10515600" cy="4351338"/>
+              </a:xfrm>
               <a:blipFill>
                 <a:blip r:embed="rId2"/>
                 <a:stretch>
@@ -7844,6 +8151,53 @@
           </p:sp>
         </mc:Fallback>
       </mc:AlternateContent>
+      <p:pic>
+        <p:nvPicPr>
+          <p:cNvPr id="1026" name="Picture 2" descr="Image result for yay">
+            <a:extLst>
+              <a:ext uri="{FF2B5EF4-FFF2-40B4-BE49-F238E27FC236}">
+                <a16:creationId xmlns:a16="http://schemas.microsoft.com/office/drawing/2014/main" id="{AD9DAE3B-BBD4-40D2-B519-CDFB10E4B07A}"/>
+              </a:ext>
+            </a:extLst>
+          </p:cNvPr>
+          <p:cNvPicPr>
+            <a:picLocks noChangeAspect="1" noChangeArrowheads="1"/>
+          </p:cNvPicPr>
+          <p:nvPr/>
+        </p:nvPicPr>
+        <p:blipFill>
+          <a:blip r:embed="rId3">
+            <a:extLst>
+              <a:ext uri="{28A0092B-C50C-407E-A947-70E740481C1C}">
+                <a14:useLocalDpi xmlns:a14="http://schemas.microsoft.com/office/drawing/2010/main" val="0"/>
+              </a:ext>
+            </a:extLst>
+          </a:blip>
+          <a:srcRect/>
+          <a:stretch>
+            <a:fillRect/>
+          </a:stretch>
+        </p:blipFill>
+        <p:spPr bwMode="auto">
+          <a:xfrm>
+            <a:off x="8197047" y="5272604"/>
+            <a:ext cx="1371600" cy="1371600"/>
+          </a:xfrm>
+          <a:prstGeom prst="rect">
+            <a:avLst/>
+          </a:prstGeom>
+          <a:noFill/>
+          <a:extLst>
+            <a:ext uri="{909E8E84-426E-40DD-AFC4-6F175D3DCCD1}">
+              <a14:hiddenFill xmlns:a14="http://schemas.microsoft.com/office/drawing/2010/main">
+                <a:solidFill>
+                  <a:srgbClr val="FFFFFF"/>
+                </a:solidFill>
+              </a14:hiddenFill>
+            </a:ext>
+          </a:extLst>
+        </p:spPr>
+      </p:pic>
     </p:spTree>
     <p:extLst>
       <p:ext uri="{BB962C8B-B14F-4D97-AF65-F5344CB8AC3E}">
@@ -7931,12 +8285,933 @@
             </a:r>
             <a:endParaRPr lang="en-US" dirty="0"/>
           </a:p>
+          <a:p>
+            <a:r>
+              <a:rPr lang="en-US" dirty="0"/>
+              <a:t>Read the section </a:t>
+            </a:r>
+            <a:r>
+              <a:rPr lang="en-US" b="1" dirty="0"/>
+              <a:t>More General Hypotheses</a:t>
+            </a:r>
+          </a:p>
         </p:txBody>
       </p:sp>
     </p:spTree>
     <p:extLst>
       <p:ext uri="{BB962C8B-B14F-4D97-AF65-F5344CB8AC3E}">
         <p14:creationId xmlns:p14="http://schemas.microsoft.com/office/powerpoint/2010/main" val="3431770618"/>
+      </p:ext>
+    </p:extLst>
+  </p:cSld>
+  <p:clrMapOvr>
+    <a:masterClrMapping/>
+  </p:clrMapOvr>
+</p:sld>
+</file>
+
+<file path=ppt/slides/slide18.xml><?xml version="1.0" encoding="utf-8"?>
+<p:sld xmlns:a="http://schemas.openxmlformats.org/drawingml/2006/main" xmlns:r="http://schemas.openxmlformats.org/officeDocument/2006/relationships" xmlns:p="http://schemas.openxmlformats.org/presentationml/2006/main">
+  <p:cSld>
+    <p:spTree>
+      <p:nvGrpSpPr>
+        <p:cNvPr id="1" name=""/>
+        <p:cNvGrpSpPr/>
+        <p:nvPr/>
+      </p:nvGrpSpPr>
+      <p:grpSpPr>
+        <a:xfrm>
+          <a:off x="0" y="0"/>
+          <a:ext cx="0" cy="0"/>
+          <a:chOff x="0" y="0"/>
+          <a:chExt cx="0" cy="0"/>
+        </a:xfrm>
+      </p:grpSpPr>
+      <p:sp>
+        <p:nvSpPr>
+          <p:cNvPr id="2" name="Title 1">
+            <a:extLst>
+              <a:ext uri="{FF2B5EF4-FFF2-40B4-BE49-F238E27FC236}">
+                <a16:creationId xmlns:a16="http://schemas.microsoft.com/office/drawing/2014/main" id="{B38CEC23-8A38-41A3-A70D-9D08140357A1}"/>
+              </a:ext>
+            </a:extLst>
+          </p:cNvPr>
+          <p:cNvSpPr>
+            <a:spLocks noGrp="1"/>
+          </p:cNvSpPr>
+          <p:nvPr>
+            <p:ph type="title"/>
+          </p:nvPr>
+        </p:nvSpPr>
+        <p:spPr/>
+        <p:txBody>
+          <a:bodyPr/>
+          <a:lstStyle/>
+          <a:p>
+            <a:r>
+              <a:rPr lang="en-US" dirty="0"/>
+              <a:t>Sample Size and Power When Comparing Two Means</a:t>
+            </a:r>
+          </a:p>
+        </p:txBody>
+      </p:sp>
+      <mc:AlternateContent xmlns:mc="http://schemas.openxmlformats.org/markup-compatibility/2006" xmlns:a14="http://schemas.microsoft.com/office/drawing/2010/main">
+        <mc:Choice Requires="a14">
+          <p:sp>
+            <p:nvSpPr>
+              <p:cNvPr id="3" name="Content Placeholder 2">
+                <a:extLst>
+                  <a:ext uri="{FF2B5EF4-FFF2-40B4-BE49-F238E27FC236}">
+                    <a16:creationId xmlns:a16="http://schemas.microsoft.com/office/drawing/2014/main" id="{58902E07-4F0B-4880-84AF-1DA56ECF1CA6}"/>
+                  </a:ext>
+                </a:extLst>
+              </p:cNvPr>
+              <p:cNvSpPr>
+                <a:spLocks noGrp="1"/>
+              </p:cNvSpPr>
+              <p:nvPr>
+                <p:ph idx="1"/>
+              </p:nvPr>
+            </p:nvSpPr>
+            <p:spPr/>
+            <p:txBody>
+              <a:bodyPr>
+                <a:normAutofit/>
+              </a:bodyPr>
+              <a:lstStyle/>
+              <a:p>
+                <a:r>
+                  <a:rPr lang="en-US" dirty="0"/>
+                  <a:t>As for one-sample hypothesis tests and confidence intervals, it is important to plan experiments when comparing two population means in terms of </a:t>
+                </a:r>
+                <a:r>
+                  <a:rPr lang="en-US" dirty="0">
+                    <a:solidFill>
+                      <a:srgbClr val="0070C0"/>
+                    </a:solidFill>
+                  </a:rPr>
+                  <a:t>power</a:t>
+                </a:r>
+                <a:r>
+                  <a:rPr lang="en-US" dirty="0"/>
+                  <a:t> and </a:t>
+                </a:r>
+                <a:r>
+                  <a:rPr lang="en-US" dirty="0">
+                    <a:solidFill>
+                      <a:srgbClr val="0070C0"/>
+                    </a:solidFill>
+                  </a:rPr>
+                  <a:t>sample size</a:t>
+                </a:r>
+                <a:r>
+                  <a:rPr lang="en-US" dirty="0"/>
+                  <a:t>. The same principals that held in the one-sample setting hold in the two-sample setting:</a:t>
+                </a:r>
+              </a:p>
+              <a:p>
+                <a:pPr lvl="1"/>
+                <a:r>
+                  <a:rPr lang="en-US" dirty="0"/>
+                  <a:t>The larger the sample sizes </a:t>
+                </a:r>
+                <a14:m>
+                  <m:oMath xmlns:m="http://schemas.openxmlformats.org/officeDocument/2006/math">
+                    <m:sSub>
+                      <m:sSubPr>
+                        <m:ctrlPr>
+                          <a:rPr lang="en-US" b="0" i="1" smtClean="0">
+                            <a:latin typeface="Cambria Math" panose="02040503050406030204" pitchFamily="18" charset="0"/>
+                          </a:rPr>
+                        </m:ctrlPr>
+                      </m:sSubPr>
+                      <m:e>
+                        <m:r>
+                          <a:rPr lang="en-US" b="0" i="1" smtClean="0">
+                            <a:latin typeface="Cambria Math" panose="02040503050406030204" pitchFamily="18" charset="0"/>
+                          </a:rPr>
+                          <m:t>𝑛</m:t>
+                        </m:r>
+                      </m:e>
+                      <m:sub>
+                        <m:r>
+                          <a:rPr lang="en-US" b="0" i="1" smtClean="0">
+                            <a:latin typeface="Cambria Math" panose="02040503050406030204" pitchFamily="18" charset="0"/>
+                          </a:rPr>
+                          <m:t>1</m:t>
+                        </m:r>
+                      </m:sub>
+                    </m:sSub>
+                  </m:oMath>
+                </a14:m>
+                <a:r>
+                  <a:rPr lang="en-US" dirty="0"/>
+                  <a:t> and </a:t>
+                </a:r>
+                <a14:m>
+                  <m:oMath xmlns:m="http://schemas.openxmlformats.org/officeDocument/2006/math">
+                    <m:sSub>
+                      <m:sSubPr>
+                        <m:ctrlPr>
+                          <a:rPr lang="en-US" b="0" i="1" smtClean="0">
+                            <a:latin typeface="Cambria Math" panose="02040503050406030204" pitchFamily="18" charset="0"/>
+                          </a:rPr>
+                        </m:ctrlPr>
+                      </m:sSubPr>
+                      <m:e>
+                        <m:r>
+                          <a:rPr lang="en-US" b="0" i="1" smtClean="0">
+                            <a:latin typeface="Cambria Math" panose="02040503050406030204" pitchFamily="18" charset="0"/>
+                          </a:rPr>
+                          <m:t>𝑛</m:t>
+                        </m:r>
+                      </m:e>
+                      <m:sub>
+                        <m:r>
+                          <a:rPr lang="en-US" b="0" i="1" smtClean="0">
+                            <a:latin typeface="Cambria Math" panose="02040503050406030204" pitchFamily="18" charset="0"/>
+                          </a:rPr>
+                          <m:t>2</m:t>
+                        </m:r>
+                      </m:sub>
+                    </m:sSub>
+                  </m:oMath>
+                </a14:m>
+                <a:r>
+                  <a:rPr lang="en-US" dirty="0"/>
+                  <a:t>, the higher the power </a:t>
+                </a:r>
+                <a14:m>
+                  <m:oMath xmlns:m="http://schemas.openxmlformats.org/officeDocument/2006/math">
+                    <m:r>
+                      <a:rPr lang="en-US" b="0" i="1" smtClean="0">
+                        <a:latin typeface="Cambria Math" panose="02040503050406030204" pitchFamily="18" charset="0"/>
+                      </a:rPr>
+                      <m:t>1−</m:t>
+                    </m:r>
+                    <m:r>
+                      <a:rPr lang="en-US" b="0" i="1" smtClean="0">
+                        <a:latin typeface="Cambria Math" panose="02040503050406030204" pitchFamily="18" charset="0"/>
+                      </a:rPr>
+                      <m:t>𝛽</m:t>
+                    </m:r>
+                  </m:oMath>
+                </a14:m>
+                <a:r>
+                  <a:rPr lang="en-US" dirty="0"/>
+                  <a:t> of the test.</a:t>
+                </a:r>
+              </a:p>
+              <a:p>
+                <a:pPr lvl="1"/>
+                <a:r>
+                  <a:rPr lang="en-US" dirty="0"/>
+                  <a:t>As the difference between means </a:t>
+                </a:r>
+                <a14:m>
+                  <m:oMath xmlns:m="http://schemas.openxmlformats.org/officeDocument/2006/math">
+                    <m:sSub>
+                      <m:sSubPr>
+                        <m:ctrlPr>
+                          <a:rPr lang="en-US" b="0" i="1" smtClean="0">
+                            <a:latin typeface="Cambria Math" panose="02040503050406030204" pitchFamily="18" charset="0"/>
+                          </a:rPr>
+                        </m:ctrlPr>
+                      </m:sSubPr>
+                      <m:e>
+                        <m:r>
+                          <a:rPr lang="en-US" b="0" i="1" smtClean="0">
+                            <a:latin typeface="Cambria Math" panose="02040503050406030204" pitchFamily="18" charset="0"/>
+                          </a:rPr>
+                          <m:t>𝜇</m:t>
+                        </m:r>
+                      </m:e>
+                      <m:sub>
+                        <m:r>
+                          <a:rPr lang="en-US" b="0" i="1" smtClean="0">
+                            <a:latin typeface="Cambria Math" panose="02040503050406030204" pitchFamily="18" charset="0"/>
+                          </a:rPr>
+                          <m:t>1</m:t>
+                        </m:r>
+                      </m:sub>
+                    </m:sSub>
+                    <m:r>
+                      <a:rPr lang="en-US" b="0" i="1" smtClean="0">
+                        <a:latin typeface="Cambria Math" panose="02040503050406030204" pitchFamily="18" charset="0"/>
+                      </a:rPr>
+                      <m:t>−</m:t>
+                    </m:r>
+                    <m:sSub>
+                      <m:sSubPr>
+                        <m:ctrlPr>
+                          <a:rPr lang="en-US" b="0" i="1" smtClean="0">
+                            <a:latin typeface="Cambria Math" panose="02040503050406030204" pitchFamily="18" charset="0"/>
+                          </a:rPr>
+                        </m:ctrlPr>
+                      </m:sSubPr>
+                      <m:e>
+                        <m:r>
+                          <a:rPr lang="en-US" b="0" i="1" smtClean="0">
+                            <a:latin typeface="Cambria Math" panose="02040503050406030204" pitchFamily="18" charset="0"/>
+                          </a:rPr>
+                          <m:t>𝜇</m:t>
+                        </m:r>
+                      </m:e>
+                      <m:sub>
+                        <m:r>
+                          <a:rPr lang="en-US" b="0" i="1" smtClean="0">
+                            <a:latin typeface="Cambria Math" panose="02040503050406030204" pitchFamily="18" charset="0"/>
+                          </a:rPr>
+                          <m:t>2</m:t>
+                        </m:r>
+                      </m:sub>
+                    </m:sSub>
+                  </m:oMath>
+                </a14:m>
+                <a:r>
+                  <a:rPr lang="en-US" dirty="0"/>
+                  <a:t> grows bigger, the power of the two-sample t-test increases for fixed sample sizes.</a:t>
+                </a:r>
+              </a:p>
+              <a:p>
+                <a:pPr lvl="1"/>
+                <a:r>
+                  <a:rPr lang="en-US" dirty="0"/>
+                  <a:t>Smaller population variances </a:t>
+                </a:r>
+                <a14:m>
+                  <m:oMath xmlns:m="http://schemas.openxmlformats.org/officeDocument/2006/math">
+                    <m:sSubSup>
+                      <m:sSubSupPr>
+                        <m:ctrlPr>
+                          <a:rPr lang="en-US" b="0" i="1" smtClean="0">
+                            <a:latin typeface="Cambria Math" panose="02040503050406030204" pitchFamily="18" charset="0"/>
+                          </a:rPr>
+                        </m:ctrlPr>
+                      </m:sSubSupPr>
+                      <m:e>
+                        <m:r>
+                          <a:rPr lang="en-US" b="0" i="1" smtClean="0">
+                            <a:latin typeface="Cambria Math" panose="02040503050406030204" pitchFamily="18" charset="0"/>
+                          </a:rPr>
+                          <m:t>𝜎</m:t>
+                        </m:r>
+                      </m:e>
+                      <m:sub>
+                        <m:r>
+                          <a:rPr lang="en-US" b="0" i="1" smtClean="0">
+                            <a:latin typeface="Cambria Math" panose="02040503050406030204" pitchFamily="18" charset="0"/>
+                          </a:rPr>
+                          <m:t>1</m:t>
+                        </m:r>
+                      </m:sub>
+                      <m:sup>
+                        <m:r>
+                          <a:rPr lang="en-US" b="0" i="1" smtClean="0">
+                            <a:latin typeface="Cambria Math" panose="02040503050406030204" pitchFamily="18" charset="0"/>
+                          </a:rPr>
+                          <m:t>2</m:t>
+                        </m:r>
+                      </m:sup>
+                    </m:sSubSup>
+                  </m:oMath>
+                </a14:m>
+                <a:r>
+                  <a:rPr lang="en-US" dirty="0"/>
+                  <a:t> and </a:t>
+                </a:r>
+                <a14:m>
+                  <m:oMath xmlns:m="http://schemas.openxmlformats.org/officeDocument/2006/math">
+                    <m:sSubSup>
+                      <m:sSubSupPr>
+                        <m:ctrlPr>
+                          <a:rPr lang="en-US" b="0" i="1" smtClean="0">
+                            <a:latin typeface="Cambria Math" panose="02040503050406030204" pitchFamily="18" charset="0"/>
+                          </a:rPr>
+                        </m:ctrlPr>
+                      </m:sSubSupPr>
+                      <m:e>
+                        <m:r>
+                          <a:rPr lang="en-US" b="0" i="1" smtClean="0">
+                            <a:latin typeface="Cambria Math" panose="02040503050406030204" pitchFamily="18" charset="0"/>
+                          </a:rPr>
+                          <m:t>𝜎</m:t>
+                        </m:r>
+                      </m:e>
+                      <m:sub>
+                        <m:r>
+                          <a:rPr lang="en-US" b="0" i="1" smtClean="0">
+                            <a:latin typeface="Cambria Math" panose="02040503050406030204" pitchFamily="18" charset="0"/>
+                          </a:rPr>
+                          <m:t>2</m:t>
+                        </m:r>
+                      </m:sub>
+                      <m:sup>
+                        <m:r>
+                          <a:rPr lang="en-US" b="0" i="1" smtClean="0">
+                            <a:latin typeface="Cambria Math" panose="02040503050406030204" pitchFamily="18" charset="0"/>
+                          </a:rPr>
+                          <m:t>2</m:t>
+                        </m:r>
+                      </m:sup>
+                    </m:sSubSup>
+                  </m:oMath>
+                </a14:m>
+                <a:r>
+                  <a:rPr lang="en-US" dirty="0"/>
+                  <a:t> lead to higher power.</a:t>
+                </a:r>
+              </a:p>
+              <a:p>
+                <a:pPr lvl="1"/>
+                <a:r>
+                  <a:rPr lang="en-US" dirty="0"/>
+                  <a:t>Increasing the significance level (probability of committing a type I error) will increase the power for a fixed sample size.</a:t>
+                </a:r>
+              </a:p>
+            </p:txBody>
+          </p:sp>
+        </mc:Choice>
+        <mc:Fallback xmlns="">
+          <p:sp>
+            <p:nvSpPr>
+              <p:cNvPr id="3" name="Content Placeholder 2">
+                <a:extLst>
+                  <a:ext uri="{FF2B5EF4-FFF2-40B4-BE49-F238E27FC236}">
+                    <a16:creationId xmlns:a16="http://schemas.microsoft.com/office/drawing/2014/main" id="{58902E07-4F0B-4880-84AF-1DA56ECF1CA6}"/>
+                  </a:ext>
+                </a:extLst>
+              </p:cNvPr>
+              <p:cNvSpPr>
+                <a:spLocks noGrp="1" noRot="1" noChangeAspect="1" noMove="1" noResize="1" noEditPoints="1" noAdjustHandles="1" noChangeArrowheads="1" noChangeShapeType="1" noTextEdit="1"/>
+              </p:cNvSpPr>
+              <p:nvPr>
+                <p:ph idx="1"/>
+              </p:nvPr>
+            </p:nvSpPr>
+            <p:spPr>
+              <a:blipFill>
+                <a:blip r:embed="rId2"/>
+                <a:stretch>
+                  <a:fillRect l="-1043" t="-2241" r="-522"/>
+                </a:stretch>
+              </a:blipFill>
+            </p:spPr>
+            <p:txBody>
+              <a:bodyPr/>
+              <a:lstStyle/>
+              <a:p>
+                <a:r>
+                  <a:rPr lang="en-US">
+                    <a:noFill/>
+                  </a:rPr>
+                  <a:t> </a:t>
+                </a:r>
+              </a:p>
+            </p:txBody>
+          </p:sp>
+        </mc:Fallback>
+      </mc:AlternateContent>
+    </p:spTree>
+    <p:extLst>
+      <p:ext uri="{BB962C8B-B14F-4D97-AF65-F5344CB8AC3E}">
+        <p14:creationId xmlns:p14="http://schemas.microsoft.com/office/powerpoint/2010/main" val="4069516970"/>
+      </p:ext>
+    </p:extLst>
+  </p:cSld>
+  <p:clrMapOvr>
+    <a:masterClrMapping/>
+  </p:clrMapOvr>
+</p:sld>
+</file>
+
+<file path=ppt/slides/slide19.xml><?xml version="1.0" encoding="utf-8"?>
+<p:sld xmlns:a="http://schemas.openxmlformats.org/drawingml/2006/main" xmlns:r="http://schemas.openxmlformats.org/officeDocument/2006/relationships" xmlns:p="http://schemas.openxmlformats.org/presentationml/2006/main">
+  <p:cSld>
+    <p:spTree>
+      <p:nvGrpSpPr>
+        <p:cNvPr id="1" name=""/>
+        <p:cNvGrpSpPr/>
+        <p:nvPr/>
+      </p:nvGrpSpPr>
+      <p:grpSpPr>
+        <a:xfrm>
+          <a:off x="0" y="0"/>
+          <a:ext cx="0" cy="0"/>
+          <a:chOff x="0" y="0"/>
+          <a:chExt cx="0" cy="0"/>
+        </a:xfrm>
+      </p:grpSpPr>
+      <p:sp>
+        <p:nvSpPr>
+          <p:cNvPr id="2" name="Title 1">
+            <a:extLst>
+              <a:ext uri="{FF2B5EF4-FFF2-40B4-BE49-F238E27FC236}">
+                <a16:creationId xmlns:a16="http://schemas.microsoft.com/office/drawing/2014/main" id="{ED1CE4AC-391B-4E8C-840C-D1B4F4725708}"/>
+              </a:ext>
+            </a:extLst>
+          </p:cNvPr>
+          <p:cNvSpPr>
+            <a:spLocks noGrp="1"/>
+          </p:cNvSpPr>
+          <p:nvPr>
+            <p:ph type="title"/>
+          </p:nvPr>
+        </p:nvSpPr>
+        <p:spPr/>
+        <p:txBody>
+          <a:bodyPr/>
+          <a:lstStyle/>
+          <a:p>
+            <a:r>
+              <a:rPr lang="en-US" dirty="0"/>
+              <a:t>Sample Size Formula When Comparing Two Means (Two-Sided Test)</a:t>
+            </a:r>
+          </a:p>
+        </p:txBody>
+      </p:sp>
+      <mc:AlternateContent xmlns:mc="http://schemas.openxmlformats.org/markup-compatibility/2006" xmlns:a14="http://schemas.microsoft.com/office/drawing/2010/main">
+        <mc:Choice Requires="a14">
+          <p:sp>
+            <p:nvSpPr>
+              <p:cNvPr id="3" name="Content Placeholder 2">
+                <a:extLst>
+                  <a:ext uri="{FF2B5EF4-FFF2-40B4-BE49-F238E27FC236}">
+                    <a16:creationId xmlns:a16="http://schemas.microsoft.com/office/drawing/2014/main" id="{B952C6D2-E9A7-4F2B-BB97-C44161B1D400}"/>
+                  </a:ext>
+                </a:extLst>
+              </p:cNvPr>
+              <p:cNvSpPr>
+                <a:spLocks noGrp="1"/>
+              </p:cNvSpPr>
+              <p:nvPr>
+                <p:ph idx="1"/>
+              </p:nvPr>
+            </p:nvSpPr>
+            <p:spPr/>
+            <p:txBody>
+              <a:bodyPr/>
+              <a:lstStyle/>
+              <a:p>
+                <a:pPr marL="0" indent="0">
+                  <a:buNone/>
+                </a:pPr>
+                <a:endParaRPr lang="en-US" b="0" i="1" dirty="0">
+                  <a:latin typeface="Cambria Math" panose="02040503050406030204" pitchFamily="18" charset="0"/>
+                </a:endParaRPr>
+              </a:p>
+              <a:p>
+                <a:pPr marL="0" indent="0">
+                  <a:buNone/>
+                </a:pPr>
+                <a:endParaRPr lang="en-US" i="1" dirty="0">
+                  <a:latin typeface="Cambria Math" panose="02040503050406030204" pitchFamily="18" charset="0"/>
+                </a:endParaRPr>
+              </a:p>
+              <a:p>
+                <a:pPr marL="0" indent="0">
+                  <a:buNone/>
+                </a:pPr>
+                <a14:m>
+                  <m:oMathPara xmlns:m="http://schemas.openxmlformats.org/officeDocument/2006/math">
+                    <m:oMathParaPr>
+                      <m:jc m:val="centerGroup"/>
+                    </m:oMathParaPr>
+                    <m:oMath xmlns:m="http://schemas.openxmlformats.org/officeDocument/2006/math">
+                      <m:r>
+                        <a:rPr lang="en-US" b="0" i="1" smtClean="0">
+                          <a:latin typeface="Cambria Math" panose="02040503050406030204" pitchFamily="18" charset="0"/>
+                        </a:rPr>
+                        <m:t>𝑛</m:t>
+                      </m:r>
+                      <m:r>
+                        <a:rPr lang="en-US" b="0" i="1" smtClean="0">
+                          <a:latin typeface="Cambria Math" panose="02040503050406030204" pitchFamily="18" charset="0"/>
+                        </a:rPr>
+                        <m:t>=</m:t>
+                      </m:r>
+                      <m:f>
+                        <m:fPr>
+                          <m:ctrlPr>
+                            <a:rPr lang="en-US" b="0" i="1" smtClean="0">
+                              <a:latin typeface="Cambria Math" panose="02040503050406030204" pitchFamily="18" charset="0"/>
+                            </a:rPr>
+                          </m:ctrlPr>
+                        </m:fPr>
+                        <m:num>
+                          <m:d>
+                            <m:dPr>
+                              <m:ctrlPr>
+                                <a:rPr lang="en-US" b="0" i="1" smtClean="0">
+                                  <a:latin typeface="Cambria Math" panose="02040503050406030204" pitchFamily="18" charset="0"/>
+                                </a:rPr>
+                              </m:ctrlPr>
+                            </m:dPr>
+                            <m:e>
+                              <m:sSubSup>
+                                <m:sSubSupPr>
+                                  <m:ctrlPr>
+                                    <a:rPr lang="en-US" b="0" i="1" smtClean="0">
+                                      <a:latin typeface="Cambria Math" panose="02040503050406030204" pitchFamily="18" charset="0"/>
+                                    </a:rPr>
+                                  </m:ctrlPr>
+                                </m:sSubSupPr>
+                                <m:e>
+                                  <m:r>
+                                    <a:rPr lang="en-US" b="0" i="1" smtClean="0">
+                                      <a:latin typeface="Cambria Math" panose="02040503050406030204" pitchFamily="18" charset="0"/>
+                                    </a:rPr>
+                                    <m:t>𝜎</m:t>
+                                  </m:r>
+                                </m:e>
+                                <m:sub>
+                                  <m:r>
+                                    <a:rPr lang="en-US" b="0" i="1" smtClean="0">
+                                      <a:latin typeface="Cambria Math" panose="02040503050406030204" pitchFamily="18" charset="0"/>
+                                    </a:rPr>
+                                    <m:t>1</m:t>
+                                  </m:r>
+                                </m:sub>
+                                <m:sup>
+                                  <m:r>
+                                    <a:rPr lang="en-US" b="0" i="1" smtClean="0">
+                                      <a:latin typeface="Cambria Math" panose="02040503050406030204" pitchFamily="18" charset="0"/>
+                                    </a:rPr>
+                                    <m:t>2</m:t>
+                                  </m:r>
+                                </m:sup>
+                              </m:sSubSup>
+                              <m:r>
+                                <a:rPr lang="en-US" b="0" i="1" smtClean="0">
+                                  <a:latin typeface="Cambria Math" panose="02040503050406030204" pitchFamily="18" charset="0"/>
+                                </a:rPr>
+                                <m:t>+</m:t>
+                              </m:r>
+                              <m:sSubSup>
+                                <m:sSubSupPr>
+                                  <m:ctrlPr>
+                                    <a:rPr lang="en-US" b="0" i="1" smtClean="0">
+                                      <a:latin typeface="Cambria Math" panose="02040503050406030204" pitchFamily="18" charset="0"/>
+                                    </a:rPr>
+                                  </m:ctrlPr>
+                                </m:sSubSupPr>
+                                <m:e>
+                                  <m:r>
+                                    <a:rPr lang="en-US" b="0" i="1" smtClean="0">
+                                      <a:latin typeface="Cambria Math" panose="02040503050406030204" pitchFamily="18" charset="0"/>
+                                    </a:rPr>
+                                    <m:t>𝜎</m:t>
+                                  </m:r>
+                                </m:e>
+                                <m:sub>
+                                  <m:r>
+                                    <a:rPr lang="en-US" b="0" i="1" smtClean="0">
+                                      <a:latin typeface="Cambria Math" panose="02040503050406030204" pitchFamily="18" charset="0"/>
+                                    </a:rPr>
+                                    <m:t>2</m:t>
+                                  </m:r>
+                                </m:sub>
+                                <m:sup>
+                                  <m:r>
+                                    <a:rPr lang="en-US" b="0" i="1" smtClean="0">
+                                      <a:latin typeface="Cambria Math" panose="02040503050406030204" pitchFamily="18" charset="0"/>
+                                    </a:rPr>
+                                    <m:t>2</m:t>
+                                  </m:r>
+                                </m:sup>
+                              </m:sSubSup>
+                            </m:e>
+                          </m:d>
+                          <m:d>
+                            <m:dPr>
+                              <m:ctrlPr>
+                                <a:rPr lang="en-US" b="0" i="1" smtClean="0">
+                                  <a:latin typeface="Cambria Math" panose="02040503050406030204" pitchFamily="18" charset="0"/>
+                                </a:rPr>
+                              </m:ctrlPr>
+                            </m:dPr>
+                            <m:e>
+                              <m:sSub>
+                                <m:sSubPr>
+                                  <m:ctrlPr>
+                                    <a:rPr lang="en-US" b="0" i="1" smtClean="0">
+                                      <a:latin typeface="Cambria Math" panose="02040503050406030204" pitchFamily="18" charset="0"/>
+                                    </a:rPr>
+                                  </m:ctrlPr>
+                                </m:sSubPr>
+                                <m:e>
+                                  <m:r>
+                                    <a:rPr lang="en-US" b="0" i="1" smtClean="0">
+                                      <a:latin typeface="Cambria Math" panose="02040503050406030204" pitchFamily="18" charset="0"/>
+                                    </a:rPr>
+                                    <m:t>𝑧</m:t>
+                                  </m:r>
+                                </m:e>
+                                <m:sub>
+                                  <m:r>
+                                    <a:rPr lang="en-US" b="0" i="1" smtClean="0">
+                                      <a:latin typeface="Cambria Math" panose="02040503050406030204" pitchFamily="18" charset="0"/>
+                                    </a:rPr>
+                                    <m:t>1−</m:t>
+                                  </m:r>
+                                  <m:f>
+                                    <m:fPr>
+                                      <m:ctrlPr>
+                                        <a:rPr lang="en-US" b="0" i="1" smtClean="0">
+                                          <a:latin typeface="Cambria Math" panose="02040503050406030204" pitchFamily="18" charset="0"/>
+                                        </a:rPr>
+                                      </m:ctrlPr>
+                                    </m:fPr>
+                                    <m:num>
+                                      <m:r>
+                                        <a:rPr lang="en-US" b="0" i="1" smtClean="0">
+                                          <a:latin typeface="Cambria Math" panose="02040503050406030204" pitchFamily="18" charset="0"/>
+                                        </a:rPr>
+                                        <m:t>𝛼</m:t>
+                                      </m:r>
+                                    </m:num>
+                                    <m:den>
+                                      <m:r>
+                                        <a:rPr lang="en-US" b="0" i="1" smtClean="0">
+                                          <a:latin typeface="Cambria Math" panose="02040503050406030204" pitchFamily="18" charset="0"/>
+                                        </a:rPr>
+                                        <m:t>2</m:t>
+                                      </m:r>
+                                    </m:den>
+                                  </m:f>
+                                </m:sub>
+                              </m:sSub>
+                              <m:r>
+                                <a:rPr lang="en-US" b="0" i="1" smtClean="0">
+                                  <a:latin typeface="Cambria Math" panose="02040503050406030204" pitchFamily="18" charset="0"/>
+                                </a:rPr>
+                                <m:t>+</m:t>
+                              </m:r>
+                              <m:sSub>
+                                <m:sSubPr>
+                                  <m:ctrlPr>
+                                    <a:rPr lang="en-US" b="0" i="1" smtClean="0">
+                                      <a:latin typeface="Cambria Math" panose="02040503050406030204" pitchFamily="18" charset="0"/>
+                                    </a:rPr>
+                                  </m:ctrlPr>
+                                </m:sSubPr>
+                                <m:e>
+                                  <m:r>
+                                    <a:rPr lang="en-US" b="0" i="1" smtClean="0">
+                                      <a:latin typeface="Cambria Math" panose="02040503050406030204" pitchFamily="18" charset="0"/>
+                                    </a:rPr>
+                                    <m:t>𝑧</m:t>
+                                  </m:r>
+                                </m:e>
+                                <m:sub>
+                                  <m:r>
+                                    <a:rPr lang="en-US" b="0" i="1" smtClean="0">
+                                      <a:latin typeface="Cambria Math" panose="02040503050406030204" pitchFamily="18" charset="0"/>
+                                    </a:rPr>
+                                    <m:t>1−</m:t>
+                                  </m:r>
+                                  <m:r>
+                                    <a:rPr lang="en-US" b="0" i="1" smtClean="0">
+                                      <a:latin typeface="Cambria Math" panose="02040503050406030204" pitchFamily="18" charset="0"/>
+                                    </a:rPr>
+                                    <m:t>𝛽</m:t>
+                                  </m:r>
+                                </m:sub>
+                              </m:sSub>
+                            </m:e>
+                          </m:d>
+                        </m:num>
+                        <m:den>
+                          <m:sSup>
+                            <m:sSupPr>
+                              <m:ctrlPr>
+                                <a:rPr lang="en-US" b="0" i="1" smtClean="0">
+                                  <a:latin typeface="Cambria Math" panose="02040503050406030204" pitchFamily="18" charset="0"/>
+                                </a:rPr>
+                              </m:ctrlPr>
+                            </m:sSupPr>
+                            <m:e>
+                              <m:r>
+                                <m:rPr>
+                                  <m:sty m:val="p"/>
+                                </m:rPr>
+                                <a:rPr lang="en-US" b="0" i="0" smtClean="0">
+                                  <a:latin typeface="Cambria Math" panose="02040503050406030204" pitchFamily="18" charset="0"/>
+                                </a:rPr>
+                                <m:t>Δ</m:t>
+                              </m:r>
+                            </m:e>
+                            <m:sup>
+                              <m:r>
+                                <a:rPr lang="en-US" b="0" i="1" smtClean="0">
+                                  <a:latin typeface="Cambria Math" panose="02040503050406030204" pitchFamily="18" charset="0"/>
+                                </a:rPr>
+                                <m:t>2</m:t>
+                              </m:r>
+                            </m:sup>
+                          </m:sSup>
+                        </m:den>
+                      </m:f>
+                    </m:oMath>
+                  </m:oMathPara>
+                </a14:m>
+                <a:endParaRPr lang="en-US" dirty="0"/>
+              </a:p>
+              <a:p>
+                <a:pPr marL="0" indent="0">
+                  <a:buNone/>
+                </a:pPr>
+                <a:r>
+                  <a:rPr lang="en-US" dirty="0"/>
+                  <a:t>Where</a:t>
+                </a:r>
+              </a:p>
+              <a:p>
+                <a:pPr marL="0" indent="0">
+                  <a:buNone/>
+                </a:pPr>
+                <a14:m>
+                  <m:oMathPara xmlns:m="http://schemas.openxmlformats.org/officeDocument/2006/math">
+                    <m:oMathParaPr>
+                      <m:jc m:val="centerGroup"/>
+                    </m:oMathParaPr>
+                    <m:oMath xmlns:m="http://schemas.openxmlformats.org/officeDocument/2006/math">
+                      <m:r>
+                        <m:rPr>
+                          <m:sty m:val="p"/>
+                        </m:rPr>
+                        <a:rPr lang="en-US" b="0" i="0" smtClean="0">
+                          <a:latin typeface="Cambria Math" panose="02040503050406030204" pitchFamily="18" charset="0"/>
+                        </a:rPr>
+                        <m:t>Δ</m:t>
+                      </m:r>
+                      <m:r>
+                        <a:rPr lang="en-US" b="0" i="1" smtClean="0">
+                          <a:latin typeface="Cambria Math" panose="02040503050406030204" pitchFamily="18" charset="0"/>
+                        </a:rPr>
+                        <m:t>=</m:t>
+                      </m:r>
+                      <m:d>
+                        <m:dPr>
+                          <m:begChr m:val="|"/>
+                          <m:endChr m:val="|"/>
+                          <m:ctrlPr>
+                            <a:rPr lang="en-US" b="0" i="1" smtClean="0">
+                              <a:latin typeface="Cambria Math" panose="02040503050406030204" pitchFamily="18" charset="0"/>
+                            </a:rPr>
+                          </m:ctrlPr>
+                        </m:dPr>
+                        <m:e>
+                          <m:sSub>
+                            <m:sSubPr>
+                              <m:ctrlPr>
+                                <a:rPr lang="en-US" b="0" i="1" smtClean="0">
+                                  <a:latin typeface="Cambria Math" panose="02040503050406030204" pitchFamily="18" charset="0"/>
+                                </a:rPr>
+                              </m:ctrlPr>
+                            </m:sSubPr>
+                            <m:e>
+                              <m:r>
+                                <a:rPr lang="en-US" b="0" i="1" smtClean="0">
+                                  <a:latin typeface="Cambria Math" panose="02040503050406030204" pitchFamily="18" charset="0"/>
+                                </a:rPr>
+                                <m:t>𝜇</m:t>
+                              </m:r>
+                            </m:e>
+                            <m:sub>
+                              <m:r>
+                                <a:rPr lang="en-US" b="0" i="1" smtClean="0">
+                                  <a:latin typeface="Cambria Math" panose="02040503050406030204" pitchFamily="18" charset="0"/>
+                                </a:rPr>
+                                <m:t>1</m:t>
+                              </m:r>
+                            </m:sub>
+                          </m:sSub>
+                          <m:r>
+                            <a:rPr lang="en-US" b="0" i="1" smtClean="0">
+                              <a:latin typeface="Cambria Math" panose="02040503050406030204" pitchFamily="18" charset="0"/>
+                            </a:rPr>
+                            <m:t>−</m:t>
+                          </m:r>
+                          <m:sSub>
+                            <m:sSubPr>
+                              <m:ctrlPr>
+                                <a:rPr lang="en-US" b="0" i="1" smtClean="0">
+                                  <a:latin typeface="Cambria Math" panose="02040503050406030204" pitchFamily="18" charset="0"/>
+                                </a:rPr>
+                              </m:ctrlPr>
+                            </m:sSubPr>
+                            <m:e>
+                              <m:r>
+                                <a:rPr lang="en-US" b="0" i="1" smtClean="0">
+                                  <a:latin typeface="Cambria Math" panose="02040503050406030204" pitchFamily="18" charset="0"/>
+                                </a:rPr>
+                                <m:t>𝜇</m:t>
+                              </m:r>
+                            </m:e>
+                            <m:sub>
+                              <m:r>
+                                <a:rPr lang="en-US" b="0" i="1" smtClean="0">
+                                  <a:latin typeface="Cambria Math" panose="02040503050406030204" pitchFamily="18" charset="0"/>
+                                </a:rPr>
+                                <m:t>2</m:t>
+                              </m:r>
+                            </m:sub>
+                          </m:sSub>
+                        </m:e>
+                      </m:d>
+                    </m:oMath>
+                  </m:oMathPara>
+                </a14:m>
+                <a:endParaRPr lang="en-US" dirty="0"/>
+              </a:p>
+            </p:txBody>
+          </p:sp>
+        </mc:Choice>
+        <mc:Fallback xmlns="">
+          <p:sp>
+            <p:nvSpPr>
+              <p:cNvPr id="3" name="Content Placeholder 2">
+                <a:extLst>
+                  <a:ext uri="{FF2B5EF4-FFF2-40B4-BE49-F238E27FC236}">
+                    <a16:creationId xmlns:a16="http://schemas.microsoft.com/office/drawing/2014/main" id="{B952C6D2-E9A7-4F2B-BB97-C44161B1D400}"/>
+                  </a:ext>
+                </a:extLst>
+              </p:cNvPr>
+              <p:cNvSpPr>
+                <a:spLocks noGrp="1" noRot="1" noChangeAspect="1" noMove="1" noResize="1" noEditPoints="1" noAdjustHandles="1" noChangeArrowheads="1" noChangeShapeType="1" noTextEdit="1"/>
+              </p:cNvSpPr>
+              <p:nvPr>
+                <p:ph idx="1"/>
+              </p:nvPr>
+            </p:nvSpPr>
+            <p:spPr>
+              <a:blipFill>
+                <a:blip r:embed="rId2"/>
+                <a:stretch>
+                  <a:fillRect l="-1217"/>
+                </a:stretch>
+              </a:blipFill>
+            </p:spPr>
+            <p:txBody>
+              <a:bodyPr/>
+              <a:lstStyle/>
+              <a:p>
+                <a:r>
+                  <a:rPr lang="en-US">
+                    <a:noFill/>
+                  </a:rPr>
+                  <a:t> </a:t>
+                </a:r>
+              </a:p>
+            </p:txBody>
+          </p:sp>
+        </mc:Fallback>
+      </mc:AlternateContent>
+    </p:spTree>
+    <p:extLst>
+      <p:ext uri="{BB962C8B-B14F-4D97-AF65-F5344CB8AC3E}">
+        <p14:creationId xmlns:p14="http://schemas.microsoft.com/office/powerpoint/2010/main" val="2598808858"/>
       </p:ext>
     </p:extLst>
   </p:cSld>
@@ -8077,6 +9352,3782 @@
     <p:extLst>
       <p:ext uri="{BB962C8B-B14F-4D97-AF65-F5344CB8AC3E}">
         <p14:creationId xmlns:p14="http://schemas.microsoft.com/office/powerpoint/2010/main" val="2977430488"/>
+      </p:ext>
+    </p:extLst>
+  </p:cSld>
+  <p:clrMapOvr>
+    <a:masterClrMapping/>
+  </p:clrMapOvr>
+</p:sld>
+</file>
+
+<file path=ppt/slides/slide20.xml><?xml version="1.0" encoding="utf-8"?>
+<p:sld xmlns:a="http://schemas.openxmlformats.org/drawingml/2006/main" xmlns:r="http://schemas.openxmlformats.org/officeDocument/2006/relationships" xmlns:p="http://schemas.openxmlformats.org/presentationml/2006/main">
+  <p:cSld>
+    <p:spTree>
+      <p:nvGrpSpPr>
+        <p:cNvPr id="1" name=""/>
+        <p:cNvGrpSpPr/>
+        <p:nvPr/>
+      </p:nvGrpSpPr>
+      <p:grpSpPr>
+        <a:xfrm>
+          <a:off x="0" y="0"/>
+          <a:ext cx="0" cy="0"/>
+          <a:chOff x="0" y="0"/>
+          <a:chExt cx="0" cy="0"/>
+        </a:xfrm>
+      </p:grpSpPr>
+      <p:sp>
+        <p:nvSpPr>
+          <p:cNvPr id="2" name="Title 1">
+            <a:extLst>
+              <a:ext uri="{FF2B5EF4-FFF2-40B4-BE49-F238E27FC236}">
+                <a16:creationId xmlns:a16="http://schemas.microsoft.com/office/drawing/2014/main" id="{40653E80-F7D3-4701-8FC6-DBCF4EBDDCD2}"/>
+              </a:ext>
+            </a:extLst>
+          </p:cNvPr>
+          <p:cNvSpPr>
+            <a:spLocks noGrp="1"/>
+          </p:cNvSpPr>
+          <p:nvPr>
+            <p:ph type="title"/>
+          </p:nvPr>
+        </p:nvSpPr>
+        <p:spPr/>
+        <p:txBody>
+          <a:bodyPr/>
+          <a:lstStyle/>
+          <a:p>
+            <a:r>
+              <a:rPr lang="en-US" dirty="0"/>
+              <a:t>Nonparametric Tests</a:t>
+            </a:r>
+          </a:p>
+        </p:txBody>
+      </p:sp>
+      <p:sp>
+        <p:nvSpPr>
+          <p:cNvPr id="3" name="Content Placeholder 2">
+            <a:extLst>
+              <a:ext uri="{FF2B5EF4-FFF2-40B4-BE49-F238E27FC236}">
+                <a16:creationId xmlns:a16="http://schemas.microsoft.com/office/drawing/2014/main" id="{60AE70E9-E26E-4D9C-B4C9-673E23C66516}"/>
+              </a:ext>
+            </a:extLst>
+          </p:cNvPr>
+          <p:cNvSpPr>
+            <a:spLocks noGrp="1"/>
+          </p:cNvSpPr>
+          <p:nvPr>
+            <p:ph idx="1"/>
+          </p:nvPr>
+        </p:nvSpPr>
+        <p:spPr/>
+        <p:txBody>
+          <a:bodyPr>
+            <a:normAutofit fontScale="92500" lnSpcReduction="10000"/>
+          </a:bodyPr>
+          <a:lstStyle/>
+          <a:p>
+            <a:r>
+              <a:rPr lang="en-US" dirty="0"/>
+              <a:t>The t-test procedures (one- or two-sample) rely on the normality assumption.</a:t>
+            </a:r>
+          </a:p>
+          <a:p>
+            <a:r>
+              <a:rPr lang="en-US" dirty="0"/>
+              <a:t>Since the t-test assumes a parametric form for the underlying distribution(s), it is called a parametric test.</a:t>
+            </a:r>
+          </a:p>
+          <a:p>
+            <a:r>
+              <a:rPr lang="en-US" dirty="0"/>
+              <a:t>Fortunately, the t-test is quite robust to modest deviations from normality.</a:t>
+            </a:r>
+          </a:p>
+          <a:p>
+            <a:r>
+              <a:rPr lang="en-US" dirty="0"/>
+              <a:t>For more severe violations of the normality assumption, nonparametric tests can be used!</a:t>
+            </a:r>
+          </a:p>
+          <a:p>
+            <a:r>
+              <a:rPr lang="en-US" dirty="0"/>
+              <a:t>Such nonparametric tests do not require that the underlying distribution(s) belong to a particular parametric family.</a:t>
+            </a:r>
+          </a:p>
+          <a:p>
+            <a:r>
+              <a:rPr lang="en-US" dirty="0"/>
+              <a:t>Nonparametric tests are typically based on the relative ranks of the sample observations.</a:t>
+            </a:r>
+          </a:p>
+        </p:txBody>
+      </p:sp>
+    </p:spTree>
+    <p:extLst>
+      <p:ext uri="{BB962C8B-B14F-4D97-AF65-F5344CB8AC3E}">
+        <p14:creationId xmlns:p14="http://schemas.microsoft.com/office/powerpoint/2010/main" val="1076468686"/>
+      </p:ext>
+    </p:extLst>
+  </p:cSld>
+  <p:clrMapOvr>
+    <a:masterClrMapping/>
+  </p:clrMapOvr>
+</p:sld>
+</file>
+
+<file path=ppt/slides/slide21.xml><?xml version="1.0" encoding="utf-8"?>
+<p:sld xmlns:a="http://schemas.openxmlformats.org/drawingml/2006/main" xmlns:r="http://schemas.openxmlformats.org/officeDocument/2006/relationships" xmlns:p="http://schemas.openxmlformats.org/presentationml/2006/main">
+  <p:cSld>
+    <p:spTree>
+      <p:nvGrpSpPr>
+        <p:cNvPr id="1" name=""/>
+        <p:cNvGrpSpPr/>
+        <p:nvPr/>
+      </p:nvGrpSpPr>
+      <p:grpSpPr>
+        <a:xfrm>
+          <a:off x="0" y="0"/>
+          <a:ext cx="0" cy="0"/>
+          <a:chOff x="0" y="0"/>
+          <a:chExt cx="0" cy="0"/>
+        </a:xfrm>
+      </p:grpSpPr>
+      <p:sp>
+        <p:nvSpPr>
+          <p:cNvPr id="2" name="Title 1">
+            <a:extLst>
+              <a:ext uri="{FF2B5EF4-FFF2-40B4-BE49-F238E27FC236}">
+                <a16:creationId xmlns:a16="http://schemas.microsoft.com/office/drawing/2014/main" id="{0CFC8760-6C09-4A22-9627-45CB3FBE4B1F}"/>
+              </a:ext>
+            </a:extLst>
+          </p:cNvPr>
+          <p:cNvSpPr>
+            <a:spLocks noGrp="1"/>
+          </p:cNvSpPr>
+          <p:nvPr>
+            <p:ph type="title"/>
+          </p:nvPr>
+        </p:nvSpPr>
+        <p:spPr/>
+        <p:txBody>
+          <a:bodyPr/>
+          <a:lstStyle/>
+          <a:p>
+            <a:r>
+              <a:rPr lang="en-US" dirty="0"/>
+              <a:t>Nonparametric Tests</a:t>
+            </a:r>
+          </a:p>
+        </p:txBody>
+      </p:sp>
+      <p:graphicFrame>
+        <p:nvGraphicFramePr>
+          <p:cNvPr id="4" name="Content Placeholder 3">
+            <a:extLst>
+              <a:ext uri="{FF2B5EF4-FFF2-40B4-BE49-F238E27FC236}">
+                <a16:creationId xmlns:a16="http://schemas.microsoft.com/office/drawing/2014/main" id="{A1F3742B-B19B-4D52-BE56-1D18A150B527}"/>
+              </a:ext>
+            </a:extLst>
+          </p:cNvPr>
+          <p:cNvGraphicFramePr>
+            <a:graphicFrameLocks noGrp="1"/>
+          </p:cNvGraphicFramePr>
+          <p:nvPr>
+            <p:ph idx="1"/>
+            <p:extLst>
+              <p:ext uri="{D42A27DB-BD31-4B8C-83A1-F6EECF244321}">
+                <p14:modId xmlns:p14="http://schemas.microsoft.com/office/powerpoint/2010/main" val="2279991467"/>
+              </p:ext>
+            </p:extLst>
+          </p:nvPr>
+        </p:nvGraphicFramePr>
+        <p:xfrm>
+          <a:off x="838200" y="1825625"/>
+          <a:ext cx="10515600" cy="1854200"/>
+        </p:xfrm>
+        <a:graphic>
+          <a:graphicData uri="http://schemas.openxmlformats.org/drawingml/2006/table">
+            <a:tbl>
+              <a:tblPr firstRow="1" bandRow="1">
+                <a:tableStyleId>{5C22544A-7EE6-4342-B048-85BDC9FD1C3A}</a:tableStyleId>
+              </a:tblPr>
+              <a:tblGrid>
+                <a:gridCol w="3505200">
+                  <a:extLst>
+                    <a:ext uri="{9D8B030D-6E8A-4147-A177-3AD203B41FA5}">
+                      <a16:colId xmlns:a16="http://schemas.microsoft.com/office/drawing/2014/main" val="290027461"/>
+                    </a:ext>
+                  </a:extLst>
+                </a:gridCol>
+                <a:gridCol w="3505200">
+                  <a:extLst>
+                    <a:ext uri="{9D8B030D-6E8A-4147-A177-3AD203B41FA5}">
+                      <a16:colId xmlns:a16="http://schemas.microsoft.com/office/drawing/2014/main" val="3528775157"/>
+                    </a:ext>
+                  </a:extLst>
+                </a:gridCol>
+                <a:gridCol w="3505200">
+                  <a:extLst>
+                    <a:ext uri="{9D8B030D-6E8A-4147-A177-3AD203B41FA5}">
+                      <a16:colId xmlns:a16="http://schemas.microsoft.com/office/drawing/2014/main" val="953788559"/>
+                    </a:ext>
+                  </a:extLst>
+                </a:gridCol>
+              </a:tblGrid>
+              <a:tr h="370840">
+                <a:tc>
+                  <a:txBody>
+                    <a:bodyPr/>
+                    <a:lstStyle/>
+                    <a:p>
+                      <a:r>
+                        <a:rPr lang="en-US" dirty="0"/>
+                        <a:t>Scenario</a:t>
+                      </a:r>
+                    </a:p>
+                  </a:txBody>
+                  <a:tcPr/>
+                </a:tc>
+                <a:tc>
+                  <a:txBody>
+                    <a:bodyPr/>
+                    <a:lstStyle/>
+                    <a:p>
+                      <a:r>
+                        <a:rPr lang="en-US" dirty="0"/>
+                        <a:t>Parametric test</a:t>
+                      </a:r>
+                    </a:p>
+                  </a:txBody>
+                  <a:tcPr/>
+                </a:tc>
+                <a:tc>
+                  <a:txBody>
+                    <a:bodyPr/>
+                    <a:lstStyle/>
+                    <a:p>
+                      <a:r>
+                        <a:rPr lang="en-US" dirty="0"/>
+                        <a:t>Nonparametric test</a:t>
+                      </a:r>
+                    </a:p>
+                  </a:txBody>
+                  <a:tcPr/>
+                </a:tc>
+                <a:extLst>
+                  <a:ext uri="{0D108BD9-81ED-4DB2-BD59-A6C34878D82A}">
+                    <a16:rowId xmlns:a16="http://schemas.microsoft.com/office/drawing/2014/main" val="2057850225"/>
+                  </a:ext>
+                </a:extLst>
+              </a:tr>
+              <a:tr h="370840">
+                <a:tc>
+                  <a:txBody>
+                    <a:bodyPr/>
+                    <a:lstStyle/>
+                    <a:p>
+                      <a:r>
+                        <a:rPr lang="en-US" dirty="0"/>
+                        <a:t>One-sample</a:t>
+                      </a:r>
+                    </a:p>
+                  </a:txBody>
+                  <a:tcPr/>
+                </a:tc>
+                <a:tc>
+                  <a:txBody>
+                    <a:bodyPr/>
+                    <a:lstStyle/>
+                    <a:p>
+                      <a:r>
+                        <a:rPr lang="en-US" dirty="0"/>
+                        <a:t>One-sample t-test</a:t>
+                      </a:r>
+                    </a:p>
+                  </a:txBody>
+                  <a:tcPr/>
+                </a:tc>
+                <a:tc>
+                  <a:txBody>
+                    <a:bodyPr/>
+                    <a:lstStyle/>
+                    <a:p>
+                      <a:r>
+                        <a:rPr lang="en-US" dirty="0"/>
+                        <a:t>Wilcoxon signed rank test</a:t>
+                      </a:r>
+                    </a:p>
+                  </a:txBody>
+                  <a:tcPr/>
+                </a:tc>
+                <a:extLst>
+                  <a:ext uri="{0D108BD9-81ED-4DB2-BD59-A6C34878D82A}">
+                    <a16:rowId xmlns:a16="http://schemas.microsoft.com/office/drawing/2014/main" val="1876558486"/>
+                  </a:ext>
+                </a:extLst>
+              </a:tr>
+              <a:tr h="370840">
+                <a:tc>
+                  <a:txBody>
+                    <a:bodyPr/>
+                    <a:lstStyle/>
+                    <a:p>
+                      <a:r>
+                        <a:rPr lang="en-US" dirty="0"/>
+                        <a:t>Two-sample</a:t>
+                      </a:r>
+                    </a:p>
+                  </a:txBody>
+                  <a:tcPr/>
+                </a:tc>
+                <a:tc>
+                  <a:txBody>
+                    <a:bodyPr/>
+                    <a:lstStyle/>
+                    <a:p>
+                      <a:r>
+                        <a:rPr lang="en-US" dirty="0"/>
+                        <a:t>Two-sample t-test</a:t>
+                      </a:r>
+                    </a:p>
+                  </a:txBody>
+                  <a:tcPr/>
+                </a:tc>
+                <a:tc>
+                  <a:txBody>
+                    <a:bodyPr/>
+                    <a:lstStyle/>
+                    <a:p>
+                      <a:r>
+                        <a:rPr lang="en-US" dirty="0"/>
+                        <a:t>Wilcoxon rank sum test</a:t>
+                      </a:r>
+                    </a:p>
+                  </a:txBody>
+                  <a:tcPr/>
+                </a:tc>
+                <a:extLst>
+                  <a:ext uri="{0D108BD9-81ED-4DB2-BD59-A6C34878D82A}">
+                    <a16:rowId xmlns:a16="http://schemas.microsoft.com/office/drawing/2014/main" val="2320601705"/>
+                  </a:ext>
+                </a:extLst>
+              </a:tr>
+              <a:tr h="370840">
+                <a:tc>
+                  <a:txBody>
+                    <a:bodyPr/>
+                    <a:lstStyle/>
+                    <a:p>
+                      <a:r>
+                        <a:rPr lang="en-US" dirty="0"/>
+                        <a:t>Paired data</a:t>
+                      </a:r>
+                    </a:p>
+                  </a:txBody>
+                  <a:tcPr/>
+                </a:tc>
+                <a:tc>
+                  <a:txBody>
+                    <a:bodyPr/>
+                    <a:lstStyle/>
+                    <a:p>
+                      <a:r>
+                        <a:rPr lang="en-US" dirty="0"/>
+                        <a:t>Paired t-test</a:t>
+                      </a:r>
+                    </a:p>
+                  </a:txBody>
+                  <a:tcPr/>
+                </a:tc>
+                <a:tc>
+                  <a:txBody>
+                    <a:bodyPr/>
+                    <a:lstStyle/>
+                    <a:p>
+                      <a:r>
+                        <a:rPr lang="en-US" dirty="0"/>
+                        <a:t>Wilcoxon signed rank test, sign test</a:t>
+                      </a:r>
+                    </a:p>
+                  </a:txBody>
+                  <a:tcPr/>
+                </a:tc>
+                <a:extLst>
+                  <a:ext uri="{0D108BD9-81ED-4DB2-BD59-A6C34878D82A}">
+                    <a16:rowId xmlns:a16="http://schemas.microsoft.com/office/drawing/2014/main" val="3383690475"/>
+                  </a:ext>
+                </a:extLst>
+              </a:tr>
+              <a:tr h="370840">
+                <a:tc>
+                  <a:txBody>
+                    <a:bodyPr/>
+                    <a:lstStyle/>
+                    <a:p>
+                      <a:r>
+                        <a:rPr lang="en-US" dirty="0"/>
+                        <a:t>More than two samples</a:t>
+                      </a:r>
+                    </a:p>
+                  </a:txBody>
+                  <a:tcPr/>
+                </a:tc>
+                <a:tc>
+                  <a:txBody>
+                    <a:bodyPr/>
+                    <a:lstStyle/>
+                    <a:p>
+                      <a:r>
+                        <a:rPr lang="en-US" dirty="0"/>
+                        <a:t>ANOVA/F-test</a:t>
+                      </a:r>
+                    </a:p>
+                  </a:txBody>
+                  <a:tcPr/>
+                </a:tc>
+                <a:tc>
+                  <a:txBody>
+                    <a:bodyPr/>
+                    <a:lstStyle/>
+                    <a:p>
+                      <a:r>
+                        <a:rPr lang="en-US" dirty="0"/>
+                        <a:t>Kruskal-Wallis test</a:t>
+                      </a:r>
+                    </a:p>
+                  </a:txBody>
+                  <a:tcPr/>
+                </a:tc>
+                <a:extLst>
+                  <a:ext uri="{0D108BD9-81ED-4DB2-BD59-A6C34878D82A}">
+                    <a16:rowId xmlns:a16="http://schemas.microsoft.com/office/drawing/2014/main" val="1306986957"/>
+                  </a:ext>
+                </a:extLst>
+              </a:tr>
+            </a:tbl>
+          </a:graphicData>
+        </a:graphic>
+      </p:graphicFrame>
+    </p:spTree>
+    <p:extLst>
+      <p:ext uri="{BB962C8B-B14F-4D97-AF65-F5344CB8AC3E}">
+        <p14:creationId xmlns:p14="http://schemas.microsoft.com/office/powerpoint/2010/main" val="772613805"/>
+      </p:ext>
+    </p:extLst>
+  </p:cSld>
+  <p:clrMapOvr>
+    <a:masterClrMapping/>
+  </p:clrMapOvr>
+</p:sld>
+</file>
+
+<file path=ppt/slides/slide22.xml><?xml version="1.0" encoding="utf-8"?>
+<p:sld xmlns:a="http://schemas.openxmlformats.org/drawingml/2006/main" xmlns:r="http://schemas.openxmlformats.org/officeDocument/2006/relationships" xmlns:p="http://schemas.openxmlformats.org/presentationml/2006/main">
+  <p:cSld>
+    <p:spTree>
+      <p:nvGrpSpPr>
+        <p:cNvPr id="1" name=""/>
+        <p:cNvGrpSpPr/>
+        <p:nvPr/>
+      </p:nvGrpSpPr>
+      <p:grpSpPr>
+        <a:xfrm>
+          <a:off x="0" y="0"/>
+          <a:ext cx="0" cy="0"/>
+          <a:chOff x="0" y="0"/>
+          <a:chExt cx="0" cy="0"/>
+        </a:xfrm>
+      </p:grpSpPr>
+      <p:sp>
+        <p:nvSpPr>
+          <p:cNvPr id="2" name="Title 1">
+            <a:extLst>
+              <a:ext uri="{FF2B5EF4-FFF2-40B4-BE49-F238E27FC236}">
+                <a16:creationId xmlns:a16="http://schemas.microsoft.com/office/drawing/2014/main" id="{22EDCA50-9E1F-4DC2-BEFE-B11F3E884319}"/>
+              </a:ext>
+            </a:extLst>
+          </p:cNvPr>
+          <p:cNvSpPr>
+            <a:spLocks noGrp="1"/>
+          </p:cNvSpPr>
+          <p:nvPr>
+            <p:ph type="title"/>
+          </p:nvPr>
+        </p:nvSpPr>
+        <p:spPr/>
+        <p:txBody>
+          <a:bodyPr/>
+          <a:lstStyle/>
+          <a:p>
+            <a:r>
+              <a:rPr lang="en-US" dirty="0"/>
+              <a:t>Paired t-test</a:t>
+            </a:r>
+          </a:p>
+        </p:txBody>
+      </p:sp>
+      <p:sp>
+        <p:nvSpPr>
+          <p:cNvPr id="3" name="Content Placeholder 2">
+            <a:extLst>
+              <a:ext uri="{FF2B5EF4-FFF2-40B4-BE49-F238E27FC236}">
+                <a16:creationId xmlns:a16="http://schemas.microsoft.com/office/drawing/2014/main" id="{AB82F781-7CAD-45DD-A03F-55FDEF784D93}"/>
+              </a:ext>
+            </a:extLst>
+          </p:cNvPr>
+          <p:cNvSpPr>
+            <a:spLocks noGrp="1"/>
+          </p:cNvSpPr>
+          <p:nvPr>
+            <p:ph idx="1"/>
+          </p:nvPr>
+        </p:nvSpPr>
+        <p:spPr/>
+        <p:txBody>
+          <a:bodyPr>
+            <a:normAutofit fontScale="85000" lnSpcReduction="20000"/>
+          </a:bodyPr>
+          <a:lstStyle/>
+          <a:p>
+            <a:r>
+              <a:rPr lang="en-US" dirty="0"/>
+              <a:t>A clinical trial is to be run to test the medication </a:t>
+            </a:r>
+            <a:r>
+              <a:rPr lang="en-US" i="1" dirty="0"/>
+              <a:t>captopril</a:t>
+            </a:r>
+            <a:r>
+              <a:rPr lang="en-US" dirty="0"/>
+              <a:t> for the treatment of hypertension.</a:t>
+            </a:r>
+          </a:p>
+          <a:p>
+            <a:r>
+              <a:rPr lang="en-US" dirty="0"/>
+              <a:t>How should the study be designed?</a:t>
+            </a:r>
+          </a:p>
+          <a:p>
+            <a:r>
+              <a:rPr lang="en-US" dirty="0"/>
+              <a:t>One possibility would be to enroll  subjects in the study and randomly assign subjects to one of two treatments: captopril or placebo.</a:t>
+            </a:r>
+          </a:p>
+          <a:p>
+            <a:r>
+              <a:rPr lang="en-US" dirty="0"/>
+              <a:t>Once the experiment is over, the data could be analyzed using a simple two-sample t-test to determine if captopril significantly differs from the placebo.</a:t>
+            </a:r>
+          </a:p>
+          <a:p>
+            <a:r>
+              <a:rPr lang="en-US" dirty="0"/>
+              <a:t>However, in experiments like this, there tends to be a lot of between subject variability.</a:t>
+            </a:r>
+          </a:p>
+          <a:p>
+            <a:r>
+              <a:rPr lang="en-US" dirty="0"/>
+              <a:t>If the actual effect of the captopril on blood pressure is small relative to this between subject variability, then the two-sample t-test may not be able to detect the drug’s effect!!</a:t>
+            </a:r>
+          </a:p>
+          <a:p>
+            <a:r>
+              <a:rPr lang="en-US" dirty="0"/>
+              <a:t>Is there a better way to design the study?</a:t>
+            </a:r>
+          </a:p>
+        </p:txBody>
+      </p:sp>
+    </p:spTree>
+    <p:extLst>
+      <p:ext uri="{BB962C8B-B14F-4D97-AF65-F5344CB8AC3E}">
+        <p14:creationId xmlns:p14="http://schemas.microsoft.com/office/powerpoint/2010/main" val="3698926099"/>
+      </p:ext>
+    </p:extLst>
+  </p:cSld>
+  <p:clrMapOvr>
+    <a:masterClrMapping/>
+  </p:clrMapOvr>
+</p:sld>
+</file>
+
+<file path=ppt/slides/slide23.xml><?xml version="1.0" encoding="utf-8"?>
+<p:sld xmlns:a="http://schemas.openxmlformats.org/drawingml/2006/main" xmlns:r="http://schemas.openxmlformats.org/officeDocument/2006/relationships" xmlns:p="http://schemas.openxmlformats.org/presentationml/2006/main">
+  <p:cSld>
+    <p:spTree>
+      <p:nvGrpSpPr>
+        <p:cNvPr id="1" name=""/>
+        <p:cNvGrpSpPr/>
+        <p:nvPr/>
+      </p:nvGrpSpPr>
+      <p:grpSpPr>
+        <a:xfrm>
+          <a:off x="0" y="0"/>
+          <a:ext cx="0" cy="0"/>
+          <a:chOff x="0" y="0"/>
+          <a:chExt cx="0" cy="0"/>
+        </a:xfrm>
+      </p:grpSpPr>
+      <p:sp>
+        <p:nvSpPr>
+          <p:cNvPr id="2" name="Title 1">
+            <a:extLst>
+              <a:ext uri="{FF2B5EF4-FFF2-40B4-BE49-F238E27FC236}">
+                <a16:creationId xmlns:a16="http://schemas.microsoft.com/office/drawing/2014/main" id="{6C22408B-5222-4BBA-9591-6A72354F7C00}"/>
+              </a:ext>
+            </a:extLst>
+          </p:cNvPr>
+          <p:cNvSpPr>
+            <a:spLocks noGrp="1"/>
+          </p:cNvSpPr>
+          <p:nvPr>
+            <p:ph type="title"/>
+          </p:nvPr>
+        </p:nvSpPr>
+        <p:spPr/>
+        <p:txBody>
+          <a:bodyPr/>
+          <a:lstStyle/>
+          <a:p>
+            <a:r>
+              <a:rPr lang="en-US" dirty="0"/>
+              <a:t>Paired t-test</a:t>
+            </a:r>
+          </a:p>
+        </p:txBody>
+      </p:sp>
+      <p:sp>
+        <p:nvSpPr>
+          <p:cNvPr id="3" name="Content Placeholder 2">
+            <a:extLst>
+              <a:ext uri="{FF2B5EF4-FFF2-40B4-BE49-F238E27FC236}">
+                <a16:creationId xmlns:a16="http://schemas.microsoft.com/office/drawing/2014/main" id="{804A76F9-D1A8-4DAF-95B3-707FFBB90D19}"/>
+              </a:ext>
+            </a:extLst>
+          </p:cNvPr>
+          <p:cNvSpPr>
+            <a:spLocks noGrp="1"/>
+          </p:cNvSpPr>
+          <p:nvPr>
+            <p:ph idx="1"/>
+          </p:nvPr>
+        </p:nvSpPr>
+        <p:spPr/>
+        <p:txBody>
+          <a:bodyPr/>
+          <a:lstStyle/>
+          <a:p>
+            <a:r>
+              <a:rPr lang="en-US" dirty="0"/>
+              <a:t>One way to factor out such variability is to use each subject as their own control!</a:t>
+            </a:r>
+          </a:p>
+          <a:p>
+            <a:r>
+              <a:rPr lang="en-US" dirty="0"/>
+              <a:t>In other words, we could take each subjects blood pressure before and after taking the drug.</a:t>
+            </a:r>
+          </a:p>
+          <a:p>
+            <a:r>
+              <a:rPr lang="en-US" dirty="0"/>
+              <a:t>We could then perform our analysis on the paired differences (i.e., after – before).</a:t>
+            </a:r>
+          </a:p>
+          <a:p>
+            <a:r>
+              <a:rPr lang="en-US" dirty="0"/>
+              <a:t>Large negative differences would be evidence against the null hypothesis (i.e., no effect).</a:t>
+            </a:r>
+          </a:p>
+        </p:txBody>
+      </p:sp>
+    </p:spTree>
+    <p:extLst>
+      <p:ext uri="{BB962C8B-B14F-4D97-AF65-F5344CB8AC3E}">
+        <p14:creationId xmlns:p14="http://schemas.microsoft.com/office/powerpoint/2010/main" val="220392482"/>
+      </p:ext>
+    </p:extLst>
+  </p:cSld>
+  <p:clrMapOvr>
+    <a:masterClrMapping/>
+  </p:clrMapOvr>
+</p:sld>
+</file>
+
+<file path=ppt/slides/slide24.xml><?xml version="1.0" encoding="utf-8"?>
+<p:sld xmlns:a="http://schemas.openxmlformats.org/drawingml/2006/main" xmlns:r="http://schemas.openxmlformats.org/officeDocument/2006/relationships" xmlns:p="http://schemas.openxmlformats.org/presentationml/2006/main">
+  <p:cSld>
+    <p:spTree>
+      <p:nvGrpSpPr>
+        <p:cNvPr id="1" name=""/>
+        <p:cNvGrpSpPr/>
+        <p:nvPr/>
+      </p:nvGrpSpPr>
+      <p:grpSpPr>
+        <a:xfrm>
+          <a:off x="0" y="0"/>
+          <a:ext cx="0" cy="0"/>
+          <a:chOff x="0" y="0"/>
+          <a:chExt cx="0" cy="0"/>
+        </a:xfrm>
+      </p:grpSpPr>
+      <p:sp>
+        <p:nvSpPr>
+          <p:cNvPr id="2" name="Title 1">
+            <a:extLst>
+              <a:ext uri="{FF2B5EF4-FFF2-40B4-BE49-F238E27FC236}">
+                <a16:creationId xmlns:a16="http://schemas.microsoft.com/office/drawing/2014/main" id="{9C3C7880-F97B-4857-8896-C774E2824C07}"/>
+              </a:ext>
+            </a:extLst>
+          </p:cNvPr>
+          <p:cNvSpPr>
+            <a:spLocks noGrp="1"/>
+          </p:cNvSpPr>
+          <p:nvPr>
+            <p:ph type="title"/>
+          </p:nvPr>
+        </p:nvSpPr>
+        <p:spPr/>
+        <p:txBody>
+          <a:bodyPr/>
+          <a:lstStyle/>
+          <a:p>
+            <a:r>
+              <a:rPr lang="en-US" dirty="0"/>
+              <a:t>Paired t-Test</a:t>
+            </a:r>
+          </a:p>
+        </p:txBody>
+      </p:sp>
+      <p:graphicFrame>
+        <p:nvGraphicFramePr>
+          <p:cNvPr id="5" name="Content Placeholder 4">
+            <a:extLst>
+              <a:ext uri="{FF2B5EF4-FFF2-40B4-BE49-F238E27FC236}">
+                <a16:creationId xmlns:a16="http://schemas.microsoft.com/office/drawing/2014/main" id="{4F93F0ED-05B7-4789-B639-E21C1385470B}"/>
+              </a:ext>
+            </a:extLst>
+          </p:cNvPr>
+          <p:cNvGraphicFramePr>
+            <a:graphicFrameLocks noGrp="1"/>
+          </p:cNvGraphicFramePr>
+          <p:nvPr>
+            <p:ph idx="1"/>
+            <p:extLst>
+              <p:ext uri="{D42A27DB-BD31-4B8C-83A1-F6EECF244321}">
+                <p14:modId xmlns:p14="http://schemas.microsoft.com/office/powerpoint/2010/main" val="3933707094"/>
+              </p:ext>
+            </p:extLst>
+          </p:nvPr>
+        </p:nvGraphicFramePr>
+        <p:xfrm>
+          <a:off x="2004905" y="2236432"/>
+          <a:ext cx="2716566" cy="4023360"/>
+        </p:xfrm>
+        <a:graphic>
+          <a:graphicData uri="http://schemas.openxmlformats.org/drawingml/2006/table">
+            <a:tbl>
+              <a:tblPr/>
+              <a:tblGrid>
+                <a:gridCol w="905522">
+                  <a:extLst>
+                    <a:ext uri="{9D8B030D-6E8A-4147-A177-3AD203B41FA5}">
+                      <a16:colId xmlns:a16="http://schemas.microsoft.com/office/drawing/2014/main" val="2609837792"/>
+                    </a:ext>
+                  </a:extLst>
+                </a:gridCol>
+                <a:gridCol w="905522">
+                  <a:extLst>
+                    <a:ext uri="{9D8B030D-6E8A-4147-A177-3AD203B41FA5}">
+                      <a16:colId xmlns:a16="http://schemas.microsoft.com/office/drawing/2014/main" val="3210661558"/>
+                    </a:ext>
+                  </a:extLst>
+                </a:gridCol>
+                <a:gridCol w="905522">
+                  <a:extLst>
+                    <a:ext uri="{9D8B030D-6E8A-4147-A177-3AD203B41FA5}">
+                      <a16:colId xmlns:a16="http://schemas.microsoft.com/office/drawing/2014/main" val="2031781577"/>
+                    </a:ext>
+                  </a:extLst>
+                </a:gridCol>
+              </a:tblGrid>
+              <a:tr h="182880">
+                <a:tc>
+                  <a:txBody>
+                    <a:bodyPr/>
+                    <a:lstStyle/>
+                    <a:p>
+                      <a:pPr algn="ctr" fontAlgn="b"/>
+                      <a:r>
+                        <a:rPr lang="en-US" sz="1600" b="1" i="0" u="none" strike="noStrike" dirty="0">
+                          <a:solidFill>
+                            <a:srgbClr val="000000"/>
+                          </a:solidFill>
+                          <a:effectLst/>
+                          <a:latin typeface="Calibri" panose="020F0502020204030204" pitchFamily="34" charset="0"/>
+                        </a:rPr>
+                        <a:t>Before</a:t>
+                      </a:r>
+                    </a:p>
+                  </a:txBody>
+                  <a:tcPr marL="7620" marR="7620" marT="7620" marB="0" anchor="b">
+                    <a:lnL>
+                      <a:noFill/>
+                    </a:lnL>
+                    <a:lnR>
+                      <a:noFill/>
+                    </a:lnR>
+                    <a:lnT w="12700" cap="flat" cmpd="sng" algn="ctr">
+                      <a:solidFill>
+                        <a:schemeClr val="tx1"/>
+                      </a:solidFill>
+                      <a:prstDash val="solid"/>
+                      <a:round/>
+                      <a:headEnd type="none" w="med" len="med"/>
+                      <a:tailEnd type="none" w="med" len="med"/>
+                    </a:lnT>
+                    <a:lnB w="12700" cap="flat" cmpd="sng" algn="ctr">
+                      <a:solidFill>
+                        <a:schemeClr val="tx1"/>
+                      </a:solidFill>
+                      <a:prstDash val="solid"/>
+                      <a:round/>
+                      <a:headEnd type="none" w="med" len="med"/>
+                      <a:tailEnd type="none" w="med" len="med"/>
+                    </a:lnB>
+                    <a:solidFill>
+                      <a:schemeClr val="accent1">
+                        <a:lumMod val="20000"/>
+                        <a:lumOff val="80000"/>
+                      </a:schemeClr>
+                    </a:solidFill>
+                  </a:tcPr>
+                </a:tc>
+                <a:tc>
+                  <a:txBody>
+                    <a:bodyPr/>
+                    <a:lstStyle/>
+                    <a:p>
+                      <a:pPr algn="ctr" fontAlgn="b"/>
+                      <a:r>
+                        <a:rPr lang="en-US" sz="1600" b="1" i="0" u="none" strike="noStrike" dirty="0">
+                          <a:solidFill>
+                            <a:srgbClr val="000000"/>
+                          </a:solidFill>
+                          <a:effectLst/>
+                          <a:latin typeface="Calibri" panose="020F0502020204030204" pitchFamily="34" charset="0"/>
+                        </a:rPr>
+                        <a:t>After</a:t>
+                      </a:r>
+                    </a:p>
+                  </a:txBody>
+                  <a:tcPr marL="7620" marR="7620" marT="7620" marB="0" anchor="b">
+                    <a:lnL>
+                      <a:noFill/>
+                    </a:lnL>
+                    <a:lnR>
+                      <a:noFill/>
+                    </a:lnR>
+                    <a:lnT w="12700" cap="flat" cmpd="sng" algn="ctr">
+                      <a:solidFill>
+                        <a:schemeClr val="tx1"/>
+                      </a:solidFill>
+                      <a:prstDash val="solid"/>
+                      <a:round/>
+                      <a:headEnd type="none" w="med" len="med"/>
+                      <a:tailEnd type="none" w="med" len="med"/>
+                    </a:lnT>
+                    <a:lnB w="12700" cap="flat" cmpd="sng" algn="ctr">
+                      <a:solidFill>
+                        <a:schemeClr val="tx1"/>
+                      </a:solidFill>
+                      <a:prstDash val="solid"/>
+                      <a:round/>
+                      <a:headEnd type="none" w="med" len="med"/>
+                      <a:tailEnd type="none" w="med" len="med"/>
+                    </a:lnB>
+                    <a:solidFill>
+                      <a:schemeClr val="accent1">
+                        <a:lumMod val="20000"/>
+                        <a:lumOff val="80000"/>
+                      </a:schemeClr>
+                    </a:solidFill>
+                  </a:tcPr>
+                </a:tc>
+                <a:tc>
+                  <a:txBody>
+                    <a:bodyPr/>
+                    <a:lstStyle/>
+                    <a:p>
+                      <a:pPr algn="ctr" fontAlgn="b"/>
+                      <a:r>
+                        <a:rPr lang="en-US" sz="1600" b="1" i="0" u="none" strike="noStrike" dirty="0">
+                          <a:solidFill>
+                            <a:srgbClr val="000000"/>
+                          </a:solidFill>
+                          <a:effectLst/>
+                          <a:latin typeface="Calibri" panose="020F0502020204030204" pitchFamily="34" charset="0"/>
+                        </a:rPr>
+                        <a:t>Difference</a:t>
+                      </a:r>
+                    </a:p>
+                  </a:txBody>
+                  <a:tcPr marL="7620" marR="7620" marT="7620" marB="0" anchor="b">
+                    <a:lnL>
+                      <a:noFill/>
+                    </a:lnL>
+                    <a:lnR>
+                      <a:noFill/>
+                    </a:lnR>
+                    <a:lnT w="12700" cap="flat" cmpd="sng" algn="ctr">
+                      <a:solidFill>
+                        <a:schemeClr val="tx1"/>
+                      </a:solidFill>
+                      <a:prstDash val="solid"/>
+                      <a:round/>
+                      <a:headEnd type="none" w="med" len="med"/>
+                      <a:tailEnd type="none" w="med" len="med"/>
+                    </a:lnT>
+                    <a:lnB w="12700" cap="flat" cmpd="sng" algn="ctr">
+                      <a:solidFill>
+                        <a:schemeClr val="tx1"/>
+                      </a:solidFill>
+                      <a:prstDash val="solid"/>
+                      <a:round/>
+                      <a:headEnd type="none" w="med" len="med"/>
+                      <a:tailEnd type="none" w="med" len="med"/>
+                    </a:lnB>
+                    <a:solidFill>
+                      <a:schemeClr val="accent1">
+                        <a:lumMod val="20000"/>
+                        <a:lumOff val="80000"/>
+                      </a:schemeClr>
+                    </a:solidFill>
+                  </a:tcPr>
+                </a:tc>
+                <a:extLst>
+                  <a:ext uri="{0D108BD9-81ED-4DB2-BD59-A6C34878D82A}">
+                    <a16:rowId xmlns:a16="http://schemas.microsoft.com/office/drawing/2014/main" val="450446116"/>
+                  </a:ext>
+                </a:extLst>
+              </a:tr>
+              <a:tr h="182880">
+                <a:tc>
+                  <a:txBody>
+                    <a:bodyPr/>
+                    <a:lstStyle/>
+                    <a:p>
+                      <a:pPr algn="ctr" fontAlgn="b"/>
+                      <a:r>
+                        <a:rPr lang="en-US" sz="1600" b="0" i="0" u="none" strike="noStrike" dirty="0">
+                          <a:solidFill>
+                            <a:srgbClr val="000000"/>
+                          </a:solidFill>
+                          <a:effectLst/>
+                          <a:latin typeface="Calibri" panose="020F0502020204030204" pitchFamily="34" charset="0"/>
+                        </a:rPr>
+                        <a:t>210</a:t>
+                      </a:r>
+                    </a:p>
+                  </a:txBody>
+                  <a:tcPr marL="7620" marR="7620" marT="7620" marB="0" anchor="b">
+                    <a:lnL>
+                      <a:noFill/>
+                    </a:lnL>
+                    <a:lnR>
+                      <a:noFill/>
+                    </a:lnR>
+                    <a:lnT w="12700" cap="flat" cmpd="sng" algn="ctr">
+                      <a:solidFill>
+                        <a:schemeClr val="tx1"/>
+                      </a:solidFill>
+                      <a:prstDash val="solid"/>
+                      <a:round/>
+                      <a:headEnd type="none" w="med" len="med"/>
+                      <a:tailEnd type="none" w="med" len="med"/>
+                    </a:lnT>
+                    <a:lnB>
+                      <a:noFill/>
+                    </a:lnB>
+                  </a:tcPr>
+                </a:tc>
+                <a:tc>
+                  <a:txBody>
+                    <a:bodyPr/>
+                    <a:lstStyle/>
+                    <a:p>
+                      <a:pPr algn="ctr" fontAlgn="b"/>
+                      <a:r>
+                        <a:rPr lang="en-US" sz="1600" b="0" i="0" u="none" strike="noStrike">
+                          <a:solidFill>
+                            <a:srgbClr val="000000"/>
+                          </a:solidFill>
+                          <a:effectLst/>
+                          <a:latin typeface="Calibri" panose="020F0502020204030204" pitchFamily="34" charset="0"/>
+                        </a:rPr>
+                        <a:t>201</a:t>
+                      </a:r>
+                    </a:p>
+                  </a:txBody>
+                  <a:tcPr marL="7620" marR="7620" marT="7620" marB="0" anchor="b">
+                    <a:lnL>
+                      <a:noFill/>
+                    </a:lnL>
+                    <a:lnR>
+                      <a:noFill/>
+                    </a:lnR>
+                    <a:lnT w="12700" cap="flat" cmpd="sng" algn="ctr">
+                      <a:solidFill>
+                        <a:schemeClr val="tx1"/>
+                      </a:solidFill>
+                      <a:prstDash val="solid"/>
+                      <a:round/>
+                      <a:headEnd type="none" w="med" len="med"/>
+                      <a:tailEnd type="none" w="med" len="med"/>
+                    </a:lnT>
+                    <a:lnB>
+                      <a:noFill/>
+                    </a:lnB>
+                  </a:tcPr>
+                </a:tc>
+                <a:tc>
+                  <a:txBody>
+                    <a:bodyPr/>
+                    <a:lstStyle/>
+                    <a:p>
+                      <a:pPr algn="ctr" fontAlgn="b"/>
+                      <a:r>
+                        <a:rPr lang="en-US" sz="1600" b="0" i="0" u="none" strike="noStrike">
+                          <a:solidFill>
+                            <a:srgbClr val="000000"/>
+                          </a:solidFill>
+                          <a:effectLst/>
+                          <a:latin typeface="Calibri" panose="020F0502020204030204" pitchFamily="34" charset="0"/>
+                        </a:rPr>
+                        <a:t>9</a:t>
+                      </a:r>
+                    </a:p>
+                  </a:txBody>
+                  <a:tcPr marL="7620" marR="7620" marT="7620" marB="0" anchor="b">
+                    <a:lnL>
+                      <a:noFill/>
+                    </a:lnL>
+                    <a:lnR>
+                      <a:noFill/>
+                    </a:lnR>
+                    <a:lnT w="12700" cap="flat" cmpd="sng" algn="ctr">
+                      <a:solidFill>
+                        <a:schemeClr val="tx1"/>
+                      </a:solidFill>
+                      <a:prstDash val="solid"/>
+                      <a:round/>
+                      <a:headEnd type="none" w="med" len="med"/>
+                      <a:tailEnd type="none" w="med" len="med"/>
+                    </a:lnT>
+                    <a:lnB>
+                      <a:noFill/>
+                    </a:lnB>
+                  </a:tcPr>
+                </a:tc>
+                <a:extLst>
+                  <a:ext uri="{0D108BD9-81ED-4DB2-BD59-A6C34878D82A}">
+                    <a16:rowId xmlns:a16="http://schemas.microsoft.com/office/drawing/2014/main" val="1443163098"/>
+                  </a:ext>
+                </a:extLst>
+              </a:tr>
+              <a:tr h="182880">
+                <a:tc>
+                  <a:txBody>
+                    <a:bodyPr/>
+                    <a:lstStyle/>
+                    <a:p>
+                      <a:pPr algn="ctr" fontAlgn="b"/>
+                      <a:r>
+                        <a:rPr lang="en-US" sz="1600" b="0" i="0" u="none" strike="noStrike" dirty="0">
+                          <a:solidFill>
+                            <a:srgbClr val="000000"/>
+                          </a:solidFill>
+                          <a:effectLst/>
+                          <a:latin typeface="Calibri" panose="020F0502020204030204" pitchFamily="34" charset="0"/>
+                        </a:rPr>
+                        <a:t>169</a:t>
+                      </a:r>
+                    </a:p>
+                  </a:txBody>
+                  <a:tcPr marL="7620" marR="7620" marT="7620" marB="0" anchor="b">
+                    <a:lnL>
+                      <a:noFill/>
+                    </a:lnL>
+                    <a:lnR>
+                      <a:noFill/>
+                    </a:lnR>
+                    <a:lnT>
+                      <a:noFill/>
+                    </a:lnT>
+                    <a:lnB>
+                      <a:noFill/>
+                    </a:lnB>
+                  </a:tcPr>
+                </a:tc>
+                <a:tc>
+                  <a:txBody>
+                    <a:bodyPr/>
+                    <a:lstStyle/>
+                    <a:p>
+                      <a:pPr algn="ctr" fontAlgn="b"/>
+                      <a:r>
+                        <a:rPr lang="en-US" sz="1600" b="0" i="0" u="none" strike="noStrike" dirty="0">
+                          <a:solidFill>
+                            <a:srgbClr val="000000"/>
+                          </a:solidFill>
+                          <a:effectLst/>
+                          <a:latin typeface="Calibri" panose="020F0502020204030204" pitchFamily="34" charset="0"/>
+                        </a:rPr>
+                        <a:t>165</a:t>
+                      </a:r>
+                    </a:p>
+                  </a:txBody>
+                  <a:tcPr marL="7620" marR="7620" marT="7620" marB="0" anchor="b">
+                    <a:lnL>
+                      <a:noFill/>
+                    </a:lnL>
+                    <a:lnR>
+                      <a:noFill/>
+                    </a:lnR>
+                    <a:lnT>
+                      <a:noFill/>
+                    </a:lnT>
+                    <a:lnB>
+                      <a:noFill/>
+                    </a:lnB>
+                  </a:tcPr>
+                </a:tc>
+                <a:tc>
+                  <a:txBody>
+                    <a:bodyPr/>
+                    <a:lstStyle/>
+                    <a:p>
+                      <a:pPr algn="ctr" fontAlgn="b"/>
+                      <a:r>
+                        <a:rPr lang="en-US" sz="1600" b="0" i="0" u="none" strike="noStrike">
+                          <a:solidFill>
+                            <a:srgbClr val="000000"/>
+                          </a:solidFill>
+                          <a:effectLst/>
+                          <a:latin typeface="Calibri" panose="020F0502020204030204" pitchFamily="34" charset="0"/>
+                        </a:rPr>
+                        <a:t>4</a:t>
+                      </a:r>
+                    </a:p>
+                  </a:txBody>
+                  <a:tcPr marL="7620" marR="7620" marT="7620" marB="0" anchor="b">
+                    <a:lnL>
+                      <a:noFill/>
+                    </a:lnL>
+                    <a:lnR>
+                      <a:noFill/>
+                    </a:lnR>
+                    <a:lnT>
+                      <a:noFill/>
+                    </a:lnT>
+                    <a:lnB>
+                      <a:noFill/>
+                    </a:lnB>
+                  </a:tcPr>
+                </a:tc>
+                <a:extLst>
+                  <a:ext uri="{0D108BD9-81ED-4DB2-BD59-A6C34878D82A}">
+                    <a16:rowId xmlns:a16="http://schemas.microsoft.com/office/drawing/2014/main" val="4076766406"/>
+                  </a:ext>
+                </a:extLst>
+              </a:tr>
+              <a:tr h="182880">
+                <a:tc>
+                  <a:txBody>
+                    <a:bodyPr/>
+                    <a:lstStyle/>
+                    <a:p>
+                      <a:pPr algn="ctr" fontAlgn="b"/>
+                      <a:r>
+                        <a:rPr lang="en-US" sz="1600" b="0" i="0" u="none" strike="noStrike" dirty="0">
+                          <a:solidFill>
+                            <a:srgbClr val="000000"/>
+                          </a:solidFill>
+                          <a:effectLst/>
+                          <a:latin typeface="Calibri" panose="020F0502020204030204" pitchFamily="34" charset="0"/>
+                        </a:rPr>
+                        <a:t>187</a:t>
+                      </a:r>
+                    </a:p>
+                  </a:txBody>
+                  <a:tcPr marL="7620" marR="7620" marT="7620" marB="0" anchor="b">
+                    <a:lnL>
+                      <a:noFill/>
+                    </a:lnL>
+                    <a:lnR>
+                      <a:noFill/>
+                    </a:lnR>
+                    <a:lnT>
+                      <a:noFill/>
+                    </a:lnT>
+                    <a:lnB>
+                      <a:noFill/>
+                    </a:lnB>
+                  </a:tcPr>
+                </a:tc>
+                <a:tc>
+                  <a:txBody>
+                    <a:bodyPr/>
+                    <a:lstStyle/>
+                    <a:p>
+                      <a:pPr algn="ctr" fontAlgn="b"/>
+                      <a:r>
+                        <a:rPr lang="en-US" sz="1600" b="0" i="0" u="none" strike="noStrike" dirty="0">
+                          <a:solidFill>
+                            <a:srgbClr val="000000"/>
+                          </a:solidFill>
+                          <a:effectLst/>
+                          <a:latin typeface="Calibri" panose="020F0502020204030204" pitchFamily="34" charset="0"/>
+                        </a:rPr>
+                        <a:t>166</a:t>
+                      </a:r>
+                    </a:p>
+                  </a:txBody>
+                  <a:tcPr marL="7620" marR="7620" marT="7620" marB="0" anchor="b">
+                    <a:lnL>
+                      <a:noFill/>
+                    </a:lnL>
+                    <a:lnR>
+                      <a:noFill/>
+                    </a:lnR>
+                    <a:lnT>
+                      <a:noFill/>
+                    </a:lnT>
+                    <a:lnB>
+                      <a:noFill/>
+                    </a:lnB>
+                  </a:tcPr>
+                </a:tc>
+                <a:tc>
+                  <a:txBody>
+                    <a:bodyPr/>
+                    <a:lstStyle/>
+                    <a:p>
+                      <a:pPr algn="ctr" fontAlgn="b"/>
+                      <a:r>
+                        <a:rPr lang="en-US" sz="1600" b="0" i="0" u="none" strike="noStrike">
+                          <a:solidFill>
+                            <a:srgbClr val="000000"/>
+                          </a:solidFill>
+                          <a:effectLst/>
+                          <a:latin typeface="Calibri" panose="020F0502020204030204" pitchFamily="34" charset="0"/>
+                        </a:rPr>
+                        <a:t>21</a:t>
+                      </a:r>
+                    </a:p>
+                  </a:txBody>
+                  <a:tcPr marL="7620" marR="7620" marT="7620" marB="0" anchor="b">
+                    <a:lnL>
+                      <a:noFill/>
+                    </a:lnL>
+                    <a:lnR>
+                      <a:noFill/>
+                    </a:lnR>
+                    <a:lnT>
+                      <a:noFill/>
+                    </a:lnT>
+                    <a:lnB>
+                      <a:noFill/>
+                    </a:lnB>
+                  </a:tcPr>
+                </a:tc>
+                <a:extLst>
+                  <a:ext uri="{0D108BD9-81ED-4DB2-BD59-A6C34878D82A}">
+                    <a16:rowId xmlns:a16="http://schemas.microsoft.com/office/drawing/2014/main" val="1659967612"/>
+                  </a:ext>
+                </a:extLst>
+              </a:tr>
+              <a:tr h="182880">
+                <a:tc>
+                  <a:txBody>
+                    <a:bodyPr/>
+                    <a:lstStyle/>
+                    <a:p>
+                      <a:pPr algn="ctr" fontAlgn="b"/>
+                      <a:r>
+                        <a:rPr lang="en-US" sz="1600" b="0" i="0" u="none" strike="noStrike" dirty="0">
+                          <a:solidFill>
+                            <a:srgbClr val="000000"/>
+                          </a:solidFill>
+                          <a:effectLst/>
+                          <a:latin typeface="Calibri" panose="020F0502020204030204" pitchFamily="34" charset="0"/>
+                        </a:rPr>
+                        <a:t>160</a:t>
+                      </a:r>
+                    </a:p>
+                  </a:txBody>
+                  <a:tcPr marL="7620" marR="7620" marT="7620" marB="0" anchor="b">
+                    <a:lnL>
+                      <a:noFill/>
+                    </a:lnL>
+                    <a:lnR>
+                      <a:noFill/>
+                    </a:lnR>
+                    <a:lnT>
+                      <a:noFill/>
+                    </a:lnT>
+                    <a:lnB>
+                      <a:noFill/>
+                    </a:lnB>
+                  </a:tcPr>
+                </a:tc>
+                <a:tc>
+                  <a:txBody>
+                    <a:bodyPr/>
+                    <a:lstStyle/>
+                    <a:p>
+                      <a:pPr algn="ctr" fontAlgn="b"/>
+                      <a:r>
+                        <a:rPr lang="en-US" sz="1600" b="0" i="0" u="none" strike="noStrike" dirty="0">
+                          <a:solidFill>
+                            <a:srgbClr val="000000"/>
+                          </a:solidFill>
+                          <a:effectLst/>
+                          <a:latin typeface="Calibri" panose="020F0502020204030204" pitchFamily="34" charset="0"/>
+                        </a:rPr>
+                        <a:t>157</a:t>
+                      </a:r>
+                    </a:p>
+                  </a:txBody>
+                  <a:tcPr marL="7620" marR="7620" marT="7620" marB="0" anchor="b">
+                    <a:lnL>
+                      <a:noFill/>
+                    </a:lnL>
+                    <a:lnR>
+                      <a:noFill/>
+                    </a:lnR>
+                    <a:lnT>
+                      <a:noFill/>
+                    </a:lnT>
+                    <a:lnB>
+                      <a:noFill/>
+                    </a:lnB>
+                  </a:tcPr>
+                </a:tc>
+                <a:tc>
+                  <a:txBody>
+                    <a:bodyPr/>
+                    <a:lstStyle/>
+                    <a:p>
+                      <a:pPr algn="ctr" fontAlgn="b"/>
+                      <a:r>
+                        <a:rPr lang="en-US" sz="1600" b="0" i="0" u="none" strike="noStrike" dirty="0">
+                          <a:solidFill>
+                            <a:srgbClr val="000000"/>
+                          </a:solidFill>
+                          <a:effectLst/>
+                          <a:latin typeface="Calibri" panose="020F0502020204030204" pitchFamily="34" charset="0"/>
+                        </a:rPr>
+                        <a:t>3</a:t>
+                      </a:r>
+                    </a:p>
+                  </a:txBody>
+                  <a:tcPr marL="7620" marR="7620" marT="7620" marB="0" anchor="b">
+                    <a:lnL>
+                      <a:noFill/>
+                    </a:lnL>
+                    <a:lnR>
+                      <a:noFill/>
+                    </a:lnR>
+                    <a:lnT>
+                      <a:noFill/>
+                    </a:lnT>
+                    <a:lnB>
+                      <a:noFill/>
+                    </a:lnB>
+                  </a:tcPr>
+                </a:tc>
+                <a:extLst>
+                  <a:ext uri="{0D108BD9-81ED-4DB2-BD59-A6C34878D82A}">
+                    <a16:rowId xmlns:a16="http://schemas.microsoft.com/office/drawing/2014/main" val="2090702877"/>
+                  </a:ext>
+                </a:extLst>
+              </a:tr>
+              <a:tr h="182880">
+                <a:tc>
+                  <a:txBody>
+                    <a:bodyPr/>
+                    <a:lstStyle/>
+                    <a:p>
+                      <a:pPr algn="ctr" fontAlgn="b"/>
+                      <a:r>
+                        <a:rPr lang="en-US" sz="1600" b="0" i="0" u="none" strike="noStrike" dirty="0">
+                          <a:solidFill>
+                            <a:srgbClr val="000000"/>
+                          </a:solidFill>
+                          <a:effectLst/>
+                          <a:latin typeface="Calibri" panose="020F0502020204030204" pitchFamily="34" charset="0"/>
+                        </a:rPr>
+                        <a:t>167</a:t>
+                      </a:r>
+                    </a:p>
+                  </a:txBody>
+                  <a:tcPr marL="7620" marR="7620" marT="7620" marB="0" anchor="b">
+                    <a:lnL>
+                      <a:noFill/>
+                    </a:lnL>
+                    <a:lnR>
+                      <a:noFill/>
+                    </a:lnR>
+                    <a:lnT>
+                      <a:noFill/>
+                    </a:lnT>
+                    <a:lnB>
+                      <a:noFill/>
+                    </a:lnB>
+                  </a:tcPr>
+                </a:tc>
+                <a:tc>
+                  <a:txBody>
+                    <a:bodyPr/>
+                    <a:lstStyle/>
+                    <a:p>
+                      <a:pPr algn="ctr" fontAlgn="b"/>
+                      <a:r>
+                        <a:rPr lang="en-US" sz="1600" b="0" i="0" u="none" strike="noStrike">
+                          <a:solidFill>
+                            <a:srgbClr val="000000"/>
+                          </a:solidFill>
+                          <a:effectLst/>
+                          <a:latin typeface="Calibri" panose="020F0502020204030204" pitchFamily="34" charset="0"/>
+                        </a:rPr>
+                        <a:t>147</a:t>
+                      </a:r>
+                    </a:p>
+                  </a:txBody>
+                  <a:tcPr marL="7620" marR="7620" marT="7620" marB="0" anchor="b">
+                    <a:lnL>
+                      <a:noFill/>
+                    </a:lnL>
+                    <a:lnR>
+                      <a:noFill/>
+                    </a:lnR>
+                    <a:lnT>
+                      <a:noFill/>
+                    </a:lnT>
+                    <a:lnB>
+                      <a:noFill/>
+                    </a:lnB>
+                  </a:tcPr>
+                </a:tc>
+                <a:tc>
+                  <a:txBody>
+                    <a:bodyPr/>
+                    <a:lstStyle/>
+                    <a:p>
+                      <a:pPr algn="ctr" fontAlgn="b"/>
+                      <a:r>
+                        <a:rPr lang="en-US" sz="1600" b="0" i="0" u="none" strike="noStrike" dirty="0">
+                          <a:solidFill>
+                            <a:srgbClr val="000000"/>
+                          </a:solidFill>
+                          <a:effectLst/>
+                          <a:latin typeface="Calibri" panose="020F0502020204030204" pitchFamily="34" charset="0"/>
+                        </a:rPr>
+                        <a:t>20</a:t>
+                      </a:r>
+                    </a:p>
+                  </a:txBody>
+                  <a:tcPr marL="7620" marR="7620" marT="7620" marB="0" anchor="b">
+                    <a:lnL>
+                      <a:noFill/>
+                    </a:lnL>
+                    <a:lnR>
+                      <a:noFill/>
+                    </a:lnR>
+                    <a:lnT>
+                      <a:noFill/>
+                    </a:lnT>
+                    <a:lnB>
+                      <a:noFill/>
+                    </a:lnB>
+                  </a:tcPr>
+                </a:tc>
+                <a:extLst>
+                  <a:ext uri="{0D108BD9-81ED-4DB2-BD59-A6C34878D82A}">
+                    <a16:rowId xmlns:a16="http://schemas.microsoft.com/office/drawing/2014/main" val="3206825005"/>
+                  </a:ext>
+                </a:extLst>
+              </a:tr>
+              <a:tr h="182880">
+                <a:tc>
+                  <a:txBody>
+                    <a:bodyPr/>
+                    <a:lstStyle/>
+                    <a:p>
+                      <a:pPr algn="ctr" fontAlgn="b"/>
+                      <a:r>
+                        <a:rPr lang="en-US" sz="1600" b="0" i="0" u="none" strike="noStrike" dirty="0">
+                          <a:solidFill>
+                            <a:srgbClr val="000000"/>
+                          </a:solidFill>
+                          <a:effectLst/>
+                          <a:latin typeface="Calibri" panose="020F0502020204030204" pitchFamily="34" charset="0"/>
+                        </a:rPr>
+                        <a:t>176</a:t>
+                      </a:r>
+                    </a:p>
+                  </a:txBody>
+                  <a:tcPr marL="7620" marR="7620" marT="7620" marB="0" anchor="b">
+                    <a:lnL>
+                      <a:noFill/>
+                    </a:lnL>
+                    <a:lnR>
+                      <a:noFill/>
+                    </a:lnR>
+                    <a:lnT>
+                      <a:noFill/>
+                    </a:lnT>
+                    <a:lnB>
+                      <a:noFill/>
+                    </a:lnB>
+                  </a:tcPr>
+                </a:tc>
+                <a:tc>
+                  <a:txBody>
+                    <a:bodyPr/>
+                    <a:lstStyle/>
+                    <a:p>
+                      <a:pPr algn="ctr" fontAlgn="b"/>
+                      <a:r>
+                        <a:rPr lang="en-US" sz="1600" b="0" i="0" u="none" strike="noStrike">
+                          <a:solidFill>
+                            <a:srgbClr val="000000"/>
+                          </a:solidFill>
+                          <a:effectLst/>
+                          <a:latin typeface="Calibri" panose="020F0502020204030204" pitchFamily="34" charset="0"/>
+                        </a:rPr>
+                        <a:t>145</a:t>
+                      </a:r>
+                    </a:p>
+                  </a:txBody>
+                  <a:tcPr marL="7620" marR="7620" marT="7620" marB="0" anchor="b">
+                    <a:lnL>
+                      <a:noFill/>
+                    </a:lnL>
+                    <a:lnR>
+                      <a:noFill/>
+                    </a:lnR>
+                    <a:lnT>
+                      <a:noFill/>
+                    </a:lnT>
+                    <a:lnB>
+                      <a:noFill/>
+                    </a:lnB>
+                  </a:tcPr>
+                </a:tc>
+                <a:tc>
+                  <a:txBody>
+                    <a:bodyPr/>
+                    <a:lstStyle/>
+                    <a:p>
+                      <a:pPr algn="ctr" fontAlgn="b"/>
+                      <a:r>
+                        <a:rPr lang="en-US" sz="1600" b="0" i="0" u="none" strike="noStrike" dirty="0">
+                          <a:solidFill>
+                            <a:srgbClr val="000000"/>
+                          </a:solidFill>
+                          <a:effectLst/>
+                          <a:latin typeface="Calibri" panose="020F0502020204030204" pitchFamily="34" charset="0"/>
+                        </a:rPr>
+                        <a:t>31</a:t>
+                      </a:r>
+                    </a:p>
+                  </a:txBody>
+                  <a:tcPr marL="7620" marR="7620" marT="7620" marB="0" anchor="b">
+                    <a:lnL>
+                      <a:noFill/>
+                    </a:lnL>
+                    <a:lnR>
+                      <a:noFill/>
+                    </a:lnR>
+                    <a:lnT>
+                      <a:noFill/>
+                    </a:lnT>
+                    <a:lnB>
+                      <a:noFill/>
+                    </a:lnB>
+                  </a:tcPr>
+                </a:tc>
+                <a:extLst>
+                  <a:ext uri="{0D108BD9-81ED-4DB2-BD59-A6C34878D82A}">
+                    <a16:rowId xmlns:a16="http://schemas.microsoft.com/office/drawing/2014/main" val="3831878917"/>
+                  </a:ext>
+                </a:extLst>
+              </a:tr>
+              <a:tr h="182880">
+                <a:tc>
+                  <a:txBody>
+                    <a:bodyPr/>
+                    <a:lstStyle/>
+                    <a:p>
+                      <a:pPr algn="ctr" fontAlgn="b"/>
+                      <a:r>
+                        <a:rPr lang="en-US" sz="1600" b="0" i="0" u="none" strike="noStrike" dirty="0">
+                          <a:solidFill>
+                            <a:srgbClr val="000000"/>
+                          </a:solidFill>
+                          <a:effectLst/>
+                          <a:latin typeface="Calibri" panose="020F0502020204030204" pitchFamily="34" charset="0"/>
+                        </a:rPr>
+                        <a:t>185</a:t>
+                      </a:r>
+                    </a:p>
+                  </a:txBody>
+                  <a:tcPr marL="7620" marR="7620" marT="7620" marB="0" anchor="b">
+                    <a:lnL>
+                      <a:noFill/>
+                    </a:lnL>
+                    <a:lnR>
+                      <a:noFill/>
+                    </a:lnR>
+                    <a:lnT>
+                      <a:noFill/>
+                    </a:lnT>
+                    <a:lnB>
+                      <a:noFill/>
+                    </a:lnB>
+                  </a:tcPr>
+                </a:tc>
+                <a:tc>
+                  <a:txBody>
+                    <a:bodyPr/>
+                    <a:lstStyle/>
+                    <a:p>
+                      <a:pPr algn="ctr" fontAlgn="b"/>
+                      <a:r>
+                        <a:rPr lang="en-US" sz="1600" b="0" i="0" u="none" strike="noStrike">
+                          <a:solidFill>
+                            <a:srgbClr val="000000"/>
+                          </a:solidFill>
+                          <a:effectLst/>
+                          <a:latin typeface="Calibri" panose="020F0502020204030204" pitchFamily="34" charset="0"/>
+                        </a:rPr>
+                        <a:t>168</a:t>
+                      </a:r>
+                    </a:p>
+                  </a:txBody>
+                  <a:tcPr marL="7620" marR="7620" marT="7620" marB="0" anchor="b">
+                    <a:lnL>
+                      <a:noFill/>
+                    </a:lnL>
+                    <a:lnR>
+                      <a:noFill/>
+                    </a:lnR>
+                    <a:lnT>
+                      <a:noFill/>
+                    </a:lnT>
+                    <a:lnB>
+                      <a:noFill/>
+                    </a:lnB>
+                  </a:tcPr>
+                </a:tc>
+                <a:tc>
+                  <a:txBody>
+                    <a:bodyPr/>
+                    <a:lstStyle/>
+                    <a:p>
+                      <a:pPr algn="ctr" fontAlgn="b"/>
+                      <a:r>
+                        <a:rPr lang="en-US" sz="1600" b="0" i="0" u="none" strike="noStrike" dirty="0">
+                          <a:solidFill>
+                            <a:srgbClr val="000000"/>
+                          </a:solidFill>
+                          <a:effectLst/>
+                          <a:latin typeface="Calibri" panose="020F0502020204030204" pitchFamily="34" charset="0"/>
+                        </a:rPr>
+                        <a:t>17</a:t>
+                      </a:r>
+                    </a:p>
+                  </a:txBody>
+                  <a:tcPr marL="7620" marR="7620" marT="7620" marB="0" anchor="b">
+                    <a:lnL>
+                      <a:noFill/>
+                    </a:lnL>
+                    <a:lnR>
+                      <a:noFill/>
+                    </a:lnR>
+                    <a:lnT>
+                      <a:noFill/>
+                    </a:lnT>
+                    <a:lnB>
+                      <a:noFill/>
+                    </a:lnB>
+                  </a:tcPr>
+                </a:tc>
+                <a:extLst>
+                  <a:ext uri="{0D108BD9-81ED-4DB2-BD59-A6C34878D82A}">
+                    <a16:rowId xmlns:a16="http://schemas.microsoft.com/office/drawing/2014/main" val="1344593135"/>
+                  </a:ext>
+                </a:extLst>
+              </a:tr>
+              <a:tr h="182880">
+                <a:tc>
+                  <a:txBody>
+                    <a:bodyPr/>
+                    <a:lstStyle/>
+                    <a:p>
+                      <a:pPr algn="ctr" fontAlgn="b"/>
+                      <a:r>
+                        <a:rPr lang="en-US" sz="1600" b="0" i="0" u="none" strike="noStrike" dirty="0">
+                          <a:solidFill>
+                            <a:srgbClr val="000000"/>
+                          </a:solidFill>
+                          <a:effectLst/>
+                          <a:latin typeface="Calibri" panose="020F0502020204030204" pitchFamily="34" charset="0"/>
+                        </a:rPr>
+                        <a:t>206</a:t>
+                      </a:r>
+                    </a:p>
+                  </a:txBody>
+                  <a:tcPr marL="7620" marR="7620" marT="7620" marB="0" anchor="b">
+                    <a:lnL>
+                      <a:noFill/>
+                    </a:lnL>
+                    <a:lnR>
+                      <a:noFill/>
+                    </a:lnR>
+                    <a:lnT>
+                      <a:noFill/>
+                    </a:lnT>
+                    <a:lnB>
+                      <a:noFill/>
+                    </a:lnB>
+                  </a:tcPr>
+                </a:tc>
+                <a:tc>
+                  <a:txBody>
+                    <a:bodyPr/>
+                    <a:lstStyle/>
+                    <a:p>
+                      <a:pPr algn="ctr" fontAlgn="b"/>
+                      <a:r>
+                        <a:rPr lang="en-US" sz="1600" b="0" i="0" u="none" strike="noStrike">
+                          <a:solidFill>
+                            <a:srgbClr val="000000"/>
+                          </a:solidFill>
+                          <a:effectLst/>
+                          <a:latin typeface="Calibri" panose="020F0502020204030204" pitchFamily="34" charset="0"/>
+                        </a:rPr>
+                        <a:t>180</a:t>
+                      </a:r>
+                    </a:p>
+                  </a:txBody>
+                  <a:tcPr marL="7620" marR="7620" marT="7620" marB="0" anchor="b">
+                    <a:lnL>
+                      <a:noFill/>
+                    </a:lnL>
+                    <a:lnR>
+                      <a:noFill/>
+                    </a:lnR>
+                    <a:lnT>
+                      <a:noFill/>
+                    </a:lnT>
+                    <a:lnB>
+                      <a:noFill/>
+                    </a:lnB>
+                  </a:tcPr>
+                </a:tc>
+                <a:tc>
+                  <a:txBody>
+                    <a:bodyPr/>
+                    <a:lstStyle/>
+                    <a:p>
+                      <a:pPr algn="ctr" fontAlgn="b"/>
+                      <a:r>
+                        <a:rPr lang="en-US" sz="1600" b="0" i="0" u="none" strike="noStrike" dirty="0">
+                          <a:solidFill>
+                            <a:srgbClr val="000000"/>
+                          </a:solidFill>
+                          <a:effectLst/>
+                          <a:latin typeface="Calibri" panose="020F0502020204030204" pitchFamily="34" charset="0"/>
+                        </a:rPr>
+                        <a:t>26</a:t>
+                      </a:r>
+                    </a:p>
+                  </a:txBody>
+                  <a:tcPr marL="7620" marR="7620" marT="7620" marB="0" anchor="b">
+                    <a:lnL>
+                      <a:noFill/>
+                    </a:lnL>
+                    <a:lnR>
+                      <a:noFill/>
+                    </a:lnR>
+                    <a:lnT>
+                      <a:noFill/>
+                    </a:lnT>
+                    <a:lnB>
+                      <a:noFill/>
+                    </a:lnB>
+                  </a:tcPr>
+                </a:tc>
+                <a:extLst>
+                  <a:ext uri="{0D108BD9-81ED-4DB2-BD59-A6C34878D82A}">
+                    <a16:rowId xmlns:a16="http://schemas.microsoft.com/office/drawing/2014/main" val="1444760167"/>
+                  </a:ext>
+                </a:extLst>
+              </a:tr>
+              <a:tr h="182880">
+                <a:tc>
+                  <a:txBody>
+                    <a:bodyPr/>
+                    <a:lstStyle/>
+                    <a:p>
+                      <a:pPr algn="ctr" fontAlgn="b"/>
+                      <a:r>
+                        <a:rPr lang="en-US" sz="1600" b="0" i="0" u="none" strike="noStrike" dirty="0">
+                          <a:solidFill>
+                            <a:srgbClr val="000000"/>
+                          </a:solidFill>
+                          <a:effectLst/>
+                          <a:latin typeface="Calibri" panose="020F0502020204030204" pitchFamily="34" charset="0"/>
+                        </a:rPr>
+                        <a:t>173</a:t>
+                      </a:r>
+                    </a:p>
+                  </a:txBody>
+                  <a:tcPr marL="7620" marR="7620" marT="7620" marB="0" anchor="b">
+                    <a:lnL>
+                      <a:noFill/>
+                    </a:lnL>
+                    <a:lnR>
+                      <a:noFill/>
+                    </a:lnR>
+                    <a:lnT>
+                      <a:noFill/>
+                    </a:lnT>
+                    <a:lnB>
+                      <a:noFill/>
+                    </a:lnB>
+                  </a:tcPr>
+                </a:tc>
+                <a:tc>
+                  <a:txBody>
+                    <a:bodyPr/>
+                    <a:lstStyle/>
+                    <a:p>
+                      <a:pPr algn="ctr" fontAlgn="b"/>
+                      <a:r>
+                        <a:rPr lang="en-US" sz="1600" b="0" i="0" u="none" strike="noStrike">
+                          <a:solidFill>
+                            <a:srgbClr val="000000"/>
+                          </a:solidFill>
+                          <a:effectLst/>
+                          <a:latin typeface="Calibri" panose="020F0502020204030204" pitchFamily="34" charset="0"/>
+                        </a:rPr>
+                        <a:t>147</a:t>
+                      </a:r>
+                    </a:p>
+                  </a:txBody>
+                  <a:tcPr marL="7620" marR="7620" marT="7620" marB="0" anchor="b">
+                    <a:lnL>
+                      <a:noFill/>
+                    </a:lnL>
+                    <a:lnR>
+                      <a:noFill/>
+                    </a:lnR>
+                    <a:lnT>
+                      <a:noFill/>
+                    </a:lnT>
+                    <a:lnB>
+                      <a:noFill/>
+                    </a:lnB>
+                  </a:tcPr>
+                </a:tc>
+                <a:tc>
+                  <a:txBody>
+                    <a:bodyPr/>
+                    <a:lstStyle/>
+                    <a:p>
+                      <a:pPr algn="ctr" fontAlgn="b"/>
+                      <a:r>
+                        <a:rPr lang="en-US" sz="1600" b="0" i="0" u="none" strike="noStrike" dirty="0">
+                          <a:solidFill>
+                            <a:srgbClr val="000000"/>
+                          </a:solidFill>
+                          <a:effectLst/>
+                          <a:latin typeface="Calibri" panose="020F0502020204030204" pitchFamily="34" charset="0"/>
+                        </a:rPr>
+                        <a:t>26</a:t>
+                      </a:r>
+                    </a:p>
+                  </a:txBody>
+                  <a:tcPr marL="7620" marR="7620" marT="7620" marB="0" anchor="b">
+                    <a:lnL>
+                      <a:noFill/>
+                    </a:lnL>
+                    <a:lnR>
+                      <a:noFill/>
+                    </a:lnR>
+                    <a:lnT>
+                      <a:noFill/>
+                    </a:lnT>
+                    <a:lnB>
+                      <a:noFill/>
+                    </a:lnB>
+                  </a:tcPr>
+                </a:tc>
+                <a:extLst>
+                  <a:ext uri="{0D108BD9-81ED-4DB2-BD59-A6C34878D82A}">
+                    <a16:rowId xmlns:a16="http://schemas.microsoft.com/office/drawing/2014/main" val="2485312018"/>
+                  </a:ext>
+                </a:extLst>
+              </a:tr>
+              <a:tr h="182880">
+                <a:tc>
+                  <a:txBody>
+                    <a:bodyPr/>
+                    <a:lstStyle/>
+                    <a:p>
+                      <a:pPr algn="ctr" fontAlgn="b"/>
+                      <a:r>
+                        <a:rPr lang="en-US" sz="1600" b="0" i="0" u="none" strike="noStrike" dirty="0">
+                          <a:solidFill>
+                            <a:srgbClr val="000000"/>
+                          </a:solidFill>
+                          <a:effectLst/>
+                          <a:latin typeface="Calibri" panose="020F0502020204030204" pitchFamily="34" charset="0"/>
+                        </a:rPr>
+                        <a:t>146</a:t>
+                      </a:r>
+                    </a:p>
+                  </a:txBody>
+                  <a:tcPr marL="7620" marR="7620" marT="7620" marB="0" anchor="b">
+                    <a:lnL>
+                      <a:noFill/>
+                    </a:lnL>
+                    <a:lnR>
+                      <a:noFill/>
+                    </a:lnR>
+                    <a:lnT>
+                      <a:noFill/>
+                    </a:lnT>
+                    <a:lnB>
+                      <a:noFill/>
+                    </a:lnB>
+                  </a:tcPr>
+                </a:tc>
+                <a:tc>
+                  <a:txBody>
+                    <a:bodyPr/>
+                    <a:lstStyle/>
+                    <a:p>
+                      <a:pPr algn="ctr" fontAlgn="b"/>
+                      <a:r>
+                        <a:rPr lang="en-US" sz="1600" b="0" i="0" u="none" strike="noStrike">
+                          <a:solidFill>
+                            <a:srgbClr val="000000"/>
+                          </a:solidFill>
+                          <a:effectLst/>
+                          <a:latin typeface="Calibri" panose="020F0502020204030204" pitchFamily="34" charset="0"/>
+                        </a:rPr>
+                        <a:t>136</a:t>
+                      </a:r>
+                    </a:p>
+                  </a:txBody>
+                  <a:tcPr marL="7620" marR="7620" marT="7620" marB="0" anchor="b">
+                    <a:lnL>
+                      <a:noFill/>
+                    </a:lnL>
+                    <a:lnR>
+                      <a:noFill/>
+                    </a:lnR>
+                    <a:lnT>
+                      <a:noFill/>
+                    </a:lnT>
+                    <a:lnB>
+                      <a:noFill/>
+                    </a:lnB>
+                  </a:tcPr>
+                </a:tc>
+                <a:tc>
+                  <a:txBody>
+                    <a:bodyPr/>
+                    <a:lstStyle/>
+                    <a:p>
+                      <a:pPr algn="ctr" fontAlgn="b"/>
+                      <a:r>
+                        <a:rPr lang="en-US" sz="1600" b="0" i="0" u="none" strike="noStrike" dirty="0">
+                          <a:solidFill>
+                            <a:srgbClr val="000000"/>
+                          </a:solidFill>
+                          <a:effectLst/>
+                          <a:latin typeface="Calibri" panose="020F0502020204030204" pitchFamily="34" charset="0"/>
+                        </a:rPr>
+                        <a:t>10</a:t>
+                      </a:r>
+                    </a:p>
+                  </a:txBody>
+                  <a:tcPr marL="7620" marR="7620" marT="7620" marB="0" anchor="b">
+                    <a:lnL>
+                      <a:noFill/>
+                    </a:lnL>
+                    <a:lnR>
+                      <a:noFill/>
+                    </a:lnR>
+                    <a:lnT>
+                      <a:noFill/>
+                    </a:lnT>
+                    <a:lnB>
+                      <a:noFill/>
+                    </a:lnB>
+                  </a:tcPr>
+                </a:tc>
+                <a:extLst>
+                  <a:ext uri="{0D108BD9-81ED-4DB2-BD59-A6C34878D82A}">
+                    <a16:rowId xmlns:a16="http://schemas.microsoft.com/office/drawing/2014/main" val="2770785551"/>
+                  </a:ext>
+                </a:extLst>
+              </a:tr>
+              <a:tr h="182880">
+                <a:tc>
+                  <a:txBody>
+                    <a:bodyPr/>
+                    <a:lstStyle/>
+                    <a:p>
+                      <a:pPr algn="ctr" fontAlgn="b"/>
+                      <a:r>
+                        <a:rPr lang="en-US" sz="1600" b="0" i="0" u="none" strike="noStrike" dirty="0">
+                          <a:solidFill>
+                            <a:srgbClr val="000000"/>
+                          </a:solidFill>
+                          <a:effectLst/>
+                          <a:latin typeface="Calibri" panose="020F0502020204030204" pitchFamily="34" charset="0"/>
+                        </a:rPr>
+                        <a:t>174</a:t>
+                      </a:r>
+                    </a:p>
+                  </a:txBody>
+                  <a:tcPr marL="7620" marR="7620" marT="7620" marB="0" anchor="b">
+                    <a:lnL>
+                      <a:noFill/>
+                    </a:lnL>
+                    <a:lnR>
+                      <a:noFill/>
+                    </a:lnR>
+                    <a:lnT>
+                      <a:noFill/>
+                    </a:lnT>
+                    <a:lnB>
+                      <a:noFill/>
+                    </a:lnB>
+                  </a:tcPr>
+                </a:tc>
+                <a:tc>
+                  <a:txBody>
+                    <a:bodyPr/>
+                    <a:lstStyle/>
+                    <a:p>
+                      <a:pPr algn="ctr" fontAlgn="b"/>
+                      <a:r>
+                        <a:rPr lang="en-US" sz="1600" b="0" i="0" u="none" strike="noStrike">
+                          <a:solidFill>
+                            <a:srgbClr val="000000"/>
+                          </a:solidFill>
+                          <a:effectLst/>
+                          <a:latin typeface="Calibri" panose="020F0502020204030204" pitchFamily="34" charset="0"/>
+                        </a:rPr>
+                        <a:t>151</a:t>
+                      </a:r>
+                    </a:p>
+                  </a:txBody>
+                  <a:tcPr marL="7620" marR="7620" marT="7620" marB="0" anchor="b">
+                    <a:lnL>
+                      <a:noFill/>
+                    </a:lnL>
+                    <a:lnR>
+                      <a:noFill/>
+                    </a:lnR>
+                    <a:lnT>
+                      <a:noFill/>
+                    </a:lnT>
+                    <a:lnB>
+                      <a:noFill/>
+                    </a:lnB>
+                  </a:tcPr>
+                </a:tc>
+                <a:tc>
+                  <a:txBody>
+                    <a:bodyPr/>
+                    <a:lstStyle/>
+                    <a:p>
+                      <a:pPr algn="ctr" fontAlgn="b"/>
+                      <a:r>
+                        <a:rPr lang="en-US" sz="1600" b="0" i="0" u="none" strike="noStrike" dirty="0">
+                          <a:solidFill>
+                            <a:srgbClr val="000000"/>
+                          </a:solidFill>
+                          <a:effectLst/>
+                          <a:latin typeface="Calibri" panose="020F0502020204030204" pitchFamily="34" charset="0"/>
+                        </a:rPr>
+                        <a:t>23</a:t>
+                      </a:r>
+                    </a:p>
+                  </a:txBody>
+                  <a:tcPr marL="7620" marR="7620" marT="7620" marB="0" anchor="b">
+                    <a:lnL>
+                      <a:noFill/>
+                    </a:lnL>
+                    <a:lnR>
+                      <a:noFill/>
+                    </a:lnR>
+                    <a:lnT>
+                      <a:noFill/>
+                    </a:lnT>
+                    <a:lnB>
+                      <a:noFill/>
+                    </a:lnB>
+                  </a:tcPr>
+                </a:tc>
+                <a:extLst>
+                  <a:ext uri="{0D108BD9-81ED-4DB2-BD59-A6C34878D82A}">
+                    <a16:rowId xmlns:a16="http://schemas.microsoft.com/office/drawing/2014/main" val="964986060"/>
+                  </a:ext>
+                </a:extLst>
+              </a:tr>
+              <a:tr h="182880">
+                <a:tc>
+                  <a:txBody>
+                    <a:bodyPr/>
+                    <a:lstStyle/>
+                    <a:p>
+                      <a:pPr algn="ctr" fontAlgn="b"/>
+                      <a:r>
+                        <a:rPr lang="en-US" sz="1600" b="0" i="0" u="none" strike="noStrike" dirty="0">
+                          <a:solidFill>
+                            <a:srgbClr val="000000"/>
+                          </a:solidFill>
+                          <a:effectLst/>
+                          <a:latin typeface="Calibri" panose="020F0502020204030204" pitchFamily="34" charset="0"/>
+                        </a:rPr>
+                        <a:t>201</a:t>
+                      </a:r>
+                    </a:p>
+                  </a:txBody>
+                  <a:tcPr marL="7620" marR="7620" marT="7620" marB="0" anchor="b">
+                    <a:lnL>
+                      <a:noFill/>
+                    </a:lnL>
+                    <a:lnR>
+                      <a:noFill/>
+                    </a:lnR>
+                    <a:lnT>
+                      <a:noFill/>
+                    </a:lnT>
+                    <a:lnB>
+                      <a:noFill/>
+                    </a:lnB>
+                  </a:tcPr>
+                </a:tc>
+                <a:tc>
+                  <a:txBody>
+                    <a:bodyPr/>
+                    <a:lstStyle/>
+                    <a:p>
+                      <a:pPr algn="ctr" fontAlgn="b"/>
+                      <a:r>
+                        <a:rPr lang="en-US" sz="1600" b="0" i="0" u="none" strike="noStrike">
+                          <a:solidFill>
+                            <a:srgbClr val="000000"/>
+                          </a:solidFill>
+                          <a:effectLst/>
+                          <a:latin typeface="Calibri" panose="020F0502020204030204" pitchFamily="34" charset="0"/>
+                        </a:rPr>
+                        <a:t>168</a:t>
+                      </a:r>
+                    </a:p>
+                  </a:txBody>
+                  <a:tcPr marL="7620" marR="7620" marT="7620" marB="0" anchor="b">
+                    <a:lnL>
+                      <a:noFill/>
+                    </a:lnL>
+                    <a:lnR>
+                      <a:noFill/>
+                    </a:lnR>
+                    <a:lnT>
+                      <a:noFill/>
+                    </a:lnT>
+                    <a:lnB>
+                      <a:noFill/>
+                    </a:lnB>
+                  </a:tcPr>
+                </a:tc>
+                <a:tc>
+                  <a:txBody>
+                    <a:bodyPr/>
+                    <a:lstStyle/>
+                    <a:p>
+                      <a:pPr algn="ctr" fontAlgn="b"/>
+                      <a:r>
+                        <a:rPr lang="en-US" sz="1600" b="0" i="0" u="none" strike="noStrike" dirty="0">
+                          <a:solidFill>
+                            <a:srgbClr val="000000"/>
+                          </a:solidFill>
+                          <a:effectLst/>
+                          <a:latin typeface="Calibri" panose="020F0502020204030204" pitchFamily="34" charset="0"/>
+                        </a:rPr>
+                        <a:t>33</a:t>
+                      </a:r>
+                    </a:p>
+                  </a:txBody>
+                  <a:tcPr marL="7620" marR="7620" marT="7620" marB="0" anchor="b">
+                    <a:lnL>
+                      <a:noFill/>
+                    </a:lnL>
+                    <a:lnR>
+                      <a:noFill/>
+                    </a:lnR>
+                    <a:lnT>
+                      <a:noFill/>
+                    </a:lnT>
+                    <a:lnB>
+                      <a:noFill/>
+                    </a:lnB>
+                  </a:tcPr>
+                </a:tc>
+                <a:extLst>
+                  <a:ext uri="{0D108BD9-81ED-4DB2-BD59-A6C34878D82A}">
+                    <a16:rowId xmlns:a16="http://schemas.microsoft.com/office/drawing/2014/main" val="91613023"/>
+                  </a:ext>
+                </a:extLst>
+              </a:tr>
+              <a:tr h="182880">
+                <a:tc>
+                  <a:txBody>
+                    <a:bodyPr/>
+                    <a:lstStyle/>
+                    <a:p>
+                      <a:pPr algn="ctr" fontAlgn="b"/>
+                      <a:r>
+                        <a:rPr lang="en-US" sz="1600" b="0" i="0" u="none" strike="noStrike" dirty="0">
+                          <a:solidFill>
+                            <a:srgbClr val="000000"/>
+                          </a:solidFill>
+                          <a:effectLst/>
+                          <a:latin typeface="Calibri" panose="020F0502020204030204" pitchFamily="34" charset="0"/>
+                        </a:rPr>
+                        <a:t>198</a:t>
+                      </a:r>
+                    </a:p>
+                  </a:txBody>
+                  <a:tcPr marL="7620" marR="7620" marT="7620" marB="0" anchor="b">
+                    <a:lnL>
+                      <a:noFill/>
+                    </a:lnL>
+                    <a:lnR>
+                      <a:noFill/>
+                    </a:lnR>
+                    <a:lnT>
+                      <a:noFill/>
+                    </a:lnT>
+                    <a:lnB>
+                      <a:noFill/>
+                    </a:lnB>
+                  </a:tcPr>
+                </a:tc>
+                <a:tc>
+                  <a:txBody>
+                    <a:bodyPr/>
+                    <a:lstStyle/>
+                    <a:p>
+                      <a:pPr algn="ctr" fontAlgn="b"/>
+                      <a:r>
+                        <a:rPr lang="en-US" sz="1600" b="0" i="0" u="none" strike="noStrike">
+                          <a:solidFill>
+                            <a:srgbClr val="000000"/>
+                          </a:solidFill>
+                          <a:effectLst/>
+                          <a:latin typeface="Calibri" panose="020F0502020204030204" pitchFamily="34" charset="0"/>
+                        </a:rPr>
+                        <a:t>179</a:t>
+                      </a:r>
+                    </a:p>
+                  </a:txBody>
+                  <a:tcPr marL="7620" marR="7620" marT="7620" marB="0" anchor="b">
+                    <a:lnL>
+                      <a:noFill/>
+                    </a:lnL>
+                    <a:lnR>
+                      <a:noFill/>
+                    </a:lnR>
+                    <a:lnT>
+                      <a:noFill/>
+                    </a:lnT>
+                    <a:lnB>
+                      <a:noFill/>
+                    </a:lnB>
+                  </a:tcPr>
+                </a:tc>
+                <a:tc>
+                  <a:txBody>
+                    <a:bodyPr/>
+                    <a:lstStyle/>
+                    <a:p>
+                      <a:pPr algn="ctr" fontAlgn="b"/>
+                      <a:r>
+                        <a:rPr lang="en-US" sz="1600" b="0" i="0" u="none" strike="noStrike" dirty="0">
+                          <a:solidFill>
+                            <a:srgbClr val="000000"/>
+                          </a:solidFill>
+                          <a:effectLst/>
+                          <a:latin typeface="Calibri" panose="020F0502020204030204" pitchFamily="34" charset="0"/>
+                        </a:rPr>
+                        <a:t>19</a:t>
+                      </a:r>
+                    </a:p>
+                  </a:txBody>
+                  <a:tcPr marL="7620" marR="7620" marT="7620" marB="0" anchor="b">
+                    <a:lnL>
+                      <a:noFill/>
+                    </a:lnL>
+                    <a:lnR>
+                      <a:noFill/>
+                    </a:lnR>
+                    <a:lnT>
+                      <a:noFill/>
+                    </a:lnT>
+                    <a:lnB>
+                      <a:noFill/>
+                    </a:lnB>
+                  </a:tcPr>
+                </a:tc>
+                <a:extLst>
+                  <a:ext uri="{0D108BD9-81ED-4DB2-BD59-A6C34878D82A}">
+                    <a16:rowId xmlns:a16="http://schemas.microsoft.com/office/drawing/2014/main" val="2099262498"/>
+                  </a:ext>
+                </a:extLst>
+              </a:tr>
+              <a:tr h="182880">
+                <a:tc>
+                  <a:txBody>
+                    <a:bodyPr/>
+                    <a:lstStyle/>
+                    <a:p>
+                      <a:pPr algn="ctr" fontAlgn="b"/>
+                      <a:r>
+                        <a:rPr lang="en-US" sz="1600" b="0" i="0" u="none" strike="noStrike" dirty="0">
+                          <a:solidFill>
+                            <a:srgbClr val="000000"/>
+                          </a:solidFill>
+                          <a:effectLst/>
+                          <a:latin typeface="Calibri" panose="020F0502020204030204" pitchFamily="34" charset="0"/>
+                        </a:rPr>
+                        <a:t>148</a:t>
+                      </a:r>
+                    </a:p>
+                  </a:txBody>
+                  <a:tcPr marL="7620" marR="7620" marT="7620" marB="0" anchor="b">
+                    <a:lnL>
+                      <a:noFill/>
+                    </a:lnL>
+                    <a:lnR>
+                      <a:noFill/>
+                    </a:lnR>
+                    <a:lnT>
+                      <a:noFill/>
+                    </a:lnT>
+                    <a:lnB>
+                      <a:noFill/>
+                    </a:lnB>
+                  </a:tcPr>
+                </a:tc>
+                <a:tc>
+                  <a:txBody>
+                    <a:bodyPr/>
+                    <a:lstStyle/>
+                    <a:p>
+                      <a:pPr algn="ctr" fontAlgn="b"/>
+                      <a:r>
+                        <a:rPr lang="en-US" sz="1600" b="0" i="0" u="none" strike="noStrike">
+                          <a:solidFill>
+                            <a:srgbClr val="000000"/>
+                          </a:solidFill>
+                          <a:effectLst/>
+                          <a:latin typeface="Calibri" panose="020F0502020204030204" pitchFamily="34" charset="0"/>
+                        </a:rPr>
+                        <a:t>129</a:t>
+                      </a:r>
+                    </a:p>
+                  </a:txBody>
+                  <a:tcPr marL="7620" marR="7620" marT="7620" marB="0" anchor="b">
+                    <a:lnL>
+                      <a:noFill/>
+                    </a:lnL>
+                    <a:lnR>
+                      <a:noFill/>
+                    </a:lnR>
+                    <a:lnT>
+                      <a:noFill/>
+                    </a:lnT>
+                    <a:lnB>
+                      <a:noFill/>
+                    </a:lnB>
+                  </a:tcPr>
+                </a:tc>
+                <a:tc>
+                  <a:txBody>
+                    <a:bodyPr/>
+                    <a:lstStyle/>
+                    <a:p>
+                      <a:pPr algn="ctr" fontAlgn="b"/>
+                      <a:r>
+                        <a:rPr lang="en-US" sz="1600" b="0" i="0" u="none" strike="noStrike" dirty="0">
+                          <a:solidFill>
+                            <a:srgbClr val="000000"/>
+                          </a:solidFill>
+                          <a:effectLst/>
+                          <a:latin typeface="Calibri" panose="020F0502020204030204" pitchFamily="34" charset="0"/>
+                        </a:rPr>
+                        <a:t>19</a:t>
+                      </a:r>
+                    </a:p>
+                  </a:txBody>
+                  <a:tcPr marL="7620" marR="7620" marT="7620" marB="0" anchor="b">
+                    <a:lnL>
+                      <a:noFill/>
+                    </a:lnL>
+                    <a:lnR>
+                      <a:noFill/>
+                    </a:lnR>
+                    <a:lnT>
+                      <a:noFill/>
+                    </a:lnT>
+                    <a:lnB>
+                      <a:noFill/>
+                    </a:lnB>
+                  </a:tcPr>
+                </a:tc>
+                <a:extLst>
+                  <a:ext uri="{0D108BD9-81ED-4DB2-BD59-A6C34878D82A}">
+                    <a16:rowId xmlns:a16="http://schemas.microsoft.com/office/drawing/2014/main" val="3208750859"/>
+                  </a:ext>
+                </a:extLst>
+              </a:tr>
+              <a:tr h="182880">
+                <a:tc>
+                  <a:txBody>
+                    <a:bodyPr/>
+                    <a:lstStyle/>
+                    <a:p>
+                      <a:pPr algn="ctr" fontAlgn="b"/>
+                      <a:r>
+                        <a:rPr lang="en-US" sz="1600" b="0" i="0" u="none" strike="noStrike" dirty="0">
+                          <a:solidFill>
+                            <a:srgbClr val="000000"/>
+                          </a:solidFill>
+                          <a:effectLst/>
+                          <a:latin typeface="Calibri" panose="020F0502020204030204" pitchFamily="34" charset="0"/>
+                        </a:rPr>
+                        <a:t>154</a:t>
+                      </a:r>
+                    </a:p>
+                  </a:txBody>
+                  <a:tcPr marL="7620" marR="7620" marT="7620" marB="0" anchor="b">
+                    <a:lnL>
+                      <a:noFill/>
+                    </a:lnL>
+                    <a:lnR>
+                      <a:noFill/>
+                    </a:lnR>
+                    <a:lnT>
+                      <a:noFill/>
+                    </a:lnT>
+                    <a:lnB w="12700" cap="flat" cmpd="sng" algn="ctr">
+                      <a:solidFill>
+                        <a:schemeClr val="tx1"/>
+                      </a:solidFill>
+                      <a:prstDash val="solid"/>
+                      <a:round/>
+                      <a:headEnd type="none" w="med" len="med"/>
+                      <a:tailEnd type="none" w="med" len="med"/>
+                    </a:lnB>
+                  </a:tcPr>
+                </a:tc>
+                <a:tc>
+                  <a:txBody>
+                    <a:bodyPr/>
+                    <a:lstStyle/>
+                    <a:p>
+                      <a:pPr algn="ctr" fontAlgn="b"/>
+                      <a:r>
+                        <a:rPr lang="en-US" sz="1600" b="0" i="0" u="none" strike="noStrike" dirty="0">
+                          <a:solidFill>
+                            <a:srgbClr val="000000"/>
+                          </a:solidFill>
+                          <a:effectLst/>
+                          <a:latin typeface="Calibri" panose="020F0502020204030204" pitchFamily="34" charset="0"/>
+                        </a:rPr>
+                        <a:t>131</a:t>
+                      </a:r>
+                    </a:p>
+                  </a:txBody>
+                  <a:tcPr marL="7620" marR="7620" marT="7620" marB="0" anchor="b">
+                    <a:lnL>
+                      <a:noFill/>
+                    </a:lnL>
+                    <a:lnR>
+                      <a:noFill/>
+                    </a:lnR>
+                    <a:lnT>
+                      <a:noFill/>
+                    </a:lnT>
+                    <a:lnB w="12700" cap="flat" cmpd="sng" algn="ctr">
+                      <a:solidFill>
+                        <a:schemeClr val="tx1"/>
+                      </a:solidFill>
+                      <a:prstDash val="solid"/>
+                      <a:round/>
+                      <a:headEnd type="none" w="med" len="med"/>
+                      <a:tailEnd type="none" w="med" len="med"/>
+                    </a:lnB>
+                  </a:tcPr>
+                </a:tc>
+                <a:tc>
+                  <a:txBody>
+                    <a:bodyPr/>
+                    <a:lstStyle/>
+                    <a:p>
+                      <a:pPr algn="ctr" fontAlgn="b"/>
+                      <a:r>
+                        <a:rPr lang="en-US" sz="1600" b="0" i="0" u="none" strike="noStrike" dirty="0">
+                          <a:solidFill>
+                            <a:srgbClr val="000000"/>
+                          </a:solidFill>
+                          <a:effectLst/>
+                          <a:latin typeface="Calibri" panose="020F0502020204030204" pitchFamily="34" charset="0"/>
+                        </a:rPr>
+                        <a:t>23</a:t>
+                      </a:r>
+                    </a:p>
+                  </a:txBody>
+                  <a:tcPr marL="7620" marR="7620" marT="7620" marB="0" anchor="b">
+                    <a:lnL>
+                      <a:noFill/>
+                    </a:lnL>
+                    <a:lnR>
+                      <a:noFill/>
+                    </a:lnR>
+                    <a:lnT>
+                      <a:noFill/>
+                    </a:lnT>
+                    <a:lnB w="12700" cap="flat" cmpd="sng" algn="ctr">
+                      <a:solidFill>
+                        <a:schemeClr val="tx1"/>
+                      </a:solidFill>
+                      <a:prstDash val="solid"/>
+                      <a:round/>
+                      <a:headEnd type="none" w="med" len="med"/>
+                      <a:tailEnd type="none" w="med" len="med"/>
+                    </a:lnB>
+                  </a:tcPr>
+                </a:tc>
+                <a:extLst>
+                  <a:ext uri="{0D108BD9-81ED-4DB2-BD59-A6C34878D82A}">
+                    <a16:rowId xmlns:a16="http://schemas.microsoft.com/office/drawing/2014/main" val="234335035"/>
+                  </a:ext>
+                </a:extLst>
+              </a:tr>
+            </a:tbl>
+          </a:graphicData>
+        </a:graphic>
+      </p:graphicFrame>
+      <p:pic>
+        <p:nvPicPr>
+          <p:cNvPr id="3" name="Picture 2">
+            <a:extLst>
+              <a:ext uri="{FF2B5EF4-FFF2-40B4-BE49-F238E27FC236}">
+                <a16:creationId xmlns:a16="http://schemas.microsoft.com/office/drawing/2014/main" id="{8D1CC116-B9C1-448C-9900-BF5317742B72}"/>
+              </a:ext>
+            </a:extLst>
+          </p:cNvPr>
+          <p:cNvPicPr>
+            <a:picLocks noChangeAspect="1"/>
+          </p:cNvPicPr>
+          <p:nvPr/>
+        </p:nvPicPr>
+        <p:blipFill>
+          <a:blip r:embed="rId2"/>
+          <a:stretch>
+            <a:fillRect/>
+          </a:stretch>
+        </p:blipFill>
+        <p:spPr>
+          <a:xfrm>
+            <a:off x="5492864" y="1733512"/>
+            <a:ext cx="5029200" cy="5029200"/>
+          </a:xfrm>
+          <a:prstGeom prst="rect">
+            <a:avLst/>
+          </a:prstGeom>
+        </p:spPr>
+      </p:pic>
+    </p:spTree>
+    <p:extLst>
+      <p:ext uri="{BB962C8B-B14F-4D97-AF65-F5344CB8AC3E}">
+        <p14:creationId xmlns:p14="http://schemas.microsoft.com/office/powerpoint/2010/main" val="2616927134"/>
+      </p:ext>
+    </p:extLst>
+  </p:cSld>
+  <p:clrMapOvr>
+    <a:masterClrMapping/>
+  </p:clrMapOvr>
+</p:sld>
+</file>
+
+<file path=ppt/slides/slide25.xml><?xml version="1.0" encoding="utf-8"?>
+<p:sld xmlns:a="http://schemas.openxmlformats.org/drawingml/2006/main" xmlns:r="http://schemas.openxmlformats.org/officeDocument/2006/relationships" xmlns:p="http://schemas.openxmlformats.org/presentationml/2006/main">
+  <p:cSld>
+    <p:spTree>
+      <p:nvGrpSpPr>
+        <p:cNvPr id="1" name=""/>
+        <p:cNvGrpSpPr/>
+        <p:nvPr/>
+      </p:nvGrpSpPr>
+      <p:grpSpPr>
+        <a:xfrm>
+          <a:off x="0" y="0"/>
+          <a:ext cx="0" cy="0"/>
+          <a:chOff x="0" y="0"/>
+          <a:chExt cx="0" cy="0"/>
+        </a:xfrm>
+      </p:grpSpPr>
+      <p:sp>
+        <p:nvSpPr>
+          <p:cNvPr id="2" name="Title 1">
+            <a:extLst>
+              <a:ext uri="{FF2B5EF4-FFF2-40B4-BE49-F238E27FC236}">
+                <a16:creationId xmlns:a16="http://schemas.microsoft.com/office/drawing/2014/main" id="{CD1F788A-7E2F-4726-A173-87B1E22F711A}"/>
+              </a:ext>
+            </a:extLst>
+          </p:cNvPr>
+          <p:cNvSpPr>
+            <a:spLocks noGrp="1"/>
+          </p:cNvSpPr>
+          <p:nvPr>
+            <p:ph type="title"/>
+          </p:nvPr>
+        </p:nvSpPr>
+        <p:spPr/>
+        <p:txBody>
+          <a:bodyPr/>
+          <a:lstStyle/>
+          <a:p>
+            <a:r>
+              <a:rPr lang="en-US" dirty="0"/>
+              <a:t>Paired t-test</a:t>
+            </a:r>
+          </a:p>
+        </p:txBody>
+      </p:sp>
+      <mc:AlternateContent xmlns:mc="http://schemas.openxmlformats.org/markup-compatibility/2006">
+        <mc:Choice xmlns:a14="http://schemas.microsoft.com/office/drawing/2010/main" Requires="a14">
+          <p:sp>
+            <p:nvSpPr>
+              <p:cNvPr id="3" name="Content Placeholder 2">
+                <a:extLst>
+                  <a:ext uri="{FF2B5EF4-FFF2-40B4-BE49-F238E27FC236}">
+                    <a16:creationId xmlns:a16="http://schemas.microsoft.com/office/drawing/2014/main" id="{08BC06F1-2585-4986-82BC-82C0B1A26855}"/>
+                  </a:ext>
+                </a:extLst>
+              </p:cNvPr>
+              <p:cNvSpPr>
+                <a:spLocks noGrp="1"/>
+              </p:cNvSpPr>
+              <p:nvPr>
+                <p:ph idx="1"/>
+              </p:nvPr>
+            </p:nvSpPr>
+            <p:spPr/>
+            <p:txBody>
+              <a:bodyPr/>
+              <a:lstStyle/>
+              <a:p>
+                <a:r>
+                  <a:rPr lang="en-US" dirty="0"/>
+                  <a:t>Let the random variable </a:t>
+                </a:r>
+                <a14:m>
+                  <m:oMath xmlns:m="http://schemas.openxmlformats.org/officeDocument/2006/math">
+                    <m:sSub>
+                      <m:sSubPr>
+                        <m:ctrlPr>
+                          <a:rPr lang="en-US" b="0" i="1" smtClean="0">
+                            <a:latin typeface="Cambria Math" panose="02040503050406030204" pitchFamily="18" charset="0"/>
+                          </a:rPr>
+                        </m:ctrlPr>
+                      </m:sSubPr>
+                      <m:e>
+                        <m:r>
+                          <a:rPr lang="en-US" b="0" i="1" smtClean="0">
+                            <a:latin typeface="Cambria Math" panose="02040503050406030204" pitchFamily="18" charset="0"/>
+                          </a:rPr>
+                          <m:t>𝑋</m:t>
+                        </m:r>
+                      </m:e>
+                      <m:sub>
+                        <m:r>
+                          <a:rPr lang="en-US" b="0" i="1" smtClean="0">
+                            <a:latin typeface="Cambria Math" panose="02040503050406030204" pitchFamily="18" charset="0"/>
+                          </a:rPr>
+                          <m:t>𝑖</m:t>
+                        </m:r>
+                      </m:sub>
+                    </m:sSub>
+                  </m:oMath>
+                </a14:m>
+                <a:r>
+                  <a:rPr lang="en-US" dirty="0"/>
+                  <a:t> represent the systolic blood pressure before taking captopril, </a:t>
+                </a:r>
+                <a14:m>
+                  <m:oMath xmlns:m="http://schemas.openxmlformats.org/officeDocument/2006/math">
+                    <m:sSub>
+                      <m:sSubPr>
+                        <m:ctrlPr>
+                          <a:rPr lang="en-US" i="1">
+                            <a:latin typeface="Cambria Math" panose="02040503050406030204" pitchFamily="18" charset="0"/>
+                          </a:rPr>
+                        </m:ctrlPr>
+                      </m:sSubPr>
+                      <m:e>
+                        <m:r>
+                          <a:rPr lang="en-US" b="0" i="1" smtClean="0">
+                            <a:latin typeface="Cambria Math" panose="02040503050406030204" pitchFamily="18" charset="0"/>
+                          </a:rPr>
+                          <m:t>𝑌</m:t>
+                        </m:r>
+                      </m:e>
+                      <m:sub>
+                        <m:r>
+                          <a:rPr lang="en-US" i="1">
+                            <a:latin typeface="Cambria Math" panose="02040503050406030204" pitchFamily="18" charset="0"/>
+                          </a:rPr>
+                          <m:t>𝑖</m:t>
+                        </m:r>
+                      </m:sub>
+                    </m:sSub>
+                  </m:oMath>
+                </a14:m>
+                <a:r>
+                  <a:rPr lang="en-US" dirty="0"/>
+                  <a:t> represent the systolic blood pressure after taking captopril, and define the difference to be </a:t>
+                </a:r>
+                <a14:m>
+                  <m:oMath xmlns:m="http://schemas.openxmlformats.org/officeDocument/2006/math">
+                    <m:sSub>
+                      <m:sSubPr>
+                        <m:ctrlPr>
+                          <a:rPr lang="en-US" b="0" i="1" smtClean="0">
+                            <a:latin typeface="Cambria Math" panose="02040503050406030204" pitchFamily="18" charset="0"/>
+                          </a:rPr>
+                        </m:ctrlPr>
+                      </m:sSubPr>
+                      <m:e>
+                        <m:r>
+                          <a:rPr lang="en-US" b="0" i="1" smtClean="0">
+                            <a:latin typeface="Cambria Math" panose="02040503050406030204" pitchFamily="18" charset="0"/>
+                          </a:rPr>
+                          <m:t>𝐷</m:t>
+                        </m:r>
+                      </m:e>
+                      <m:sub>
+                        <m:r>
+                          <a:rPr lang="en-US" b="0" i="1" smtClean="0">
+                            <a:latin typeface="Cambria Math" panose="02040503050406030204" pitchFamily="18" charset="0"/>
+                          </a:rPr>
+                          <m:t>𝑖</m:t>
+                        </m:r>
+                      </m:sub>
+                    </m:sSub>
+                    <m:r>
+                      <a:rPr lang="en-US" b="0" i="1" smtClean="0">
+                        <a:latin typeface="Cambria Math" panose="02040503050406030204" pitchFamily="18" charset="0"/>
+                      </a:rPr>
+                      <m:t>=</m:t>
+                    </m:r>
+                    <m:sSub>
+                      <m:sSubPr>
+                        <m:ctrlPr>
+                          <a:rPr lang="en-US" b="0" i="1" smtClean="0">
+                            <a:latin typeface="Cambria Math" panose="02040503050406030204" pitchFamily="18" charset="0"/>
+                          </a:rPr>
+                        </m:ctrlPr>
+                      </m:sSubPr>
+                      <m:e>
+                        <m:r>
+                          <a:rPr lang="en-US" b="0" i="1" smtClean="0">
+                            <a:latin typeface="Cambria Math" panose="02040503050406030204" pitchFamily="18" charset="0"/>
+                          </a:rPr>
+                          <m:t>𝑌</m:t>
+                        </m:r>
+                      </m:e>
+                      <m:sub>
+                        <m:r>
+                          <a:rPr lang="en-US" b="0" i="1" smtClean="0">
+                            <a:latin typeface="Cambria Math" panose="02040503050406030204" pitchFamily="18" charset="0"/>
+                          </a:rPr>
+                          <m:t>𝑖</m:t>
+                        </m:r>
+                      </m:sub>
+                    </m:sSub>
+                    <m:r>
+                      <a:rPr lang="en-US" b="0" i="1" smtClean="0">
+                        <a:latin typeface="Cambria Math" panose="02040503050406030204" pitchFamily="18" charset="0"/>
+                      </a:rPr>
+                      <m:t>−</m:t>
+                    </m:r>
+                    <m:sSub>
+                      <m:sSubPr>
+                        <m:ctrlPr>
+                          <a:rPr lang="en-US" b="0" i="1" smtClean="0">
+                            <a:latin typeface="Cambria Math" panose="02040503050406030204" pitchFamily="18" charset="0"/>
+                          </a:rPr>
+                        </m:ctrlPr>
+                      </m:sSubPr>
+                      <m:e>
+                        <m:r>
+                          <a:rPr lang="en-US" b="0" i="1" smtClean="0">
+                            <a:latin typeface="Cambria Math" panose="02040503050406030204" pitchFamily="18" charset="0"/>
+                          </a:rPr>
+                          <m:t>𝑋</m:t>
+                        </m:r>
+                      </m:e>
+                      <m:sub>
+                        <m:r>
+                          <a:rPr lang="en-US" b="0" i="1" smtClean="0">
+                            <a:latin typeface="Cambria Math" panose="02040503050406030204" pitchFamily="18" charset="0"/>
+                          </a:rPr>
+                          <m:t>𝑖</m:t>
+                        </m:r>
+                      </m:sub>
+                    </m:sSub>
+                  </m:oMath>
+                </a14:m>
+                <a:r>
+                  <a:rPr lang="en-US" dirty="0"/>
+                  <a:t>.</a:t>
+                </a:r>
+              </a:p>
+              <a:p>
+                <a:r>
+                  <a:rPr lang="en-US" dirty="0"/>
+                  <a:t>Denote the true mean difference as </a:t>
+                </a:r>
+                <a14:m>
+                  <m:oMath xmlns:m="http://schemas.openxmlformats.org/officeDocument/2006/math">
+                    <m:sSub>
+                      <m:sSubPr>
+                        <m:ctrlPr>
+                          <a:rPr lang="en-US" b="0" i="1" smtClean="0">
+                            <a:latin typeface="Cambria Math" panose="02040503050406030204" pitchFamily="18" charset="0"/>
+                          </a:rPr>
+                        </m:ctrlPr>
+                      </m:sSubPr>
+                      <m:e>
+                        <m:r>
+                          <a:rPr lang="en-US" b="0" i="1" smtClean="0">
+                            <a:latin typeface="Cambria Math" panose="02040503050406030204" pitchFamily="18" charset="0"/>
+                          </a:rPr>
+                          <m:t>𝜇</m:t>
+                        </m:r>
+                      </m:e>
+                      <m:sub>
+                        <m:r>
+                          <a:rPr lang="en-US" b="0" i="1" smtClean="0">
+                            <a:latin typeface="Cambria Math" panose="02040503050406030204" pitchFamily="18" charset="0"/>
+                          </a:rPr>
+                          <m:t>𝑑</m:t>
+                        </m:r>
+                      </m:sub>
+                    </m:sSub>
+                    <m:r>
+                      <a:rPr lang="en-US" b="0" i="1" smtClean="0">
+                        <a:latin typeface="Cambria Math" panose="02040503050406030204" pitchFamily="18" charset="0"/>
+                      </a:rPr>
+                      <m:t>=</m:t>
+                    </m:r>
+                    <m:r>
+                      <a:rPr lang="en-US" b="0" i="1" smtClean="0">
+                        <a:latin typeface="Cambria Math" panose="02040503050406030204" pitchFamily="18" charset="0"/>
+                      </a:rPr>
+                      <m:t>𝐸</m:t>
+                    </m:r>
+                    <m:d>
+                      <m:dPr>
+                        <m:begChr m:val="["/>
+                        <m:endChr m:val="]"/>
+                        <m:ctrlPr>
+                          <a:rPr lang="en-US" b="0" i="1" smtClean="0">
+                            <a:latin typeface="Cambria Math" panose="02040503050406030204" pitchFamily="18" charset="0"/>
+                          </a:rPr>
+                        </m:ctrlPr>
+                      </m:dPr>
+                      <m:e>
+                        <m:sSub>
+                          <m:sSubPr>
+                            <m:ctrlPr>
+                              <a:rPr lang="en-US" b="0" i="1" smtClean="0">
+                                <a:latin typeface="Cambria Math" panose="02040503050406030204" pitchFamily="18" charset="0"/>
+                              </a:rPr>
+                            </m:ctrlPr>
+                          </m:sSubPr>
+                          <m:e>
+                            <m:r>
+                              <a:rPr lang="en-US" b="0" i="1" smtClean="0">
+                                <a:latin typeface="Cambria Math" panose="02040503050406030204" pitchFamily="18" charset="0"/>
+                              </a:rPr>
+                              <m:t>𝐷</m:t>
+                            </m:r>
+                          </m:e>
+                          <m:sub>
+                            <m:r>
+                              <a:rPr lang="en-US" b="0" i="1" smtClean="0">
+                                <a:latin typeface="Cambria Math" panose="02040503050406030204" pitchFamily="18" charset="0"/>
+                              </a:rPr>
+                              <m:t>𝑖</m:t>
+                            </m:r>
+                          </m:sub>
+                        </m:sSub>
+                      </m:e>
+                    </m:d>
+                    <m:r>
+                      <a:rPr lang="en-US" b="0" i="1" smtClean="0">
+                        <a:latin typeface="Cambria Math" panose="02040503050406030204" pitchFamily="18" charset="0"/>
+                      </a:rPr>
+                      <m:t>=</m:t>
+                    </m:r>
+                    <m:r>
+                      <a:rPr lang="en-US" b="0" i="1" smtClean="0">
+                        <a:latin typeface="Cambria Math" panose="02040503050406030204" pitchFamily="18" charset="0"/>
+                      </a:rPr>
+                      <m:t>𝐸</m:t>
+                    </m:r>
+                    <m:d>
+                      <m:dPr>
+                        <m:begChr m:val="["/>
+                        <m:endChr m:val="]"/>
+                        <m:ctrlPr>
+                          <a:rPr lang="en-US" b="0" i="1" smtClean="0">
+                            <a:latin typeface="Cambria Math" panose="02040503050406030204" pitchFamily="18" charset="0"/>
+                          </a:rPr>
+                        </m:ctrlPr>
+                      </m:dPr>
+                      <m:e>
+                        <m:sSub>
+                          <m:sSubPr>
+                            <m:ctrlPr>
+                              <a:rPr lang="en-US" b="0" i="1" smtClean="0">
+                                <a:latin typeface="Cambria Math" panose="02040503050406030204" pitchFamily="18" charset="0"/>
+                              </a:rPr>
+                            </m:ctrlPr>
+                          </m:sSubPr>
+                          <m:e>
+                            <m:r>
+                              <a:rPr lang="en-US" b="0" i="1" smtClean="0">
+                                <a:latin typeface="Cambria Math" panose="02040503050406030204" pitchFamily="18" charset="0"/>
+                              </a:rPr>
+                              <m:t>𝑌</m:t>
+                            </m:r>
+                          </m:e>
+                          <m:sub>
+                            <m:r>
+                              <a:rPr lang="en-US" b="0" i="1" smtClean="0">
+                                <a:latin typeface="Cambria Math" panose="02040503050406030204" pitchFamily="18" charset="0"/>
+                              </a:rPr>
+                              <m:t>𝑖</m:t>
+                            </m:r>
+                          </m:sub>
+                        </m:sSub>
+                        <m:r>
+                          <a:rPr lang="en-US" b="0" i="1" smtClean="0">
+                            <a:latin typeface="Cambria Math" panose="02040503050406030204" pitchFamily="18" charset="0"/>
+                          </a:rPr>
+                          <m:t>−</m:t>
+                        </m:r>
+                        <m:sSub>
+                          <m:sSubPr>
+                            <m:ctrlPr>
+                              <a:rPr lang="en-US" b="0" i="1" smtClean="0">
+                                <a:latin typeface="Cambria Math" panose="02040503050406030204" pitchFamily="18" charset="0"/>
+                              </a:rPr>
+                            </m:ctrlPr>
+                          </m:sSubPr>
+                          <m:e>
+                            <m:r>
+                              <a:rPr lang="en-US" b="0" i="1" smtClean="0">
+                                <a:latin typeface="Cambria Math" panose="02040503050406030204" pitchFamily="18" charset="0"/>
+                              </a:rPr>
+                              <m:t>𝑋</m:t>
+                            </m:r>
+                          </m:e>
+                          <m:sub>
+                            <m:r>
+                              <a:rPr lang="en-US" b="0" i="1" smtClean="0">
+                                <a:latin typeface="Cambria Math" panose="02040503050406030204" pitchFamily="18" charset="0"/>
+                              </a:rPr>
+                              <m:t>𝑖</m:t>
+                            </m:r>
+                          </m:sub>
+                        </m:sSub>
+                      </m:e>
+                    </m:d>
+                  </m:oMath>
+                </a14:m>
+                <a:r>
+                  <a:rPr lang="en-US" dirty="0"/>
+                  <a:t>.</a:t>
+                </a:r>
+              </a:p>
+              <a:p>
+                <a:r>
+                  <a:rPr lang="en-US" dirty="0"/>
+                  <a:t>We are interested in testing</a:t>
+                </a:r>
+                <a:br>
+                  <a:rPr lang="en-US" dirty="0"/>
+                </a:br>
+                <a:br>
+                  <a:rPr lang="en-US" dirty="0"/>
+                </a:br>
+                <a14:m>
+                  <m:oMath xmlns:m="http://schemas.openxmlformats.org/officeDocument/2006/math">
+                    <m:sSub>
+                      <m:sSubPr>
+                        <m:ctrlPr>
+                          <a:rPr lang="en-US" b="0" i="1" smtClean="0">
+                            <a:latin typeface="Cambria Math" panose="02040503050406030204" pitchFamily="18" charset="0"/>
+                          </a:rPr>
+                        </m:ctrlPr>
+                      </m:sSubPr>
+                      <m:e>
+                        <m:r>
+                          <a:rPr lang="en-US" b="0" i="1" smtClean="0">
+                            <a:latin typeface="Cambria Math" panose="02040503050406030204" pitchFamily="18" charset="0"/>
+                          </a:rPr>
+                          <m:t>𝐻</m:t>
+                        </m:r>
+                      </m:e>
+                      <m:sub>
+                        <m:r>
+                          <a:rPr lang="en-US" b="0" i="1" smtClean="0">
+                            <a:latin typeface="Cambria Math" panose="02040503050406030204" pitchFamily="18" charset="0"/>
+                          </a:rPr>
+                          <m:t>0</m:t>
+                        </m:r>
+                      </m:sub>
+                    </m:sSub>
+                    <m:r>
+                      <a:rPr lang="en-US" b="0" i="1" smtClean="0">
+                        <a:latin typeface="Cambria Math" panose="02040503050406030204" pitchFamily="18" charset="0"/>
+                      </a:rPr>
+                      <m:t>:</m:t>
+                    </m:r>
+                    <m:sSub>
+                      <m:sSubPr>
+                        <m:ctrlPr>
+                          <a:rPr lang="en-US" b="0" i="1" smtClean="0">
+                            <a:latin typeface="Cambria Math" panose="02040503050406030204" pitchFamily="18" charset="0"/>
+                          </a:rPr>
+                        </m:ctrlPr>
+                      </m:sSubPr>
+                      <m:e>
+                        <m:r>
+                          <a:rPr lang="en-US" b="0" i="1" smtClean="0">
+                            <a:latin typeface="Cambria Math" panose="02040503050406030204" pitchFamily="18" charset="0"/>
+                          </a:rPr>
+                          <m:t>𝜇</m:t>
+                        </m:r>
+                      </m:e>
+                      <m:sub>
+                        <m:r>
+                          <a:rPr lang="en-US" b="0" i="1" smtClean="0">
+                            <a:latin typeface="Cambria Math" panose="02040503050406030204" pitchFamily="18" charset="0"/>
+                          </a:rPr>
+                          <m:t>𝑑</m:t>
+                        </m:r>
+                      </m:sub>
+                    </m:sSub>
+                    <m:r>
+                      <a:rPr lang="en-US" b="0" i="1" smtClean="0">
+                        <a:latin typeface="Cambria Math" panose="02040503050406030204" pitchFamily="18" charset="0"/>
+                      </a:rPr>
+                      <m:t>=0    </m:t>
+                    </m:r>
+                    <m:r>
+                      <a:rPr lang="en-US" b="0" i="1" smtClean="0">
+                        <a:latin typeface="Cambria Math" panose="02040503050406030204" pitchFamily="18" charset="0"/>
+                      </a:rPr>
+                      <m:t>𝑣𝑠</m:t>
+                    </m:r>
+                    <m:r>
+                      <a:rPr lang="en-US" b="0" i="1" smtClean="0">
+                        <a:latin typeface="Cambria Math" panose="02040503050406030204" pitchFamily="18" charset="0"/>
+                      </a:rPr>
+                      <m:t>.    </m:t>
+                    </m:r>
+                    <m:sSub>
+                      <m:sSubPr>
+                        <m:ctrlPr>
+                          <a:rPr lang="en-US" b="0" i="1" smtClean="0">
+                            <a:latin typeface="Cambria Math" panose="02040503050406030204" pitchFamily="18" charset="0"/>
+                          </a:rPr>
+                        </m:ctrlPr>
+                      </m:sSubPr>
+                      <m:e>
+                        <m:r>
+                          <a:rPr lang="en-US" b="0" i="1" smtClean="0">
+                            <a:latin typeface="Cambria Math" panose="02040503050406030204" pitchFamily="18" charset="0"/>
+                          </a:rPr>
+                          <m:t>𝐻</m:t>
+                        </m:r>
+                      </m:e>
+                      <m:sub>
+                        <m:r>
+                          <a:rPr lang="en-US" b="0" i="1" smtClean="0">
+                            <a:latin typeface="Cambria Math" panose="02040503050406030204" pitchFamily="18" charset="0"/>
+                          </a:rPr>
+                          <m:t>1</m:t>
+                        </m:r>
+                      </m:sub>
+                    </m:sSub>
+                    <m:r>
+                      <a:rPr lang="en-US" b="0" i="1" smtClean="0">
+                        <a:latin typeface="Cambria Math" panose="02040503050406030204" pitchFamily="18" charset="0"/>
+                      </a:rPr>
+                      <m:t>:</m:t>
+                    </m:r>
+                    <m:sSub>
+                      <m:sSubPr>
+                        <m:ctrlPr>
+                          <a:rPr lang="en-US" b="0" i="1" smtClean="0">
+                            <a:latin typeface="Cambria Math" panose="02040503050406030204" pitchFamily="18" charset="0"/>
+                          </a:rPr>
+                        </m:ctrlPr>
+                      </m:sSubPr>
+                      <m:e>
+                        <m:r>
+                          <a:rPr lang="en-US" b="0" i="1" smtClean="0">
+                            <a:latin typeface="Cambria Math" panose="02040503050406030204" pitchFamily="18" charset="0"/>
+                          </a:rPr>
+                          <m:t>𝜇</m:t>
+                        </m:r>
+                      </m:e>
+                      <m:sub>
+                        <m:r>
+                          <a:rPr lang="en-US" b="0" i="1" smtClean="0">
+                            <a:latin typeface="Cambria Math" panose="02040503050406030204" pitchFamily="18" charset="0"/>
+                          </a:rPr>
+                          <m:t>𝑑</m:t>
+                        </m:r>
+                      </m:sub>
+                    </m:sSub>
+                    <m:r>
+                      <a:rPr lang="en-US" b="0" i="1" smtClean="0">
+                        <a:latin typeface="Cambria Math" panose="02040503050406030204" pitchFamily="18" charset="0"/>
+                      </a:rPr>
+                      <m:t>&lt;0</m:t>
+                    </m:r>
+                  </m:oMath>
+                </a14:m>
+                <a:endParaRPr lang="en-US" dirty="0"/>
+              </a:p>
+              <a:p>
+                <a:endParaRPr lang="en-US" dirty="0"/>
+              </a:p>
+            </p:txBody>
+          </p:sp>
+        </mc:Choice>
+        <mc:Fallback>
+          <p:sp>
+            <p:nvSpPr>
+              <p:cNvPr id="3" name="Content Placeholder 2">
+                <a:extLst>
+                  <a:ext uri="{FF2B5EF4-FFF2-40B4-BE49-F238E27FC236}">
+                    <a16:creationId xmlns:a16="http://schemas.microsoft.com/office/drawing/2014/main" id="{08BC06F1-2585-4986-82BC-82C0B1A26855}"/>
+                  </a:ext>
+                </a:extLst>
+              </p:cNvPr>
+              <p:cNvSpPr>
+                <a:spLocks noGrp="1" noRot="1" noChangeAspect="1" noMove="1" noResize="1" noEditPoints="1" noAdjustHandles="1" noChangeArrowheads="1" noChangeShapeType="1" noTextEdit="1"/>
+              </p:cNvSpPr>
+              <p:nvPr>
+                <p:ph idx="1"/>
+              </p:nvPr>
+            </p:nvSpPr>
+            <p:spPr>
+              <a:blipFill>
+                <a:blip r:embed="rId2"/>
+                <a:stretch>
+                  <a:fillRect l="-1043" t="-2241"/>
+                </a:stretch>
+              </a:blipFill>
+            </p:spPr>
+            <p:txBody>
+              <a:bodyPr/>
+              <a:lstStyle/>
+              <a:p>
+                <a:r>
+                  <a:rPr lang="en-US">
+                    <a:noFill/>
+                  </a:rPr>
+                  <a:t> </a:t>
+                </a:r>
+              </a:p>
+            </p:txBody>
+          </p:sp>
+        </mc:Fallback>
+      </mc:AlternateContent>
+    </p:spTree>
+    <p:extLst>
+      <p:ext uri="{BB962C8B-B14F-4D97-AF65-F5344CB8AC3E}">
+        <p14:creationId xmlns:p14="http://schemas.microsoft.com/office/powerpoint/2010/main" val="526543585"/>
+      </p:ext>
+    </p:extLst>
+  </p:cSld>
+  <p:clrMapOvr>
+    <a:masterClrMapping/>
+  </p:clrMapOvr>
+</p:sld>
+</file>
+
+<file path=ppt/slides/slide26.xml><?xml version="1.0" encoding="utf-8"?>
+<p:sld xmlns:a="http://schemas.openxmlformats.org/drawingml/2006/main" xmlns:r="http://schemas.openxmlformats.org/officeDocument/2006/relationships" xmlns:p="http://schemas.openxmlformats.org/presentationml/2006/main">
+  <p:cSld>
+    <p:spTree>
+      <p:nvGrpSpPr>
+        <p:cNvPr id="1" name=""/>
+        <p:cNvGrpSpPr/>
+        <p:nvPr/>
+      </p:nvGrpSpPr>
+      <p:grpSpPr>
+        <a:xfrm>
+          <a:off x="0" y="0"/>
+          <a:ext cx="0" cy="0"/>
+          <a:chOff x="0" y="0"/>
+          <a:chExt cx="0" cy="0"/>
+        </a:xfrm>
+      </p:grpSpPr>
+      <p:sp>
+        <p:nvSpPr>
+          <p:cNvPr id="2" name="Title 1">
+            <a:extLst>
+              <a:ext uri="{FF2B5EF4-FFF2-40B4-BE49-F238E27FC236}">
+                <a16:creationId xmlns:a16="http://schemas.microsoft.com/office/drawing/2014/main" id="{921AFC66-32FC-47AE-98C5-821E900B74EF}"/>
+              </a:ext>
+            </a:extLst>
+          </p:cNvPr>
+          <p:cNvSpPr>
+            <a:spLocks noGrp="1"/>
+          </p:cNvSpPr>
+          <p:nvPr>
+            <p:ph type="title"/>
+          </p:nvPr>
+        </p:nvSpPr>
+        <p:spPr/>
+        <p:txBody>
+          <a:bodyPr/>
+          <a:lstStyle/>
+          <a:p>
+            <a:r>
+              <a:rPr lang="en-US" dirty="0"/>
+              <a:t>Paired t-test</a:t>
+            </a:r>
+          </a:p>
+        </p:txBody>
+      </p:sp>
+      <mc:AlternateContent xmlns:mc="http://schemas.openxmlformats.org/markup-compatibility/2006">
+        <mc:Choice xmlns:a14="http://schemas.microsoft.com/office/drawing/2010/main" Requires="a14">
+          <p:sp>
+            <p:nvSpPr>
+              <p:cNvPr id="3" name="Content Placeholder 2">
+                <a:extLst>
+                  <a:ext uri="{FF2B5EF4-FFF2-40B4-BE49-F238E27FC236}">
+                    <a16:creationId xmlns:a16="http://schemas.microsoft.com/office/drawing/2014/main" id="{7A239F99-014B-448B-8B62-427334DD5969}"/>
+                  </a:ext>
+                </a:extLst>
+              </p:cNvPr>
+              <p:cNvSpPr>
+                <a:spLocks noGrp="1"/>
+              </p:cNvSpPr>
+              <p:nvPr>
+                <p:ph idx="1"/>
+              </p:nvPr>
+            </p:nvSpPr>
+            <p:spPr/>
+            <p:txBody>
+              <a:bodyPr>
+                <a:normAutofit lnSpcReduction="10000"/>
+              </a:bodyPr>
+              <a:lstStyle/>
+              <a:p>
+                <a:r>
+                  <a:rPr lang="en-US" dirty="0"/>
+                  <a:t>To test this hypothesis, we need to compute the sample mean (</a:t>
+                </a:r>
+                <a14:m>
+                  <m:oMath xmlns:m="http://schemas.openxmlformats.org/officeDocument/2006/math">
+                    <m:acc>
+                      <m:accPr>
+                        <m:chr m:val="̅"/>
+                        <m:ctrlPr>
+                          <a:rPr lang="en-US" b="0" i="1" smtClean="0">
+                            <a:latin typeface="Cambria Math" panose="02040503050406030204" pitchFamily="18" charset="0"/>
+                          </a:rPr>
+                        </m:ctrlPr>
+                      </m:accPr>
+                      <m:e>
+                        <m:r>
+                          <a:rPr lang="en-US" b="0" i="1" smtClean="0">
+                            <a:latin typeface="Cambria Math" panose="02040503050406030204" pitchFamily="18" charset="0"/>
+                          </a:rPr>
+                          <m:t>𝑑</m:t>
+                        </m:r>
+                      </m:e>
+                    </m:acc>
+                  </m:oMath>
+                </a14:m>
+                <a:r>
+                  <a:rPr lang="en-US" dirty="0"/>
+                  <a:t>) and standard deviation (</a:t>
+                </a:r>
+                <a14:m>
+                  <m:oMath xmlns:m="http://schemas.openxmlformats.org/officeDocument/2006/math">
+                    <m:sSub>
+                      <m:sSubPr>
+                        <m:ctrlPr>
+                          <a:rPr lang="en-US" b="0" i="1" smtClean="0">
+                            <a:latin typeface="Cambria Math" panose="02040503050406030204" pitchFamily="18" charset="0"/>
+                          </a:rPr>
+                        </m:ctrlPr>
+                      </m:sSubPr>
+                      <m:e>
+                        <m:r>
+                          <a:rPr lang="en-US" b="0" i="1" smtClean="0">
+                            <a:latin typeface="Cambria Math" panose="02040503050406030204" pitchFamily="18" charset="0"/>
+                          </a:rPr>
+                          <m:t>𝑠</m:t>
+                        </m:r>
+                      </m:e>
+                      <m:sub>
+                        <m:r>
+                          <a:rPr lang="en-US" b="0" i="1" smtClean="0">
+                            <a:latin typeface="Cambria Math" panose="02040503050406030204" pitchFamily="18" charset="0"/>
+                          </a:rPr>
+                          <m:t>𝑑</m:t>
+                        </m:r>
+                      </m:sub>
+                    </m:sSub>
+                  </m:oMath>
+                </a14:m>
+                <a:r>
+                  <a:rPr lang="en-US" dirty="0"/>
+                  <a:t>) using the observed differences.</a:t>
+                </a:r>
+              </a:p>
+              <a:p>
+                <a:r>
+                  <a:rPr lang="en-US" dirty="0"/>
+                  <a:t>Our test statistic is just the standardized differences:</a:t>
+                </a:r>
+                <a:br>
+                  <a:rPr lang="en-US" dirty="0"/>
+                </a:br>
+                <a:br>
+                  <a:rPr lang="en-US" dirty="0"/>
+                </a:br>
+                <a14:m>
+                  <m:oMath xmlns:m="http://schemas.openxmlformats.org/officeDocument/2006/math">
+                    <m:r>
+                      <a:rPr lang="en-US" b="0" i="1" smtClean="0">
+                        <a:latin typeface="Cambria Math" panose="02040503050406030204" pitchFamily="18" charset="0"/>
+                      </a:rPr>
+                      <m:t>𝑡</m:t>
+                    </m:r>
+                    <m:r>
+                      <a:rPr lang="en-US" b="0" i="1" smtClean="0">
+                        <a:latin typeface="Cambria Math" panose="02040503050406030204" pitchFamily="18" charset="0"/>
+                      </a:rPr>
+                      <m:t>=</m:t>
+                    </m:r>
+                    <m:f>
+                      <m:fPr>
+                        <m:ctrlPr>
+                          <a:rPr lang="en-US" b="0" i="1" smtClean="0">
+                            <a:latin typeface="Cambria Math" panose="02040503050406030204" pitchFamily="18" charset="0"/>
+                          </a:rPr>
+                        </m:ctrlPr>
+                      </m:fPr>
+                      <m:num>
+                        <m:acc>
+                          <m:accPr>
+                            <m:chr m:val="̅"/>
+                            <m:ctrlPr>
+                              <a:rPr lang="en-US" b="0" i="1" smtClean="0">
+                                <a:latin typeface="Cambria Math" panose="02040503050406030204" pitchFamily="18" charset="0"/>
+                              </a:rPr>
+                            </m:ctrlPr>
+                          </m:accPr>
+                          <m:e>
+                            <m:r>
+                              <a:rPr lang="en-US" b="0" i="1" smtClean="0">
+                                <a:latin typeface="Cambria Math" panose="02040503050406030204" pitchFamily="18" charset="0"/>
+                              </a:rPr>
+                              <m:t>𝑑</m:t>
+                            </m:r>
+                          </m:e>
+                        </m:acc>
+                      </m:num>
+                      <m:den>
+                        <m:sSub>
+                          <m:sSubPr>
+                            <m:ctrlPr>
+                              <a:rPr lang="en-US" b="0" i="1" smtClean="0">
+                                <a:latin typeface="Cambria Math" panose="02040503050406030204" pitchFamily="18" charset="0"/>
+                              </a:rPr>
+                            </m:ctrlPr>
+                          </m:sSubPr>
+                          <m:e>
+                            <m:r>
+                              <a:rPr lang="en-US" b="0" i="1" smtClean="0">
+                                <a:latin typeface="Cambria Math" panose="02040503050406030204" pitchFamily="18" charset="0"/>
+                              </a:rPr>
+                              <m:t>𝑠</m:t>
+                            </m:r>
+                          </m:e>
+                          <m:sub>
+                            <m:r>
+                              <a:rPr lang="en-US" b="0" i="1" smtClean="0">
+                                <a:latin typeface="Cambria Math" panose="02040503050406030204" pitchFamily="18" charset="0"/>
+                              </a:rPr>
+                              <m:t>𝑑</m:t>
+                            </m:r>
+                          </m:sub>
+                        </m:sSub>
+                        <m:r>
+                          <a:rPr lang="en-US" b="0" i="1" smtClean="0">
+                            <a:latin typeface="Cambria Math" panose="02040503050406030204" pitchFamily="18" charset="0"/>
+                          </a:rPr>
+                          <m:t>/</m:t>
+                        </m:r>
+                        <m:rad>
+                          <m:radPr>
+                            <m:degHide m:val="on"/>
+                            <m:ctrlPr>
+                              <a:rPr lang="en-US" b="0" i="1" smtClean="0">
+                                <a:latin typeface="Cambria Math" panose="02040503050406030204" pitchFamily="18" charset="0"/>
+                              </a:rPr>
+                            </m:ctrlPr>
+                          </m:radPr>
+                          <m:deg/>
+                          <m:e>
+                            <m:r>
+                              <a:rPr lang="en-US" b="0" i="1" smtClean="0">
+                                <a:latin typeface="Cambria Math" panose="02040503050406030204" pitchFamily="18" charset="0"/>
+                              </a:rPr>
+                              <m:t>𝑛</m:t>
+                            </m:r>
+                          </m:e>
+                        </m:rad>
+                      </m:den>
+                    </m:f>
+                  </m:oMath>
+                </a14:m>
+                <a:endParaRPr lang="en-US" dirty="0"/>
+              </a:p>
+              <a:p>
+                <a:r>
+                  <a:rPr lang="en-US" dirty="0"/>
+                  <a:t>Assuming the differences follow an approximate normal distribution (or if the sample size is sufficiently large), we would reject </a:t>
+                </a:r>
+                <a14:m>
+                  <m:oMath xmlns:m="http://schemas.openxmlformats.org/officeDocument/2006/math">
+                    <m:sSub>
+                      <m:sSubPr>
+                        <m:ctrlPr>
+                          <a:rPr lang="en-US" b="0" i="1" smtClean="0">
+                            <a:latin typeface="Cambria Math" panose="02040503050406030204" pitchFamily="18" charset="0"/>
+                          </a:rPr>
+                        </m:ctrlPr>
+                      </m:sSubPr>
+                      <m:e>
+                        <m:r>
+                          <a:rPr lang="en-US" b="0" i="1" smtClean="0">
+                            <a:latin typeface="Cambria Math" panose="02040503050406030204" pitchFamily="18" charset="0"/>
+                          </a:rPr>
+                          <m:t>𝐻</m:t>
+                        </m:r>
+                      </m:e>
+                      <m:sub>
+                        <m:r>
+                          <a:rPr lang="en-US" b="0" i="1" smtClean="0">
+                            <a:latin typeface="Cambria Math" panose="02040503050406030204" pitchFamily="18" charset="0"/>
+                          </a:rPr>
+                          <m:t>0</m:t>
+                        </m:r>
+                      </m:sub>
+                    </m:sSub>
+                  </m:oMath>
+                </a14:m>
+                <a:r>
+                  <a:rPr lang="en-US" dirty="0"/>
+                  <a:t> whenever </a:t>
+                </a:r>
+                <a14:m>
+                  <m:oMath xmlns:m="http://schemas.openxmlformats.org/officeDocument/2006/math">
+                    <m:r>
+                      <a:rPr lang="en-US" b="0" i="1" smtClean="0">
+                        <a:latin typeface="Cambria Math" panose="02040503050406030204" pitchFamily="18" charset="0"/>
+                      </a:rPr>
+                      <m:t>𝑡</m:t>
+                    </m:r>
+                    <m:r>
+                      <a:rPr lang="en-US" b="0" i="1" smtClean="0">
+                        <a:latin typeface="Cambria Math" panose="02040503050406030204" pitchFamily="18" charset="0"/>
+                      </a:rPr>
+                      <m:t>&lt;−</m:t>
+                    </m:r>
+                    <m:sSub>
+                      <m:sSubPr>
+                        <m:ctrlPr>
+                          <a:rPr lang="en-US" b="0" i="1" smtClean="0">
+                            <a:latin typeface="Cambria Math" panose="02040503050406030204" pitchFamily="18" charset="0"/>
+                          </a:rPr>
+                        </m:ctrlPr>
+                      </m:sSubPr>
+                      <m:e>
+                        <m:r>
+                          <a:rPr lang="en-US" b="0" i="1" smtClean="0">
+                            <a:latin typeface="Cambria Math" panose="02040503050406030204" pitchFamily="18" charset="0"/>
+                          </a:rPr>
+                          <m:t>𝑡</m:t>
+                        </m:r>
+                      </m:e>
+                      <m:sub>
+                        <m:r>
+                          <a:rPr lang="en-US" b="0" i="1" smtClean="0">
+                            <a:latin typeface="Cambria Math" panose="02040503050406030204" pitchFamily="18" charset="0"/>
+                          </a:rPr>
+                          <m:t>𝑛</m:t>
+                        </m:r>
+                        <m:r>
+                          <a:rPr lang="en-US" b="0" i="1" smtClean="0">
+                            <a:latin typeface="Cambria Math" panose="02040503050406030204" pitchFamily="18" charset="0"/>
+                          </a:rPr>
+                          <m:t>−</m:t>
+                        </m:r>
+                        <m:r>
+                          <a:rPr lang="en-US" b="0" i="1" smtClean="0">
+                            <a:latin typeface="Cambria Math" panose="02040503050406030204" pitchFamily="18" charset="0"/>
+                          </a:rPr>
+                          <m:t>1</m:t>
+                        </m:r>
+                        <m:r>
+                          <a:rPr lang="en-US" b="0" i="1" smtClean="0">
+                            <a:latin typeface="Cambria Math" panose="02040503050406030204" pitchFamily="18" charset="0"/>
+                          </a:rPr>
+                          <m:t>, </m:t>
+                        </m:r>
+                        <m:r>
+                          <a:rPr lang="en-US" b="0" i="1" smtClean="0">
+                            <a:latin typeface="Cambria Math" panose="02040503050406030204" pitchFamily="18" charset="0"/>
+                          </a:rPr>
+                          <m:t>1</m:t>
+                        </m:r>
+                        <m:r>
+                          <a:rPr lang="en-US" b="0" i="1" smtClean="0">
+                            <a:latin typeface="Cambria Math" panose="02040503050406030204" pitchFamily="18" charset="0"/>
+                          </a:rPr>
+                          <m:t>−</m:t>
+                        </m:r>
+                        <m:r>
+                          <a:rPr lang="en-US" b="0" i="1" smtClean="0">
+                            <a:latin typeface="Cambria Math" panose="02040503050406030204" pitchFamily="18" charset="0"/>
+                          </a:rPr>
+                          <m:t>𝛼</m:t>
+                        </m:r>
+                      </m:sub>
+                    </m:sSub>
+                  </m:oMath>
+                </a14:m>
+                <a:endParaRPr lang="en-US" dirty="0"/>
+              </a:p>
+              <a:p>
+                <a:r>
+                  <a:rPr lang="en-US" dirty="0"/>
+                  <a:t>In other words, the paired t-test is equivalent to a one-sample t-test on the observed differences!!</a:t>
+                </a:r>
+              </a:p>
+            </p:txBody>
+          </p:sp>
+        </mc:Choice>
+        <mc:Fallback>
+          <p:sp>
+            <p:nvSpPr>
+              <p:cNvPr id="3" name="Content Placeholder 2">
+                <a:extLst>
+                  <a:ext uri="{FF2B5EF4-FFF2-40B4-BE49-F238E27FC236}">
+                    <a16:creationId xmlns:a16="http://schemas.microsoft.com/office/drawing/2014/main" id="{7A239F99-014B-448B-8B62-427334DD5969}"/>
+                  </a:ext>
+                </a:extLst>
+              </p:cNvPr>
+              <p:cNvSpPr>
+                <a:spLocks noGrp="1" noRot="1" noChangeAspect="1" noMove="1" noResize="1" noEditPoints="1" noAdjustHandles="1" noChangeArrowheads="1" noChangeShapeType="1" noTextEdit="1"/>
+              </p:cNvSpPr>
+              <p:nvPr>
+                <p:ph idx="1"/>
+              </p:nvPr>
+            </p:nvSpPr>
+            <p:spPr>
+              <a:blipFill>
+                <a:blip r:embed="rId2"/>
+                <a:stretch>
+                  <a:fillRect l="-1043" t="-2941" r="-1739" b="-3782"/>
+                </a:stretch>
+              </a:blipFill>
+            </p:spPr>
+            <p:txBody>
+              <a:bodyPr/>
+              <a:lstStyle/>
+              <a:p>
+                <a:r>
+                  <a:rPr lang="en-US">
+                    <a:noFill/>
+                  </a:rPr>
+                  <a:t> </a:t>
+                </a:r>
+              </a:p>
+            </p:txBody>
+          </p:sp>
+        </mc:Fallback>
+      </mc:AlternateContent>
+    </p:spTree>
+    <p:extLst>
+      <p:ext uri="{BB962C8B-B14F-4D97-AF65-F5344CB8AC3E}">
+        <p14:creationId xmlns:p14="http://schemas.microsoft.com/office/powerpoint/2010/main" val="1427577498"/>
+      </p:ext>
+    </p:extLst>
+  </p:cSld>
+  <p:clrMapOvr>
+    <a:masterClrMapping/>
+  </p:clrMapOvr>
+</p:sld>
+</file>
+
+<file path=ppt/slides/slide27.xml><?xml version="1.0" encoding="utf-8"?>
+<p:sld xmlns:a="http://schemas.openxmlformats.org/drawingml/2006/main" xmlns:r="http://schemas.openxmlformats.org/officeDocument/2006/relationships" xmlns:p="http://schemas.openxmlformats.org/presentationml/2006/main">
+  <p:cSld>
+    <p:spTree>
+      <p:nvGrpSpPr>
+        <p:cNvPr id="1" name=""/>
+        <p:cNvGrpSpPr/>
+        <p:nvPr/>
+      </p:nvGrpSpPr>
+      <p:grpSpPr>
+        <a:xfrm>
+          <a:off x="0" y="0"/>
+          <a:ext cx="0" cy="0"/>
+          <a:chOff x="0" y="0"/>
+          <a:chExt cx="0" cy="0"/>
+        </a:xfrm>
+      </p:grpSpPr>
+      <p:sp>
+        <p:nvSpPr>
+          <p:cNvPr id="2" name="Title 1">
+            <a:extLst>
+              <a:ext uri="{FF2B5EF4-FFF2-40B4-BE49-F238E27FC236}">
+                <a16:creationId xmlns:a16="http://schemas.microsoft.com/office/drawing/2014/main" id="{FA535DDB-C199-414B-9A36-72C71203E3F5}"/>
+              </a:ext>
+            </a:extLst>
+          </p:cNvPr>
+          <p:cNvSpPr>
+            <a:spLocks noGrp="1"/>
+          </p:cNvSpPr>
+          <p:nvPr>
+            <p:ph type="title"/>
+          </p:nvPr>
+        </p:nvSpPr>
+        <p:spPr/>
+        <p:txBody>
+          <a:bodyPr/>
+          <a:lstStyle/>
+          <a:p>
+            <a:r>
+              <a:rPr lang="en-US" dirty="0"/>
+              <a:t>Questions?</a:t>
+            </a:r>
+          </a:p>
+        </p:txBody>
+      </p:sp>
+      <p:sp>
+        <p:nvSpPr>
+          <p:cNvPr id="3" name="Content Placeholder 2">
+            <a:extLst>
+              <a:ext uri="{FF2B5EF4-FFF2-40B4-BE49-F238E27FC236}">
+                <a16:creationId xmlns:a16="http://schemas.microsoft.com/office/drawing/2014/main" id="{0E53D195-EAA0-42BA-BC6C-1969B161D746}"/>
+              </a:ext>
+            </a:extLst>
+          </p:cNvPr>
+          <p:cNvSpPr>
+            <a:spLocks noGrp="1"/>
+          </p:cNvSpPr>
+          <p:nvPr>
+            <p:ph idx="1"/>
+          </p:nvPr>
+        </p:nvSpPr>
+        <p:spPr/>
+        <p:txBody>
+          <a:bodyPr/>
+          <a:lstStyle/>
+          <a:p>
+            <a:pPr marL="0" indent="0" algn="ctr">
+              <a:buNone/>
+            </a:pPr>
+            <a:endParaRPr lang="en-US" dirty="0"/>
+          </a:p>
+          <a:p>
+            <a:pPr marL="0" indent="0" algn="ctr">
+              <a:buNone/>
+            </a:pPr>
+            <a:endParaRPr lang="en-US" dirty="0"/>
+          </a:p>
+          <a:p>
+            <a:pPr marL="0" indent="0" algn="ctr">
+              <a:buNone/>
+            </a:pPr>
+            <a:endParaRPr lang="en-US" dirty="0"/>
+          </a:p>
+          <a:p>
+            <a:pPr marL="0" indent="0" algn="ctr">
+              <a:buNone/>
+            </a:pPr>
+            <a:r>
+              <a:rPr lang="en-US" sz="9600" dirty="0"/>
+              <a:t>Read chapter 7!!</a:t>
+            </a:r>
+          </a:p>
+        </p:txBody>
+      </p:sp>
+    </p:spTree>
+    <p:extLst>
+      <p:ext uri="{BB962C8B-B14F-4D97-AF65-F5344CB8AC3E}">
+        <p14:creationId xmlns:p14="http://schemas.microsoft.com/office/powerpoint/2010/main" val="471555508"/>
       </p:ext>
     </p:extLst>
   </p:cSld>
